--- a/Spring Boot Template.pptx
+++ b/Spring Boot Template.pptx
@@ -273,7 +273,7 @@
           <a:p>
             <a:fld id="{29539153-07D0-4B28-A462-83354FEB8672}" type="datetimeFigureOut">
               <a:rPr lang="ko-KR" altLang="en-US" smtClean="0"/>
-              <a:t>2025-05-26</a:t>
+              <a:t>2025-05-28</a:t>
             </a:fld>
             <a:endParaRPr lang="ko-KR" altLang="en-US"/>
           </a:p>
@@ -726,7 +726,7 @@
           <a:p>
             <a:fld id="{1AE170B4-DCA4-4EE4-8059-4BA444242460}" type="datetime1">
               <a:rPr lang="en-US" altLang="ko-KR" smtClean="0"/>
-              <a:t>5/26/2025</a:t>
+              <a:t>5/28/2025</a:t>
             </a:fld>
             <a:endParaRPr lang="en-US" dirty="0"/>
           </a:p>
@@ -996,7 +996,7 @@
           <a:p>
             <a:fld id="{DB88A018-11F7-4D2B-9F4C-1F3FA6B7A246}" type="datetime1">
               <a:rPr lang="en-US" altLang="ko-KR" smtClean="0"/>
-              <a:t>5/26/2025</a:t>
+              <a:t>5/28/2025</a:t>
             </a:fld>
             <a:endParaRPr lang="en-US" dirty="0"/>
           </a:p>
@@ -1185,7 +1185,7 @@
           <a:p>
             <a:fld id="{D5224AE2-11DE-4744-ADC2-0FC72D27DE65}" type="datetime1">
               <a:rPr lang="en-US" altLang="ko-KR" smtClean="0"/>
-              <a:t>5/26/2025</a:t>
+              <a:t>5/28/2025</a:t>
             </a:fld>
             <a:endParaRPr lang="en-US" dirty="0"/>
           </a:p>
@@ -1453,7 +1453,7 @@
           <a:p>
             <a:fld id="{CED884C0-540B-43E9-8D52-F2B8190494CC}" type="datetime1">
               <a:rPr lang="en-US" altLang="ko-KR" smtClean="0"/>
-              <a:t>5/26/2025</a:t>
+              <a:t>5/28/2025</a:t>
             </a:fld>
             <a:endParaRPr lang="en-US" dirty="0"/>
           </a:p>
@@ -1789,7 +1789,7 @@
           <a:p>
             <a:fld id="{45713032-3AF6-4C92-9640-C4F85E329C6E}" type="datetime1">
               <a:rPr lang="en-US" altLang="ko-KR" smtClean="0"/>
-              <a:t>5/26/2025</a:t>
+              <a:t>5/28/2025</a:t>
             </a:fld>
             <a:endParaRPr lang="en-US" dirty="0"/>
           </a:p>
@@ -2407,7 +2407,7 @@
           <a:p>
             <a:fld id="{AB028887-B076-4393-893D-E6929D932534}" type="datetime1">
               <a:rPr lang="en-US" altLang="ko-KR" smtClean="0"/>
-              <a:t>5/26/2025</a:t>
+              <a:t>5/28/2025</a:t>
             </a:fld>
             <a:endParaRPr lang="en-US" dirty="0"/>
           </a:p>
@@ -3262,7 +3262,7 @@
           <a:p>
             <a:fld id="{6FF8854E-294A-401B-BB36-C160A1A5D232}" type="datetime1">
               <a:rPr lang="en-US" altLang="ko-KR" smtClean="0"/>
-              <a:t>5/26/2025</a:t>
+              <a:t>5/28/2025</a:t>
             </a:fld>
             <a:endParaRPr lang="en-US" dirty="0"/>
           </a:p>
@@ -3427,7 +3427,7 @@
           <a:p>
             <a:fld id="{64C803B0-6265-46DF-AA32-5B4D8F29B9B4}" type="datetime1">
               <a:rPr lang="en-US" altLang="ko-KR" smtClean="0"/>
-              <a:t>5/26/2025</a:t>
+              <a:t>5/28/2025</a:t>
             </a:fld>
             <a:endParaRPr lang="en-US" dirty="0"/>
           </a:p>
@@ -3602,7 +3602,7 @@
           <a:p>
             <a:fld id="{2DDEDEE1-E40E-4F89-9B8F-B367327C511C}" type="datetime1">
               <a:rPr lang="en-US" altLang="ko-KR" smtClean="0"/>
-              <a:t>5/26/2025</a:t>
+              <a:t>5/28/2025</a:t>
             </a:fld>
             <a:endParaRPr lang="en-US" dirty="0"/>
           </a:p>
@@ -3767,7 +3767,7 @@
           <a:p>
             <a:fld id="{7563BC62-6CEA-45BD-92A5-5013FFA82658}" type="datetime1">
               <a:rPr lang="en-US" altLang="ko-KR" smtClean="0"/>
-              <a:t>5/26/2025</a:t>
+              <a:t>5/28/2025</a:t>
             </a:fld>
             <a:endParaRPr lang="en-US" dirty="0"/>
           </a:p>
@@ -4009,7 +4009,7 @@
           <a:p>
             <a:fld id="{013F6650-8A32-4421-A803-CC561A36AE32}" type="datetime1">
               <a:rPr lang="en-US" altLang="ko-KR" smtClean="0"/>
-              <a:t>5/26/2025</a:t>
+              <a:t>5/28/2025</a:t>
             </a:fld>
             <a:endParaRPr lang="en-US" dirty="0"/>
           </a:p>
@@ -4296,7 +4296,7 @@
           <a:p>
             <a:fld id="{AF8A2F51-755C-4F45-BAA6-B0C249D4F111}" type="datetime1">
               <a:rPr lang="en-US" altLang="ko-KR" smtClean="0"/>
-              <a:t>5/26/2025</a:t>
+              <a:t>5/28/2025</a:t>
             </a:fld>
             <a:endParaRPr lang="en-US" dirty="0"/>
           </a:p>
@@ -4735,7 +4735,7 @@
           <a:p>
             <a:fld id="{B457C7EE-A746-49D8-9F32-6010E93B2218}" type="datetime1">
               <a:rPr lang="en-US" altLang="ko-KR" smtClean="0"/>
-              <a:t>5/26/2025</a:t>
+              <a:t>5/28/2025</a:t>
             </a:fld>
             <a:endParaRPr lang="en-US" dirty="0"/>
           </a:p>
@@ -4848,7 +4848,7 @@
           <a:p>
             <a:fld id="{3A9D936D-3553-4130-B94B-ED50ED37898C}" type="datetime1">
               <a:rPr lang="en-US" altLang="ko-KR" smtClean="0"/>
-              <a:t>5/26/2025</a:t>
+              <a:t>5/28/2025</a:t>
             </a:fld>
             <a:endParaRPr lang="en-US" dirty="0"/>
           </a:p>
@@ -4938,7 +4938,7 @@
           <a:p>
             <a:fld id="{7BBCF47B-5370-48B5-AB64-CA93D4B3F64E}" type="datetime1">
               <a:rPr lang="en-US" altLang="ko-KR" smtClean="0"/>
-              <a:t>5/26/2025</a:t>
+              <a:t>5/28/2025</a:t>
             </a:fld>
             <a:endParaRPr lang="en-US" dirty="0"/>
           </a:p>
@@ -5212,7 +5212,7 @@
           <a:p>
             <a:fld id="{62E82200-0CBD-47EA-A0C7-23162BC9B53A}" type="datetime1">
               <a:rPr lang="en-US" altLang="ko-KR" smtClean="0"/>
-              <a:t>5/26/2025</a:t>
+              <a:t>5/28/2025</a:t>
             </a:fld>
             <a:endParaRPr lang="en-US" dirty="0"/>
           </a:p>
@@ -5482,7 +5482,7 @@
           <a:p>
             <a:fld id="{50EAD86A-1128-4AC1-9410-89647BB2A01D}" type="datetime1">
               <a:rPr lang="en-US" altLang="ko-KR" smtClean="0"/>
-              <a:t>5/26/2025</a:t>
+              <a:t>5/28/2025</a:t>
             </a:fld>
             <a:endParaRPr lang="en-US" dirty="0"/>
           </a:p>
@@ -5906,7 +5906,7 @@
           <a:p>
             <a:fld id="{A775DCF0-6488-474F-AA91-7533C1D9B39A}" type="datetime1">
               <a:rPr lang="en-US" altLang="ko-KR" smtClean="0"/>
-              <a:t>5/26/2025</a:t>
+              <a:t>5/28/2025</a:t>
             </a:fld>
             <a:endParaRPr lang="en-US" dirty="0"/>
           </a:p>
@@ -17543,14 +17543,14 @@
           <p:nvPr>
             <p:extLst>
               <p:ext uri="{D42A27DB-BD31-4B8C-83A1-F6EECF244321}">
-                <p14:modId xmlns:p14="http://schemas.microsoft.com/office/powerpoint/2010/main" val="1441799098"/>
+                <p14:modId xmlns:p14="http://schemas.microsoft.com/office/powerpoint/2010/main" val="3666368641"/>
               </p:ext>
             </p:extLst>
           </p:nvPr>
         </p:nvGraphicFramePr>
         <p:xfrm>
-          <a:off x="6404363" y="1560259"/>
-          <a:ext cx="4786376" cy="4079240"/>
+          <a:off x="6025896" y="1560259"/>
+          <a:ext cx="5164843" cy="4226560"/>
         </p:xfrm>
         <a:graphic>
           <a:graphicData uri="http://schemas.openxmlformats.org/drawingml/2006/table">
@@ -17559,14 +17559,14 @@
                 <a:tableStyleId>{616DA210-FB5B-4158-B5E0-FEB733F419BA}</a:tableStyleId>
               </a:tblPr>
               <a:tblGrid>
-                <a:gridCol w="1371085">
+                <a:gridCol w="1865376">
                   <a:extLst>
                     <a:ext uri="{9D8B030D-6E8A-4147-A177-3AD203B41FA5}">
                       <a16:colId xmlns:a16="http://schemas.microsoft.com/office/drawing/2014/main" val="1797959915"/>
                     </a:ext>
                   </a:extLst>
                 </a:gridCol>
-                <a:gridCol w="3415291">
+                <a:gridCol w="3299467">
                   <a:extLst>
                     <a:ext uri="{9D8B030D-6E8A-4147-A177-3AD203B41FA5}">
                       <a16:colId xmlns:a16="http://schemas.microsoft.com/office/drawing/2014/main" val="1458635959"/>
@@ -17998,10 +17998,18 @@
                     <a:p>
                       <a:pPr latinLnBrk="1"/>
                       <a:r>
-                        <a:rPr lang="en-US" altLang="ko-KR" sz="1400" dirty="0"/>
+                        <a:rPr lang="en-US" altLang="ko-KR" sz="2800" b="1" dirty="0">
+                          <a:solidFill>
+                            <a:srgbClr val="FF0000"/>
+                          </a:solidFill>
+                        </a:rPr>
                         <a:t>Package</a:t>
                       </a:r>
-                      <a:endParaRPr lang="ko-KR" altLang="en-US" sz="1400" dirty="0"/>
+                      <a:endParaRPr lang="ko-KR" altLang="en-US" sz="1400" b="1" dirty="0">
+                        <a:solidFill>
+                          <a:srgbClr val="FF0000"/>
+                        </a:solidFill>
+                      </a:endParaRPr>
                     </a:p>
                   </a:txBody>
                   <a:tcPr/>
@@ -18013,16 +18021,16 @@
                     <a:p>
                       <a:pPr latinLnBrk="1"/>
                       <a:r>
-                        <a:rPr lang="en-US" altLang="ko-KR" sz="1400" b="1" dirty="0" err="1">
+                        <a:rPr lang="en-US" altLang="ko-KR" sz="2800" b="1" dirty="0" err="1">
                           <a:solidFill>
-                            <a:srgbClr val="FF0000"/>
+                            <a:schemeClr val="tx1"/>
                           </a:solidFill>
                         </a:rPr>
                         <a:t>egov</a:t>
                       </a:r>
                       <a:endParaRPr lang="ko-KR" altLang="en-US" sz="1400" b="1" dirty="0">
                         <a:solidFill>
-                          <a:srgbClr val="FF0000"/>
+                          <a:schemeClr val="tx1"/>
                         </a:solidFill>
                       </a:endParaRPr>
                     </a:p>

--- a/Spring Boot Template.pptx
+++ b/Spring Boot Template.pptx
@@ -5,7 +5,7 @@
     <p:sldMasterId id="2147483648" r:id="rId1"/>
   </p:sldMasterIdLst>
   <p:notesMasterIdLst>
-    <p:notesMasterId r:id="rId79"/>
+    <p:notesMasterId r:id="rId90"/>
   </p:notesMasterIdLst>
   <p:sldIdLst>
     <p:sldId id="256" r:id="rId2"/>
@@ -82,9 +82,20 @@
     <p:sldId id="340" r:id="rId73"/>
     <p:sldId id="341" r:id="rId74"/>
     <p:sldId id="344" r:id="rId75"/>
-    <p:sldId id="265" r:id="rId76"/>
-    <p:sldId id="287" r:id="rId77"/>
-    <p:sldId id="257" r:id="rId78"/>
+    <p:sldId id="345" r:id="rId76"/>
+    <p:sldId id="346" r:id="rId77"/>
+    <p:sldId id="347" r:id="rId78"/>
+    <p:sldId id="357" r:id="rId79"/>
+    <p:sldId id="348" r:id="rId80"/>
+    <p:sldId id="356" r:id="rId81"/>
+    <p:sldId id="349" r:id="rId82"/>
+    <p:sldId id="350" r:id="rId83"/>
+    <p:sldId id="351" r:id="rId84"/>
+    <p:sldId id="352" r:id="rId85"/>
+    <p:sldId id="354" r:id="rId86"/>
+    <p:sldId id="355" r:id="rId87"/>
+    <p:sldId id="287" r:id="rId88"/>
+    <p:sldId id="257" r:id="rId89"/>
   </p:sldIdLst>
   <p:sldSz cx="12192000" cy="6858000"/>
   <p:notesSz cx="6858000" cy="9144000"/>
@@ -273,7 +284,7 @@
           <a:p>
             <a:fld id="{29539153-07D0-4B28-A462-83354FEB8672}" type="datetimeFigureOut">
               <a:rPr lang="ko-KR" altLang="en-US" smtClean="0"/>
-              <a:t>2025-05-28</a:t>
+              <a:t>2025-05-30</a:t>
             </a:fld>
             <a:endParaRPr lang="ko-KR" altLang="en-US"/>
           </a:p>
@@ -726,7 +737,7 @@
           <a:p>
             <a:fld id="{1AE170B4-DCA4-4EE4-8059-4BA444242460}" type="datetime1">
               <a:rPr lang="en-US" altLang="ko-KR" smtClean="0"/>
-              <a:t>5/28/2025</a:t>
+              <a:t>5/30/2025</a:t>
             </a:fld>
             <a:endParaRPr lang="en-US" dirty="0"/>
           </a:p>
@@ -996,7 +1007,7 @@
           <a:p>
             <a:fld id="{DB88A018-11F7-4D2B-9F4C-1F3FA6B7A246}" type="datetime1">
               <a:rPr lang="en-US" altLang="ko-KR" smtClean="0"/>
-              <a:t>5/28/2025</a:t>
+              <a:t>5/30/2025</a:t>
             </a:fld>
             <a:endParaRPr lang="en-US" dirty="0"/>
           </a:p>
@@ -1185,7 +1196,7 @@
           <a:p>
             <a:fld id="{D5224AE2-11DE-4744-ADC2-0FC72D27DE65}" type="datetime1">
               <a:rPr lang="en-US" altLang="ko-KR" smtClean="0"/>
-              <a:t>5/28/2025</a:t>
+              <a:t>5/30/2025</a:t>
             </a:fld>
             <a:endParaRPr lang="en-US" dirty="0"/>
           </a:p>
@@ -1453,7 +1464,7 @@
           <a:p>
             <a:fld id="{CED884C0-540B-43E9-8D52-F2B8190494CC}" type="datetime1">
               <a:rPr lang="en-US" altLang="ko-KR" smtClean="0"/>
-              <a:t>5/28/2025</a:t>
+              <a:t>5/30/2025</a:t>
             </a:fld>
             <a:endParaRPr lang="en-US" dirty="0"/>
           </a:p>
@@ -1789,7 +1800,7 @@
           <a:p>
             <a:fld id="{45713032-3AF6-4C92-9640-C4F85E329C6E}" type="datetime1">
               <a:rPr lang="en-US" altLang="ko-KR" smtClean="0"/>
-              <a:t>5/28/2025</a:t>
+              <a:t>5/30/2025</a:t>
             </a:fld>
             <a:endParaRPr lang="en-US" dirty="0"/>
           </a:p>
@@ -2407,7 +2418,7 @@
           <a:p>
             <a:fld id="{AB028887-B076-4393-893D-E6929D932534}" type="datetime1">
               <a:rPr lang="en-US" altLang="ko-KR" smtClean="0"/>
-              <a:t>5/28/2025</a:t>
+              <a:t>5/30/2025</a:t>
             </a:fld>
             <a:endParaRPr lang="en-US" dirty="0"/>
           </a:p>
@@ -3262,7 +3273,7 @@
           <a:p>
             <a:fld id="{6FF8854E-294A-401B-BB36-C160A1A5D232}" type="datetime1">
               <a:rPr lang="en-US" altLang="ko-KR" smtClean="0"/>
-              <a:t>5/28/2025</a:t>
+              <a:t>5/30/2025</a:t>
             </a:fld>
             <a:endParaRPr lang="en-US" dirty="0"/>
           </a:p>
@@ -3427,7 +3438,7 @@
           <a:p>
             <a:fld id="{64C803B0-6265-46DF-AA32-5B4D8F29B9B4}" type="datetime1">
               <a:rPr lang="en-US" altLang="ko-KR" smtClean="0"/>
-              <a:t>5/28/2025</a:t>
+              <a:t>5/30/2025</a:t>
             </a:fld>
             <a:endParaRPr lang="en-US" dirty="0"/>
           </a:p>
@@ -3602,7 +3613,7 @@
           <a:p>
             <a:fld id="{2DDEDEE1-E40E-4F89-9B8F-B367327C511C}" type="datetime1">
               <a:rPr lang="en-US" altLang="ko-KR" smtClean="0"/>
-              <a:t>5/28/2025</a:t>
+              <a:t>5/30/2025</a:t>
             </a:fld>
             <a:endParaRPr lang="en-US" dirty="0"/>
           </a:p>
@@ -3767,7 +3778,7 @@
           <a:p>
             <a:fld id="{7563BC62-6CEA-45BD-92A5-5013FFA82658}" type="datetime1">
               <a:rPr lang="en-US" altLang="ko-KR" smtClean="0"/>
-              <a:t>5/28/2025</a:t>
+              <a:t>5/30/2025</a:t>
             </a:fld>
             <a:endParaRPr lang="en-US" dirty="0"/>
           </a:p>
@@ -4009,7 +4020,7 @@
           <a:p>
             <a:fld id="{013F6650-8A32-4421-A803-CC561A36AE32}" type="datetime1">
               <a:rPr lang="en-US" altLang="ko-KR" smtClean="0"/>
-              <a:t>5/28/2025</a:t>
+              <a:t>5/30/2025</a:t>
             </a:fld>
             <a:endParaRPr lang="en-US" dirty="0"/>
           </a:p>
@@ -4296,7 +4307,7 @@
           <a:p>
             <a:fld id="{AF8A2F51-755C-4F45-BAA6-B0C249D4F111}" type="datetime1">
               <a:rPr lang="en-US" altLang="ko-KR" smtClean="0"/>
-              <a:t>5/28/2025</a:t>
+              <a:t>5/30/2025</a:t>
             </a:fld>
             <a:endParaRPr lang="en-US" dirty="0"/>
           </a:p>
@@ -4735,7 +4746,7 @@
           <a:p>
             <a:fld id="{B457C7EE-A746-49D8-9F32-6010E93B2218}" type="datetime1">
               <a:rPr lang="en-US" altLang="ko-KR" smtClean="0"/>
-              <a:t>5/28/2025</a:t>
+              <a:t>5/30/2025</a:t>
             </a:fld>
             <a:endParaRPr lang="en-US" dirty="0"/>
           </a:p>
@@ -4848,7 +4859,7 @@
           <a:p>
             <a:fld id="{3A9D936D-3553-4130-B94B-ED50ED37898C}" type="datetime1">
               <a:rPr lang="en-US" altLang="ko-KR" smtClean="0"/>
-              <a:t>5/28/2025</a:t>
+              <a:t>5/30/2025</a:t>
             </a:fld>
             <a:endParaRPr lang="en-US" dirty="0"/>
           </a:p>
@@ -4938,7 +4949,7 @@
           <a:p>
             <a:fld id="{7BBCF47B-5370-48B5-AB64-CA93D4B3F64E}" type="datetime1">
               <a:rPr lang="en-US" altLang="ko-KR" smtClean="0"/>
-              <a:t>5/28/2025</a:t>
+              <a:t>5/30/2025</a:t>
             </a:fld>
             <a:endParaRPr lang="en-US" dirty="0"/>
           </a:p>
@@ -5212,7 +5223,7 @@
           <a:p>
             <a:fld id="{62E82200-0CBD-47EA-A0C7-23162BC9B53A}" type="datetime1">
               <a:rPr lang="en-US" altLang="ko-KR" smtClean="0"/>
-              <a:t>5/28/2025</a:t>
+              <a:t>5/30/2025</a:t>
             </a:fld>
             <a:endParaRPr lang="en-US" dirty="0"/>
           </a:p>
@@ -5482,7 +5493,7 @@
           <a:p>
             <a:fld id="{50EAD86A-1128-4AC1-9410-89647BB2A01D}" type="datetime1">
               <a:rPr lang="en-US" altLang="ko-KR" smtClean="0"/>
-              <a:t>5/28/2025</a:t>
+              <a:t>5/30/2025</a:t>
             </a:fld>
             <a:endParaRPr lang="en-US" dirty="0"/>
           </a:p>
@@ -5906,7 +5917,7 @@
           <a:p>
             <a:fld id="{A775DCF0-6488-474F-AA91-7533C1D9B39A}" type="datetime1">
               <a:rPr lang="en-US" altLang="ko-KR" smtClean="0"/>
-              <a:t>5/28/2025</a:t>
+              <a:t>5/30/2025</a:t>
             </a:fld>
             <a:endParaRPr lang="en-US" dirty="0"/>
           </a:p>
@@ -45591,7 +45602,13 @@
   <p:cSld>
     <p:spTree>
       <p:nvGrpSpPr>
-        <p:cNvPr id="1" name=""/>
+        <p:cNvPr id="1" name="">
+          <a:extLst>
+            <a:ext uri="{FF2B5EF4-FFF2-40B4-BE49-F238E27FC236}">
+              <a16:creationId xmlns:a16="http://schemas.microsoft.com/office/drawing/2014/main" id="{7517E50A-FB2D-846E-DF20-0C03DD53F173}"/>
+            </a:ext>
+          </a:extLst>
+        </p:cNvPr>
         <p:cNvGrpSpPr/>
         <p:nvPr/>
       </p:nvGrpSpPr>
@@ -45605,10 +45622,79 @@
       </p:grpSpPr>
       <p:sp>
         <p:nvSpPr>
-          <p:cNvPr id="2" name="슬라이드 번호 개체 틀 1">
-            <a:extLst>
-              <a:ext uri="{FF2B5EF4-FFF2-40B4-BE49-F238E27FC236}">
-                <a16:creationId xmlns:a16="http://schemas.microsoft.com/office/drawing/2014/main" id="{392D5E1C-AA48-8E15-C11C-3D24F64CC304}"/>
+          <p:cNvPr id="2" name="제목 1">
+            <a:extLst>
+              <a:ext uri="{FF2B5EF4-FFF2-40B4-BE49-F238E27FC236}">
+                <a16:creationId xmlns:a16="http://schemas.microsoft.com/office/drawing/2014/main" id="{4CF75FE7-FFD3-46F9-6053-12937007F66E}"/>
+              </a:ext>
+            </a:extLst>
+          </p:cNvPr>
+          <p:cNvSpPr>
+            <a:spLocks noGrp="1"/>
+          </p:cNvSpPr>
+          <p:nvPr>
+            <p:ph type="title"/>
+          </p:nvPr>
+        </p:nvSpPr>
+        <p:spPr/>
+        <p:txBody>
+          <a:bodyPr/>
+          <a:lstStyle/>
+          <a:p>
+            <a:r>
+              <a:rPr lang="en-US" altLang="ko-KR" dirty="0"/>
+              <a:t>8. Kafka</a:t>
+            </a:r>
+            <a:r>
+              <a:rPr lang="ko-KR" altLang="en-US" dirty="0"/>
+              <a:t> 연동</a:t>
+            </a:r>
+          </a:p>
+        </p:txBody>
+      </p:sp>
+      <p:sp>
+        <p:nvSpPr>
+          <p:cNvPr id="3" name="텍스트 개체 틀 2">
+            <a:extLst>
+              <a:ext uri="{FF2B5EF4-FFF2-40B4-BE49-F238E27FC236}">
+                <a16:creationId xmlns:a16="http://schemas.microsoft.com/office/drawing/2014/main" id="{78D8C419-704F-B5B1-0358-960EC2C3A279}"/>
+              </a:ext>
+            </a:extLst>
+          </p:cNvPr>
+          <p:cNvSpPr>
+            <a:spLocks noGrp="1"/>
+          </p:cNvSpPr>
+          <p:nvPr>
+            <p:ph type="body" idx="1"/>
+          </p:nvPr>
+        </p:nvSpPr>
+        <p:spPr/>
+        <p:txBody>
+          <a:bodyPr>
+            <a:normAutofit/>
+          </a:bodyPr>
+          <a:lstStyle/>
+          <a:p>
+            <a:endParaRPr lang="en-US" altLang="ko-KR" dirty="0"/>
+          </a:p>
+          <a:p>
+            <a:r>
+              <a:rPr lang="ko-KR" altLang="en-US" dirty="0"/>
+              <a:t>옵션값 </a:t>
+            </a:r>
+            <a:r>
+              <a:rPr lang="en-US" altLang="ko-KR" dirty="0"/>
+              <a:t>: 8</a:t>
+            </a:r>
+          </a:p>
+        </p:txBody>
+      </p:sp>
+      <p:sp>
+        <p:nvSpPr>
+          <p:cNvPr id="4" name="슬라이드 번호 개체 틀 3">
+            <a:extLst>
+              <a:ext uri="{FF2B5EF4-FFF2-40B4-BE49-F238E27FC236}">
+                <a16:creationId xmlns:a16="http://schemas.microsoft.com/office/drawing/2014/main" id="{5F1A6FDB-A5F8-C38E-9743-3C08E97E927F}"/>
               </a:ext>
             </a:extLst>
           </p:cNvPr>
@@ -45632,72 +45718,158 @@
           </a:p>
         </p:txBody>
       </p:sp>
-      <p:pic>
-        <p:nvPicPr>
-          <p:cNvPr id="4" name="그림 3">
-            <a:extLst>
-              <a:ext uri="{FF2B5EF4-FFF2-40B4-BE49-F238E27FC236}">
-                <a16:creationId xmlns:a16="http://schemas.microsoft.com/office/drawing/2014/main" id="{280DA6EE-99BA-D7DC-3B96-995F80354B1A}"/>
-              </a:ext>
-            </a:extLst>
-          </p:cNvPr>
-          <p:cNvPicPr>
-            <a:picLocks noChangeAspect="1"/>
-          </p:cNvPicPr>
-          <p:nvPr/>
-        </p:nvPicPr>
-        <p:blipFill>
-          <a:blip r:embed="rId2"/>
-          <a:stretch>
-            <a:fillRect/>
-          </a:stretch>
-        </p:blipFill>
-        <p:spPr>
-          <a:xfrm>
-            <a:off x="291550" y="1316337"/>
-            <a:ext cx="6963747" cy="2981741"/>
-          </a:xfrm>
-          <a:prstGeom prst="rect">
-            <a:avLst/>
-          </a:prstGeom>
-        </p:spPr>
-      </p:pic>
-      <p:pic>
-        <p:nvPicPr>
-          <p:cNvPr id="6" name="그림 5">
-            <a:extLst>
-              <a:ext uri="{FF2B5EF4-FFF2-40B4-BE49-F238E27FC236}">
-                <a16:creationId xmlns:a16="http://schemas.microsoft.com/office/drawing/2014/main" id="{15FCB3B0-0F60-1697-F57C-A709285B747A}"/>
-              </a:ext>
-            </a:extLst>
-          </p:cNvPr>
-          <p:cNvPicPr>
-            <a:picLocks noChangeAspect="1"/>
-          </p:cNvPicPr>
-          <p:nvPr/>
-        </p:nvPicPr>
-        <p:blipFill>
-          <a:blip r:embed="rId3"/>
-          <a:stretch>
-            <a:fillRect/>
-          </a:stretch>
-        </p:blipFill>
-        <p:spPr>
-          <a:xfrm>
-            <a:off x="4375653" y="3548684"/>
-            <a:ext cx="7354326" cy="2010056"/>
-          </a:xfrm>
-          <a:prstGeom prst="rect">
-            <a:avLst/>
-          </a:prstGeom>
-        </p:spPr>
-      </p:pic>
-      <p:sp>
-        <p:nvSpPr>
-          <p:cNvPr id="7" name="TextBox 6">
-            <a:extLst>
-              <a:ext uri="{FF2B5EF4-FFF2-40B4-BE49-F238E27FC236}">
-                <a16:creationId xmlns:a16="http://schemas.microsoft.com/office/drawing/2014/main" id="{A44EF5A9-FC64-78BB-2443-DF8FD3430CE2}"/>
+    </p:spTree>
+    <p:extLst>
+      <p:ext uri="{BB962C8B-B14F-4D97-AF65-F5344CB8AC3E}">
+        <p14:creationId xmlns:p14="http://schemas.microsoft.com/office/powerpoint/2010/main" val="391248521"/>
+      </p:ext>
+    </p:extLst>
+  </p:cSld>
+  <p:clrMapOvr>
+    <a:masterClrMapping/>
+  </p:clrMapOvr>
+</p:sld>
+</file>
+
+<file path=ppt/slides/slide76.xml><?xml version="1.0" encoding="utf-8"?>
+<p:sld xmlns:a="http://schemas.openxmlformats.org/drawingml/2006/main" xmlns:r="http://schemas.openxmlformats.org/officeDocument/2006/relationships" xmlns:p="http://schemas.openxmlformats.org/presentationml/2006/main">
+  <p:cSld>
+    <p:spTree>
+      <p:nvGrpSpPr>
+        <p:cNvPr id="1" name="">
+          <a:extLst>
+            <a:ext uri="{FF2B5EF4-FFF2-40B4-BE49-F238E27FC236}">
+              <a16:creationId xmlns:a16="http://schemas.microsoft.com/office/drawing/2014/main" id="{18C74C19-B522-D515-A698-B9B2706AC009}"/>
+            </a:ext>
+          </a:extLst>
+        </p:cNvPr>
+        <p:cNvGrpSpPr/>
+        <p:nvPr/>
+      </p:nvGrpSpPr>
+      <p:grpSpPr>
+        <a:xfrm>
+          <a:off x="0" y="0"/>
+          <a:ext cx="0" cy="0"/>
+          <a:chOff x="0" y="0"/>
+          <a:chExt cx="0" cy="0"/>
+        </a:xfrm>
+      </p:grpSpPr>
+      <p:grpSp>
+        <p:nvGrpSpPr>
+          <p:cNvPr id="13" name="그룹 12">
+            <a:extLst>
+              <a:ext uri="{FF2B5EF4-FFF2-40B4-BE49-F238E27FC236}">
+                <a16:creationId xmlns:a16="http://schemas.microsoft.com/office/drawing/2014/main" id="{4400C6D9-5B23-80E5-A81D-B26EEA9547B7}"/>
+              </a:ext>
+            </a:extLst>
+          </p:cNvPr>
+          <p:cNvGrpSpPr/>
+          <p:nvPr/>
+        </p:nvGrpSpPr>
+        <p:grpSpPr>
+          <a:xfrm>
+            <a:off x="0" y="1395490"/>
+            <a:ext cx="12192000" cy="3734917"/>
+            <a:chOff x="0" y="1395490"/>
+            <a:chExt cx="12192000" cy="3734917"/>
+          </a:xfrm>
+        </p:grpSpPr>
+        <p:pic>
+          <p:nvPicPr>
+            <p:cNvPr id="6" name="그림 5">
+              <a:extLst>
+                <a:ext uri="{FF2B5EF4-FFF2-40B4-BE49-F238E27FC236}">
+                  <a16:creationId xmlns:a16="http://schemas.microsoft.com/office/drawing/2014/main" id="{EA87F00D-D2E9-E623-9D82-D582F938FCEB}"/>
+                </a:ext>
+              </a:extLst>
+            </p:cNvPr>
+            <p:cNvPicPr>
+              <a:picLocks noChangeAspect="1"/>
+            </p:cNvPicPr>
+            <p:nvPr/>
+          </p:nvPicPr>
+          <p:blipFill>
+            <a:blip r:embed="rId2"/>
+            <a:stretch>
+              <a:fillRect/>
+            </a:stretch>
+          </p:blipFill>
+          <p:spPr>
+            <a:xfrm>
+              <a:off x="0" y="1395490"/>
+              <a:ext cx="12192000" cy="1250668"/>
+            </a:xfrm>
+            <a:prstGeom prst="rect">
+              <a:avLst/>
+            </a:prstGeom>
+          </p:spPr>
+        </p:pic>
+        <p:pic>
+          <p:nvPicPr>
+            <p:cNvPr id="8" name="그림 7">
+              <a:extLst>
+                <a:ext uri="{FF2B5EF4-FFF2-40B4-BE49-F238E27FC236}">
+                  <a16:creationId xmlns:a16="http://schemas.microsoft.com/office/drawing/2014/main" id="{409BC47A-43A0-667A-A444-7EC80B34D4A6}"/>
+                </a:ext>
+              </a:extLst>
+            </p:cNvPr>
+            <p:cNvPicPr>
+              <a:picLocks noChangeAspect="1"/>
+            </p:cNvPicPr>
+            <p:nvPr/>
+          </p:nvPicPr>
+          <p:blipFill>
+            <a:blip r:embed="rId3"/>
+            <a:stretch>
+              <a:fillRect/>
+            </a:stretch>
+          </p:blipFill>
+          <p:spPr>
+            <a:xfrm>
+              <a:off x="0" y="2806584"/>
+              <a:ext cx="12192000" cy="2323823"/>
+            </a:xfrm>
+            <a:prstGeom prst="rect">
+              <a:avLst/>
+            </a:prstGeom>
+          </p:spPr>
+        </p:pic>
+      </p:grpSp>
+      <p:sp>
+        <p:nvSpPr>
+          <p:cNvPr id="2" name="슬라이드 번호 개체 틀 1">
+            <a:extLst>
+              <a:ext uri="{FF2B5EF4-FFF2-40B4-BE49-F238E27FC236}">
+                <a16:creationId xmlns:a16="http://schemas.microsoft.com/office/drawing/2014/main" id="{2F198CA3-E497-9F96-09FB-AC4835D8653B}"/>
+              </a:ext>
+            </a:extLst>
+          </p:cNvPr>
+          <p:cNvSpPr>
+            <a:spLocks noGrp="1"/>
+          </p:cNvSpPr>
+          <p:nvPr>
+            <p:ph type="sldNum" sz="quarter" idx="12"/>
+          </p:nvPr>
+        </p:nvSpPr>
+        <p:spPr/>
+        <p:txBody>
+          <a:bodyPr/>
+          <a:lstStyle/>
+          <a:p>
+            <a:fld id="{D57F1E4F-1CFF-5643-939E-02111984F565}" type="slidenum">
+              <a:rPr lang="en-US" smtClean="0"/>
+              <a:t>75</a:t>
+            </a:fld>
+            <a:endParaRPr lang="en-US" dirty="0"/>
+          </a:p>
+        </p:txBody>
+      </p:sp>
+      <p:sp>
+        <p:nvSpPr>
+          <p:cNvPr id="3" name="TextBox 2">
+            <a:extLst>
+              <a:ext uri="{FF2B5EF4-FFF2-40B4-BE49-F238E27FC236}">
+                <a16:creationId xmlns:a16="http://schemas.microsoft.com/office/drawing/2014/main" id="{A34B8877-9954-DC56-2A0C-BEC5E57B2CC2}"/>
               </a:ext>
             </a:extLst>
           </p:cNvPr>
@@ -45721,97 +45893,59 @@
           <a:lstStyle/>
           <a:p>
             <a:r>
-              <a:rPr lang="en-US" altLang="ko-KR" b="1" dirty="0">
+              <a:rPr lang="en-US" altLang="ko-KR" dirty="0"/>
+              <a:t>8. Kafka</a:t>
+            </a:r>
+            <a:r>
+              <a:rPr lang="ko-KR" altLang="en-US" dirty="0"/>
+              <a:t> 연동</a:t>
+            </a:r>
+          </a:p>
+        </p:txBody>
+      </p:sp>
+      <p:sp>
+        <p:nvSpPr>
+          <p:cNvPr id="4" name="TextBox 3">
+            <a:extLst>
+              <a:ext uri="{FF2B5EF4-FFF2-40B4-BE49-F238E27FC236}">
+                <a16:creationId xmlns:a16="http://schemas.microsoft.com/office/drawing/2014/main" id="{F073724B-2893-2DAA-D34D-4D63D8242300}"/>
+              </a:ext>
+            </a:extLst>
+          </p:cNvPr>
+          <p:cNvSpPr txBox="1"/>
+          <p:nvPr/>
+        </p:nvSpPr>
+        <p:spPr>
+          <a:xfrm>
+            <a:off x="521208" y="565064"/>
+            <a:ext cx="9573768" cy="323165"/>
+          </a:xfrm>
+          <a:prstGeom prst="rect">
+            <a:avLst/>
+          </a:prstGeom>
+          <a:noFill/>
+        </p:spPr>
+        <p:txBody>
+          <a:bodyPr wrap="square" rtlCol="0">
+            <a:spAutoFit/>
+          </a:bodyPr>
+          <a:lstStyle/>
+          <a:p>
+            <a:r>
+              <a:rPr lang="ko-KR" altLang="en-US" sz="1500" dirty="0"/>
+              <a:t>실행 </a:t>
+            </a:r>
+            <a:r>
+              <a:rPr lang="en-US" altLang="ko-KR" sz="1500" dirty="0"/>
+              <a:t>: java -jar GenerateExample-SpringBoot.jar </a:t>
+            </a:r>
+            <a:r>
+              <a:rPr lang="en-US" altLang="ko-KR" sz="1500" b="1" dirty="0">
                 <a:solidFill>
                   <a:srgbClr val="FF0000"/>
                 </a:solidFill>
-                <a:latin typeface="바탕체" panose="02030609000101010101" pitchFamily="17" charset="-127"/>
-                <a:ea typeface="바탕체" panose="02030609000101010101" pitchFamily="17" charset="-127"/>
-              </a:rPr>
-              <a:t>※ </a:t>
-            </a:r>
-            <a:r>
-              <a:rPr lang="ko-KR" altLang="en-US" b="1" dirty="0">
-                <a:solidFill>
-                  <a:srgbClr val="FF0000"/>
-                </a:solidFill>
-              </a:rPr>
-              <a:t>참고</a:t>
-            </a:r>
-            <a:r>
-              <a:rPr lang="en-US" altLang="ko-KR" dirty="0"/>
-              <a:t> : Spring</a:t>
-            </a:r>
-            <a:r>
-              <a:rPr lang="ko-KR" altLang="en-US" dirty="0"/>
-              <a:t> </a:t>
-            </a:r>
-            <a:r>
-              <a:rPr lang="en-US" altLang="ko-KR" dirty="0"/>
-              <a:t>Boot Application </a:t>
-            </a:r>
-            <a:r>
-              <a:rPr lang="ko-KR" altLang="en-US" dirty="0"/>
-              <a:t>실행</a:t>
-            </a:r>
-          </a:p>
-        </p:txBody>
-      </p:sp>
-      <p:sp>
-        <p:nvSpPr>
-          <p:cNvPr id="8" name="TextBox 7">
-            <a:extLst>
-              <a:ext uri="{FF2B5EF4-FFF2-40B4-BE49-F238E27FC236}">
-                <a16:creationId xmlns:a16="http://schemas.microsoft.com/office/drawing/2014/main" id="{3439A5CA-822C-43B2-43FC-77BB51B4562E}"/>
-              </a:ext>
-            </a:extLst>
-          </p:cNvPr>
-          <p:cNvSpPr txBox="1"/>
-          <p:nvPr/>
-        </p:nvSpPr>
-        <p:spPr>
-          <a:xfrm>
-            <a:off x="521208" y="565064"/>
-            <a:ext cx="9573768" cy="338554"/>
-          </a:xfrm>
-          <a:prstGeom prst="rect">
-            <a:avLst/>
-          </a:prstGeom>
-          <a:noFill/>
-        </p:spPr>
-        <p:txBody>
-          <a:bodyPr wrap="square" rtlCol="0">
-            <a:spAutoFit/>
-          </a:bodyPr>
-          <a:lstStyle/>
-          <a:p>
-            <a:r>
-              <a:rPr lang="ko-KR" altLang="en-US" sz="1600" dirty="0">
-                <a:latin typeface="맑은 고딕" panose="020B0503020000020004" pitchFamily="50" charset="-127"/>
-                <a:ea typeface="맑은 고딕" panose="020B0503020000020004" pitchFamily="50" charset="-127"/>
-              </a:rPr>
-              <a:t>마우스 </a:t>
-            </a:r>
-            <a:r>
-              <a:rPr lang="ko-KR" altLang="en-US" sz="1600" dirty="0" err="1">
-                <a:latin typeface="맑은 고딕" panose="020B0503020000020004" pitchFamily="50" charset="-127"/>
-                <a:ea typeface="맑은 고딕" panose="020B0503020000020004" pitchFamily="50" charset="-127"/>
-              </a:rPr>
-              <a:t>우클릭</a:t>
-            </a:r>
-            <a:r>
-              <a:rPr lang="ko-KR" altLang="en-US" sz="1600" dirty="0">
-                <a:latin typeface="맑은 고딕" panose="020B0503020000020004" pitchFamily="50" charset="-127"/>
-                <a:ea typeface="맑은 고딕" panose="020B0503020000020004" pitchFamily="50" charset="-127"/>
-              </a:rPr>
-              <a:t> </a:t>
-            </a:r>
-            <a:r>
-              <a:rPr lang="en-US" altLang="ko-KR" sz="1600" dirty="0">
-                <a:latin typeface="맑은 고딕" panose="020B0503020000020004" pitchFamily="50" charset="-127"/>
-                <a:ea typeface="맑은 고딕" panose="020B0503020000020004" pitchFamily="50" charset="-127"/>
-              </a:rPr>
-              <a:t>&gt; Run As &gt; Spring Boot app</a:t>
+              </a:rPr>
+              <a:t>8</a:t>
             </a:r>
             <a:endParaRPr lang="ko-KR" altLang="en-US" sz="1500" b="1" dirty="0">
               <a:solidFill>
@@ -45823,10 +45957,10 @@
       </p:sp>
       <p:sp>
         <p:nvSpPr>
-          <p:cNvPr id="9" name="직사각형 8">
-            <a:extLst>
-              <a:ext uri="{FF2B5EF4-FFF2-40B4-BE49-F238E27FC236}">
-                <a16:creationId xmlns:a16="http://schemas.microsoft.com/office/drawing/2014/main" id="{0D7B6AC4-5046-75D1-7DE3-0D1A9761F531}"/>
+          <p:cNvPr id="10" name="직사각형 9">
+            <a:extLst>
+              <a:ext uri="{FF2B5EF4-FFF2-40B4-BE49-F238E27FC236}">
+                <a16:creationId xmlns:a16="http://schemas.microsoft.com/office/drawing/2014/main" id="{EB115E08-3189-4D23-E464-F7C4C14A0631}"/>
               </a:ext>
             </a:extLst>
           </p:cNvPr>
@@ -45835,8 +45969,8 @@
         </p:nvSpPr>
         <p:spPr>
           <a:xfrm>
-            <a:off x="664897" y="2333726"/>
-            <a:ext cx="2050872" cy="263170"/>
+            <a:off x="7845552" y="1801368"/>
+            <a:ext cx="4288536" cy="333233"/>
           </a:xfrm>
           <a:prstGeom prst="rect">
             <a:avLst/>
@@ -45875,10 +46009,10 @@
       </p:sp>
       <p:sp>
         <p:nvSpPr>
-          <p:cNvPr id="10" name="직사각형 9">
-            <a:extLst>
-              <a:ext uri="{FF2B5EF4-FFF2-40B4-BE49-F238E27FC236}">
-                <a16:creationId xmlns:a16="http://schemas.microsoft.com/office/drawing/2014/main" id="{DEB4C4CD-7C94-75AB-39D6-FAD4B0B830D4}"/>
+          <p:cNvPr id="11" name="직사각형 10">
+            <a:extLst>
+              <a:ext uri="{FF2B5EF4-FFF2-40B4-BE49-F238E27FC236}">
+                <a16:creationId xmlns:a16="http://schemas.microsoft.com/office/drawing/2014/main" id="{AD2EED87-EB9E-B3DE-8EA0-A97F0A0FF591}"/>
               </a:ext>
             </a:extLst>
           </p:cNvPr>
@@ -45887,8 +46021,8 @@
         </p:nvSpPr>
         <p:spPr>
           <a:xfrm>
-            <a:off x="4448014" y="4166493"/>
-            <a:ext cx="2050872" cy="263170"/>
+            <a:off x="47244" y="2178699"/>
+            <a:ext cx="12077700" cy="2657282"/>
           </a:xfrm>
           <a:prstGeom prst="rect">
             <a:avLst/>
@@ -45927,10 +46061,10 @@
       </p:sp>
       <p:sp>
         <p:nvSpPr>
-          <p:cNvPr id="11" name="직사각형 10">
-            <a:extLst>
-              <a:ext uri="{FF2B5EF4-FFF2-40B4-BE49-F238E27FC236}">
-                <a16:creationId xmlns:a16="http://schemas.microsoft.com/office/drawing/2014/main" id="{928F3699-43D5-7679-78D0-F9885A2ABA42}"/>
+          <p:cNvPr id="12" name="말풍선: 타원형 11">
+            <a:extLst>
+              <a:ext uri="{FF2B5EF4-FFF2-40B4-BE49-F238E27FC236}">
+                <a16:creationId xmlns:a16="http://schemas.microsoft.com/office/drawing/2014/main" id="{97F41A6B-6428-CFBA-8AD9-D7B93B5CE511}"/>
               </a:ext>
             </a:extLst>
           </p:cNvPr>
@@ -45939,18 +46073,15 @@
         </p:nvSpPr>
         <p:spPr>
           <a:xfrm>
-            <a:off x="8363178" y="4407408"/>
-            <a:ext cx="2050872" cy="263170"/>
-          </a:xfrm>
-          <a:prstGeom prst="rect">
-            <a:avLst/>
-          </a:prstGeom>
-          <a:noFill/>
-          <a:ln w="28575">
-            <a:solidFill>
-              <a:srgbClr val="FF0000"/>
-            </a:solidFill>
-          </a:ln>
+            <a:off x="6928752" y="2913288"/>
+            <a:ext cx="3166224" cy="1031424"/>
+          </a:xfrm>
+          <a:prstGeom prst="wedgeEllipseCallout">
+            <a:avLst>
+              <a:gd name="adj1" fmla="val -42237"/>
+              <a:gd name="adj2" fmla="val -77798"/>
+            </a:avLst>
+          </a:prstGeom>
         </p:spPr>
         <p:style>
           <a:lnRef idx="2">
@@ -45972,17 +46103,259 @@
           <a:bodyPr rtlCol="0" anchor="ctr"/>
           <a:lstStyle/>
           <a:p>
-            <a:pPr algn="ctr"/>
-            <a:endParaRPr lang="ko-KR" altLang="en-US"/>
-          </a:p>
-        </p:txBody>
-      </p:sp>
-      <p:sp>
-        <p:nvSpPr>
-          <p:cNvPr id="12" name="직사각형 11">
-            <a:extLst>
-              <a:ext uri="{FF2B5EF4-FFF2-40B4-BE49-F238E27FC236}">
-                <a16:creationId xmlns:a16="http://schemas.microsoft.com/office/drawing/2014/main" id="{86B53271-F941-26D0-E6E9-48EB231F9407}"/>
+            <a:r>
+              <a:rPr lang="ko-KR" altLang="en-US" sz="1000" dirty="0"/>
+              <a:t>완료 됨</a:t>
+            </a:r>
+            <a:r>
+              <a:rPr lang="en-US" altLang="ko-KR" sz="1000" dirty="0"/>
+              <a:t>. </a:t>
+            </a:r>
+          </a:p>
+          <a:p>
+            <a:r>
+              <a:rPr lang="ko-KR" altLang="en-US" sz="1000" dirty="0"/>
+              <a:t>삭제 실패 문구는 기존에 존재하는 폴더 및 파일 삭제</a:t>
+            </a:r>
+            <a:r>
+              <a:rPr lang="en-US" altLang="ko-KR" sz="1000" dirty="0"/>
+              <a:t>(</a:t>
+            </a:r>
+            <a:r>
+              <a:rPr lang="ko-KR" altLang="en-US" sz="1000" dirty="0"/>
+              <a:t>즉</a:t>
+            </a:r>
+            <a:r>
+              <a:rPr lang="en-US" altLang="ko-KR" sz="1000" dirty="0"/>
+              <a:t>, </a:t>
+            </a:r>
+            <a:r>
+              <a:rPr lang="ko-KR" altLang="en-US" sz="1000" dirty="0"/>
+              <a:t>초기화</a:t>
+            </a:r>
+            <a:r>
+              <a:rPr lang="en-US" altLang="ko-KR" sz="1000" dirty="0"/>
+              <a:t>)</a:t>
+            </a:r>
+            <a:r>
+              <a:rPr lang="ko-KR" altLang="en-US" sz="1000" dirty="0"/>
+              <a:t>에 대한 메시지이므로 무시해도 됨</a:t>
+            </a:r>
+          </a:p>
+        </p:txBody>
+      </p:sp>
+    </p:spTree>
+    <p:extLst>
+      <p:ext uri="{BB962C8B-B14F-4D97-AF65-F5344CB8AC3E}">
+        <p14:creationId xmlns:p14="http://schemas.microsoft.com/office/powerpoint/2010/main" val="825781012"/>
+      </p:ext>
+    </p:extLst>
+  </p:cSld>
+  <p:clrMapOvr>
+    <a:masterClrMapping/>
+  </p:clrMapOvr>
+</p:sld>
+</file>
+
+<file path=ppt/slides/slide77.xml><?xml version="1.0" encoding="utf-8"?>
+<p:sld xmlns:a="http://schemas.openxmlformats.org/drawingml/2006/main" xmlns:r="http://schemas.openxmlformats.org/officeDocument/2006/relationships" xmlns:p="http://schemas.openxmlformats.org/presentationml/2006/main">
+  <p:cSld>
+    <p:spTree>
+      <p:nvGrpSpPr>
+        <p:cNvPr id="1" name="">
+          <a:extLst>
+            <a:ext uri="{FF2B5EF4-FFF2-40B4-BE49-F238E27FC236}">
+              <a16:creationId xmlns:a16="http://schemas.microsoft.com/office/drawing/2014/main" id="{1990E02D-B7A7-58BF-9DC1-4FB384220946}"/>
+            </a:ext>
+          </a:extLst>
+        </p:cNvPr>
+        <p:cNvGrpSpPr/>
+        <p:nvPr/>
+      </p:nvGrpSpPr>
+      <p:grpSpPr>
+        <a:xfrm>
+          <a:off x="0" y="0"/>
+          <a:ext cx="0" cy="0"/>
+          <a:chOff x="0" y="0"/>
+          <a:chExt cx="0" cy="0"/>
+        </a:xfrm>
+      </p:grpSpPr>
+      <p:pic>
+        <p:nvPicPr>
+          <p:cNvPr id="5" name="그림 4">
+            <a:extLst>
+              <a:ext uri="{FF2B5EF4-FFF2-40B4-BE49-F238E27FC236}">
+                <a16:creationId xmlns:a16="http://schemas.microsoft.com/office/drawing/2014/main" id="{2987C367-A892-8139-E88E-BC0DD569FEC0}"/>
+              </a:ext>
+            </a:extLst>
+          </p:cNvPr>
+          <p:cNvPicPr>
+            <a:picLocks noChangeAspect="1"/>
+          </p:cNvPicPr>
+          <p:nvPr/>
+        </p:nvPicPr>
+        <p:blipFill>
+          <a:blip r:embed="rId2"/>
+          <a:stretch>
+            <a:fillRect/>
+          </a:stretch>
+        </p:blipFill>
+        <p:spPr>
+          <a:xfrm>
+            <a:off x="686233" y="1135445"/>
+            <a:ext cx="4511868" cy="5429830"/>
+          </a:xfrm>
+          <a:prstGeom prst="rect">
+            <a:avLst/>
+          </a:prstGeom>
+        </p:spPr>
+      </p:pic>
+      <p:sp>
+        <p:nvSpPr>
+          <p:cNvPr id="2" name="슬라이드 번호 개체 틀 1">
+            <a:extLst>
+              <a:ext uri="{FF2B5EF4-FFF2-40B4-BE49-F238E27FC236}">
+                <a16:creationId xmlns:a16="http://schemas.microsoft.com/office/drawing/2014/main" id="{DDBBB148-D411-FFDB-7B37-1081CFB9326B}"/>
+              </a:ext>
+            </a:extLst>
+          </p:cNvPr>
+          <p:cNvSpPr>
+            <a:spLocks noGrp="1"/>
+          </p:cNvSpPr>
+          <p:nvPr>
+            <p:ph type="sldNum" sz="quarter" idx="12"/>
+          </p:nvPr>
+        </p:nvSpPr>
+        <p:spPr/>
+        <p:txBody>
+          <a:bodyPr/>
+          <a:lstStyle/>
+          <a:p>
+            <a:fld id="{D57F1E4F-1CFF-5643-939E-02111984F565}" type="slidenum">
+              <a:rPr lang="en-US" smtClean="0"/>
+              <a:t>76</a:t>
+            </a:fld>
+            <a:endParaRPr lang="en-US" dirty="0"/>
+          </a:p>
+        </p:txBody>
+      </p:sp>
+      <p:sp>
+        <p:nvSpPr>
+          <p:cNvPr id="3" name="TextBox 2">
+            <a:extLst>
+              <a:ext uri="{FF2B5EF4-FFF2-40B4-BE49-F238E27FC236}">
+                <a16:creationId xmlns:a16="http://schemas.microsoft.com/office/drawing/2014/main" id="{782AC7D2-48D1-227E-C936-BC7768C78D5F}"/>
+              </a:ext>
+            </a:extLst>
+          </p:cNvPr>
+          <p:cNvSpPr txBox="1"/>
+          <p:nvPr/>
+        </p:nvSpPr>
+        <p:spPr>
+          <a:xfrm>
+            <a:off x="100584" y="82296"/>
+            <a:ext cx="10251956" cy="369332"/>
+          </a:xfrm>
+          <a:prstGeom prst="rect">
+            <a:avLst/>
+          </a:prstGeom>
+          <a:noFill/>
+        </p:spPr>
+        <p:txBody>
+          <a:bodyPr wrap="square" rtlCol="0">
+            <a:spAutoFit/>
+          </a:bodyPr>
+          <a:lstStyle/>
+          <a:p>
+            <a:r>
+              <a:rPr lang="en-US" altLang="ko-KR" dirty="0"/>
+              <a:t>8. Kafka</a:t>
+            </a:r>
+            <a:r>
+              <a:rPr lang="ko-KR" altLang="en-US" dirty="0"/>
+              <a:t> 연동</a:t>
+            </a:r>
+          </a:p>
+        </p:txBody>
+      </p:sp>
+      <p:sp>
+        <p:nvSpPr>
+          <p:cNvPr id="7" name="TextBox 6">
+            <a:extLst>
+              <a:ext uri="{FF2B5EF4-FFF2-40B4-BE49-F238E27FC236}">
+                <a16:creationId xmlns:a16="http://schemas.microsoft.com/office/drawing/2014/main" id="{611CFC8C-9D90-C789-6947-34FCA061619A}"/>
+              </a:ext>
+            </a:extLst>
+          </p:cNvPr>
+          <p:cNvSpPr txBox="1"/>
+          <p:nvPr/>
+        </p:nvSpPr>
+        <p:spPr>
+          <a:xfrm>
+            <a:off x="521208" y="565064"/>
+            <a:ext cx="9573768" cy="323165"/>
+          </a:xfrm>
+          <a:prstGeom prst="rect">
+            <a:avLst/>
+          </a:prstGeom>
+          <a:noFill/>
+        </p:spPr>
+        <p:txBody>
+          <a:bodyPr wrap="square" rtlCol="0">
+            <a:spAutoFit/>
+          </a:bodyPr>
+          <a:lstStyle/>
+          <a:p>
+            <a:r>
+              <a:rPr lang="ko-KR" altLang="en-US" sz="1500" dirty="0"/>
+              <a:t>프로젝트</a:t>
+            </a:r>
+            <a:r>
+              <a:rPr lang="en-US" altLang="ko-KR" sz="1500" dirty="0"/>
+              <a:t> </a:t>
+            </a:r>
+            <a:r>
+              <a:rPr lang="ko-KR" altLang="en-US" sz="1500" dirty="0" err="1"/>
+              <a:t>새로고침</a:t>
+            </a:r>
+            <a:r>
+              <a:rPr lang="ko-KR" altLang="en-US" sz="1500" dirty="0"/>
+              <a:t> </a:t>
+            </a:r>
+            <a:r>
+              <a:rPr lang="en-US" altLang="ko-KR" sz="1500" dirty="0"/>
+              <a:t>: </a:t>
+            </a:r>
+            <a:r>
+              <a:rPr lang="ko-KR" altLang="en-US" sz="1500" dirty="0"/>
+              <a:t>프로젝트명 </a:t>
+            </a:r>
+            <a:r>
+              <a:rPr lang="ko-KR" altLang="en-US" sz="1500" dirty="0" err="1"/>
+              <a:t>우클릭</a:t>
+            </a:r>
+            <a:r>
+              <a:rPr lang="ko-KR" altLang="en-US" sz="1500" dirty="0"/>
+              <a:t> </a:t>
+            </a:r>
+            <a:r>
+              <a:rPr lang="en-US" altLang="ko-KR" sz="1500" dirty="0"/>
+              <a:t>&gt; Refresh</a:t>
+            </a:r>
+            <a:endParaRPr lang="ko-KR" altLang="en-US" sz="1500" b="1" dirty="0">
+              <a:solidFill>
+                <a:srgbClr val="FF0000"/>
+              </a:solidFill>
+            </a:endParaRPr>
+          </a:p>
+        </p:txBody>
+      </p:sp>
+      <p:sp>
+        <p:nvSpPr>
+          <p:cNvPr id="8" name="직사각형 7">
+            <a:extLst>
+              <a:ext uri="{FF2B5EF4-FFF2-40B4-BE49-F238E27FC236}">
+                <a16:creationId xmlns:a16="http://schemas.microsoft.com/office/drawing/2014/main" id="{6D295770-561C-67ED-0A5B-DF86FCB87877}"/>
               </a:ext>
             </a:extLst>
           </p:cNvPr>
@@ -45991,8 +46364,8 @@
         </p:nvSpPr>
         <p:spPr>
           <a:xfrm>
-            <a:off x="655753" y="1615144"/>
-            <a:ext cx="2050872" cy="263170"/>
+            <a:off x="677089" y="1388847"/>
+            <a:ext cx="3388943" cy="1803871"/>
           </a:xfrm>
           <a:prstGeom prst="rect">
             <a:avLst/>
@@ -46029,10 +46402,901 @@
           </a:p>
         </p:txBody>
       </p:sp>
+      <p:sp>
+        <p:nvSpPr>
+          <p:cNvPr id="9" name="TextBox 8">
+            <a:extLst>
+              <a:ext uri="{FF2B5EF4-FFF2-40B4-BE49-F238E27FC236}">
+                <a16:creationId xmlns:a16="http://schemas.microsoft.com/office/drawing/2014/main" id="{D1632B56-8C5F-73AC-2366-589D12146709}"/>
+              </a:ext>
+            </a:extLst>
+          </p:cNvPr>
+          <p:cNvSpPr txBox="1"/>
+          <p:nvPr/>
+        </p:nvSpPr>
+        <p:spPr>
+          <a:xfrm>
+            <a:off x="4000154" y="1434804"/>
+            <a:ext cx="761750" cy="307777"/>
+          </a:xfrm>
+          <a:prstGeom prst="rect">
+            <a:avLst/>
+          </a:prstGeom>
+          <a:noFill/>
+        </p:spPr>
+        <p:txBody>
+          <a:bodyPr wrap="square">
+            <a:spAutoFit/>
+          </a:bodyPr>
+          <a:lstStyle/>
+          <a:p>
+            <a:r>
+              <a:rPr lang="ko-KR" altLang="ko-KR" sz="1400" b="1" dirty="0">
+                <a:solidFill>
+                  <a:srgbClr val="FF0000"/>
+                </a:solidFill>
+                <a:latin typeface="맑은 고딕" panose="020B0503020000020004" pitchFamily="50" charset="-127"/>
+                <a:ea typeface="맑은 고딕" panose="020B0503020000020004" pitchFamily="50" charset="-127"/>
+              </a:rPr>
+              <a:t>①</a:t>
+            </a:r>
+            <a:endParaRPr lang="ko-KR" altLang="en-US" sz="1400" b="1" dirty="0">
+              <a:solidFill>
+                <a:srgbClr val="FF0000"/>
+              </a:solidFill>
+            </a:endParaRPr>
+          </a:p>
+        </p:txBody>
+      </p:sp>
+      <p:sp>
+        <p:nvSpPr>
+          <p:cNvPr id="10" name="TextBox 9">
+            <a:extLst>
+              <a:ext uri="{FF2B5EF4-FFF2-40B4-BE49-F238E27FC236}">
+                <a16:creationId xmlns:a16="http://schemas.microsoft.com/office/drawing/2014/main" id="{F0C682D0-5998-B8B5-7065-432BFB998AAE}"/>
+              </a:ext>
+            </a:extLst>
+          </p:cNvPr>
+          <p:cNvSpPr txBox="1"/>
+          <p:nvPr/>
+        </p:nvSpPr>
+        <p:spPr>
+          <a:xfrm>
+            <a:off x="4000154" y="3940947"/>
+            <a:ext cx="761750" cy="307777"/>
+          </a:xfrm>
+          <a:prstGeom prst="rect">
+            <a:avLst/>
+          </a:prstGeom>
+          <a:noFill/>
+        </p:spPr>
+        <p:txBody>
+          <a:bodyPr wrap="square">
+            <a:spAutoFit/>
+          </a:bodyPr>
+          <a:lstStyle/>
+          <a:p>
+            <a:r>
+              <a:rPr lang="ko-KR" altLang="en-US" sz="1400" b="1" dirty="0">
+                <a:solidFill>
+                  <a:srgbClr val="FF0000"/>
+                </a:solidFill>
+                <a:latin typeface="맑은 고딕" panose="020B0503020000020004" pitchFamily="50" charset="-127"/>
+                <a:ea typeface="맑은 고딕" panose="020B0503020000020004" pitchFamily="50" charset="-127"/>
+              </a:rPr>
+              <a:t>②</a:t>
+            </a:r>
+            <a:endParaRPr lang="ko-KR" altLang="en-US" sz="1400" b="1" dirty="0">
+              <a:solidFill>
+                <a:srgbClr val="FF0000"/>
+              </a:solidFill>
+            </a:endParaRPr>
+          </a:p>
+        </p:txBody>
+      </p:sp>
+      <p:sp>
+        <p:nvSpPr>
+          <p:cNvPr id="11" name="TextBox 10">
+            <a:extLst>
+              <a:ext uri="{FF2B5EF4-FFF2-40B4-BE49-F238E27FC236}">
+                <a16:creationId xmlns:a16="http://schemas.microsoft.com/office/drawing/2014/main" id="{9AEF78A4-96B4-428C-6F2E-D491DF25F819}"/>
+              </a:ext>
+            </a:extLst>
+          </p:cNvPr>
+          <p:cNvSpPr txBox="1"/>
+          <p:nvPr/>
+        </p:nvSpPr>
+        <p:spPr>
+          <a:xfrm>
+            <a:off x="4000154" y="4866504"/>
+            <a:ext cx="761750" cy="307777"/>
+          </a:xfrm>
+          <a:prstGeom prst="rect">
+            <a:avLst/>
+          </a:prstGeom>
+          <a:noFill/>
+        </p:spPr>
+        <p:txBody>
+          <a:bodyPr wrap="square">
+            <a:spAutoFit/>
+          </a:bodyPr>
+          <a:lstStyle/>
+          <a:p>
+            <a:r>
+              <a:rPr lang="ko-KR" altLang="en-US" sz="1400" b="1" dirty="0">
+                <a:solidFill>
+                  <a:srgbClr val="FF0000"/>
+                </a:solidFill>
+                <a:latin typeface="맑은 고딕" panose="020B0503020000020004" pitchFamily="50" charset="-127"/>
+                <a:ea typeface="맑은 고딕" panose="020B0503020000020004" pitchFamily="50" charset="-127"/>
+              </a:rPr>
+              <a:t>③</a:t>
+            </a:r>
+            <a:endParaRPr lang="ko-KR" altLang="en-US" sz="1400" b="1" dirty="0">
+              <a:solidFill>
+                <a:srgbClr val="FF0000"/>
+              </a:solidFill>
+            </a:endParaRPr>
+          </a:p>
+        </p:txBody>
+      </p:sp>
+      <p:sp>
+        <p:nvSpPr>
+          <p:cNvPr id="12" name="직사각형 11">
+            <a:extLst>
+              <a:ext uri="{FF2B5EF4-FFF2-40B4-BE49-F238E27FC236}">
+                <a16:creationId xmlns:a16="http://schemas.microsoft.com/office/drawing/2014/main" id="{62CBACA6-386E-F86E-3CE0-79EB600FA540}"/>
+              </a:ext>
+            </a:extLst>
+          </p:cNvPr>
+          <p:cNvSpPr/>
+          <p:nvPr/>
+        </p:nvSpPr>
+        <p:spPr>
+          <a:xfrm>
+            <a:off x="674041" y="3221256"/>
+            <a:ext cx="3388943" cy="1003272"/>
+          </a:xfrm>
+          <a:prstGeom prst="rect">
+            <a:avLst/>
+          </a:prstGeom>
+          <a:noFill/>
+          <a:ln w="28575">
+            <a:solidFill>
+              <a:srgbClr val="FF0000"/>
+            </a:solidFill>
+          </a:ln>
+        </p:spPr>
+        <p:style>
+          <a:lnRef idx="2">
+            <a:schemeClr val="accent1">
+              <a:shade val="15000"/>
+            </a:schemeClr>
+          </a:lnRef>
+          <a:fillRef idx="1">
+            <a:schemeClr val="accent1"/>
+          </a:fillRef>
+          <a:effectRef idx="0">
+            <a:schemeClr val="accent1"/>
+          </a:effectRef>
+          <a:fontRef idx="minor">
+            <a:schemeClr val="lt1"/>
+          </a:fontRef>
+        </p:style>
+        <p:txBody>
+          <a:bodyPr rtlCol="0" anchor="ctr"/>
+          <a:lstStyle/>
+          <a:p>
+            <a:pPr algn="ctr"/>
+            <a:endParaRPr lang="ko-KR" altLang="en-US"/>
+          </a:p>
+        </p:txBody>
+      </p:sp>
+      <p:sp>
+        <p:nvSpPr>
+          <p:cNvPr id="13" name="직사각형 12">
+            <a:extLst>
+              <a:ext uri="{FF2B5EF4-FFF2-40B4-BE49-F238E27FC236}">
+                <a16:creationId xmlns:a16="http://schemas.microsoft.com/office/drawing/2014/main" id="{8758C3AC-39E8-2860-7B0E-66BC8360AB3E}"/>
+              </a:ext>
+            </a:extLst>
+          </p:cNvPr>
+          <p:cNvSpPr/>
+          <p:nvPr/>
+        </p:nvSpPr>
+        <p:spPr>
+          <a:xfrm>
+            <a:off x="680137" y="4780891"/>
+            <a:ext cx="3388943" cy="659789"/>
+          </a:xfrm>
+          <a:prstGeom prst="rect">
+            <a:avLst/>
+          </a:prstGeom>
+          <a:noFill/>
+          <a:ln w="28575">
+            <a:solidFill>
+              <a:srgbClr val="FF0000"/>
+            </a:solidFill>
+          </a:ln>
+        </p:spPr>
+        <p:style>
+          <a:lnRef idx="2">
+            <a:schemeClr val="accent1">
+              <a:shade val="15000"/>
+            </a:schemeClr>
+          </a:lnRef>
+          <a:fillRef idx="1">
+            <a:schemeClr val="accent1"/>
+          </a:fillRef>
+          <a:effectRef idx="0">
+            <a:schemeClr val="accent1"/>
+          </a:effectRef>
+          <a:fontRef idx="minor">
+            <a:schemeClr val="lt1"/>
+          </a:fontRef>
+        </p:style>
+        <p:txBody>
+          <a:bodyPr rtlCol="0" anchor="ctr"/>
+          <a:lstStyle/>
+          <a:p>
+            <a:pPr algn="ctr"/>
+            <a:endParaRPr lang="ko-KR" altLang="en-US"/>
+          </a:p>
+        </p:txBody>
+      </p:sp>
+      <p:sp>
+        <p:nvSpPr>
+          <p:cNvPr id="14" name="TextBox 13">
+            <a:extLst>
+              <a:ext uri="{FF2B5EF4-FFF2-40B4-BE49-F238E27FC236}">
+                <a16:creationId xmlns:a16="http://schemas.microsoft.com/office/drawing/2014/main" id="{E75D6456-8CDE-94EB-D6E0-6B8CE8980AE6}"/>
+              </a:ext>
+            </a:extLst>
+          </p:cNvPr>
+          <p:cNvSpPr txBox="1"/>
+          <p:nvPr/>
+        </p:nvSpPr>
+        <p:spPr>
+          <a:xfrm>
+            <a:off x="3997106" y="6339189"/>
+            <a:ext cx="761750" cy="307777"/>
+          </a:xfrm>
+          <a:prstGeom prst="rect">
+            <a:avLst/>
+          </a:prstGeom>
+          <a:noFill/>
+        </p:spPr>
+        <p:txBody>
+          <a:bodyPr wrap="square">
+            <a:spAutoFit/>
+          </a:bodyPr>
+          <a:lstStyle/>
+          <a:p>
+            <a:r>
+              <a:rPr lang="ko-KR" altLang="en-US" sz="1400" b="1" dirty="0">
+                <a:solidFill>
+                  <a:srgbClr val="FF0000"/>
+                </a:solidFill>
+                <a:latin typeface="맑은 고딕" panose="020B0503020000020004" pitchFamily="50" charset="-127"/>
+                <a:ea typeface="맑은 고딕" panose="020B0503020000020004" pitchFamily="50" charset="-127"/>
+              </a:rPr>
+              <a:t>④</a:t>
+            </a:r>
+            <a:endParaRPr lang="ko-KR" altLang="en-US" sz="1400" b="1" dirty="0">
+              <a:solidFill>
+                <a:srgbClr val="FF0000"/>
+              </a:solidFill>
+            </a:endParaRPr>
+          </a:p>
+        </p:txBody>
+      </p:sp>
+      <p:sp>
+        <p:nvSpPr>
+          <p:cNvPr id="15" name="직사각형 14">
+            <a:extLst>
+              <a:ext uri="{FF2B5EF4-FFF2-40B4-BE49-F238E27FC236}">
+                <a16:creationId xmlns:a16="http://schemas.microsoft.com/office/drawing/2014/main" id="{92729AD8-C9CD-2B41-D9EF-DDD6C18D33C8}"/>
+              </a:ext>
+            </a:extLst>
+          </p:cNvPr>
+          <p:cNvSpPr/>
+          <p:nvPr/>
+        </p:nvSpPr>
+        <p:spPr>
+          <a:xfrm>
+            <a:off x="686233" y="6410136"/>
+            <a:ext cx="3375164" cy="155139"/>
+          </a:xfrm>
+          <a:prstGeom prst="rect">
+            <a:avLst/>
+          </a:prstGeom>
+          <a:noFill/>
+          <a:ln w="28575">
+            <a:solidFill>
+              <a:srgbClr val="FF0000"/>
+            </a:solidFill>
+          </a:ln>
+        </p:spPr>
+        <p:style>
+          <a:lnRef idx="2">
+            <a:schemeClr val="accent1">
+              <a:shade val="15000"/>
+            </a:schemeClr>
+          </a:lnRef>
+          <a:fillRef idx="1">
+            <a:schemeClr val="accent1"/>
+          </a:fillRef>
+          <a:effectRef idx="0">
+            <a:schemeClr val="accent1"/>
+          </a:effectRef>
+          <a:fontRef idx="minor">
+            <a:schemeClr val="lt1"/>
+          </a:fontRef>
+        </p:style>
+        <p:txBody>
+          <a:bodyPr rtlCol="0" anchor="ctr"/>
+          <a:lstStyle/>
+          <a:p>
+            <a:pPr algn="ctr"/>
+            <a:endParaRPr lang="ko-KR" altLang="en-US"/>
+          </a:p>
+        </p:txBody>
+      </p:sp>
+      <p:sp>
+        <p:nvSpPr>
+          <p:cNvPr id="16" name="TextBox 15">
+            <a:extLst>
+              <a:ext uri="{FF2B5EF4-FFF2-40B4-BE49-F238E27FC236}">
+                <a16:creationId xmlns:a16="http://schemas.microsoft.com/office/drawing/2014/main" id="{A1D177E9-11EE-8616-8812-41B95B8D3DFD}"/>
+              </a:ext>
+            </a:extLst>
+          </p:cNvPr>
+          <p:cNvSpPr txBox="1"/>
+          <p:nvPr/>
+        </p:nvSpPr>
+        <p:spPr>
+          <a:xfrm>
+            <a:off x="5985262" y="1157977"/>
+            <a:ext cx="5276787" cy="5693866"/>
+          </a:xfrm>
+          <a:prstGeom prst="rect">
+            <a:avLst/>
+          </a:prstGeom>
+          <a:noFill/>
+        </p:spPr>
+        <p:txBody>
+          <a:bodyPr wrap="square" rtlCol="0">
+            <a:spAutoFit/>
+          </a:bodyPr>
+          <a:lstStyle/>
+          <a:p>
+            <a:r>
+              <a:rPr lang="ko-KR" altLang="ko-KR" sz="1400" dirty="0">
+                <a:latin typeface="맑은 고딕" panose="020B0503020000020004" pitchFamily="50" charset="-127"/>
+                <a:ea typeface="맑은 고딕" panose="020B0503020000020004" pitchFamily="50" charset="-127"/>
+              </a:rPr>
+              <a:t>①</a:t>
+            </a:r>
+            <a:r>
+              <a:rPr lang="en-US" altLang="ko-KR" sz="1400" dirty="0">
+                <a:latin typeface="맑은 고딕" panose="020B0503020000020004" pitchFamily="50" charset="-127"/>
+                <a:ea typeface="맑은 고딕" panose="020B0503020000020004" pitchFamily="50" charset="-127"/>
+              </a:rPr>
+              <a:t> controller, service </a:t>
+            </a:r>
+            <a:r>
+              <a:rPr lang="ko-KR" altLang="en-US" sz="1400" dirty="0">
+                <a:latin typeface="맑은 고딕" panose="020B0503020000020004" pitchFamily="50" charset="-127"/>
+                <a:ea typeface="맑은 고딕" panose="020B0503020000020004" pitchFamily="50" charset="-127"/>
+              </a:rPr>
+              <a:t>추가 됨</a:t>
+            </a:r>
+            <a:endParaRPr lang="en-US" altLang="ko-KR" sz="1400" dirty="0">
+              <a:latin typeface="맑은 고딕" panose="020B0503020000020004" pitchFamily="50" charset="-127"/>
+              <a:ea typeface="맑은 고딕" panose="020B0503020000020004" pitchFamily="50" charset="-127"/>
+            </a:endParaRPr>
+          </a:p>
+          <a:p>
+            <a:r>
+              <a:rPr lang="en-US" altLang="ko-KR" sz="1400" dirty="0">
+                <a:latin typeface="맑은 고딕" panose="020B0503020000020004" pitchFamily="50" charset="-127"/>
+                <a:ea typeface="맑은 고딕" panose="020B0503020000020004" pitchFamily="50" charset="-127"/>
+              </a:rPr>
+              <a:t> - @RestController</a:t>
+            </a:r>
+            <a:r>
+              <a:rPr lang="ko-KR" altLang="en-US" sz="1400" dirty="0">
+                <a:latin typeface="맑은 고딕" panose="020B0503020000020004" pitchFamily="50" charset="-127"/>
+                <a:ea typeface="맑은 고딕" panose="020B0503020000020004" pitchFamily="50" charset="-127"/>
+              </a:rPr>
+              <a:t>를</a:t>
+            </a:r>
+            <a:r>
+              <a:rPr lang="en-US" altLang="ko-KR" sz="1400" dirty="0">
+                <a:latin typeface="맑은 고딕" panose="020B0503020000020004" pitchFamily="50" charset="-127"/>
+                <a:ea typeface="맑은 고딕" panose="020B0503020000020004" pitchFamily="50" charset="-127"/>
+              </a:rPr>
+              <a:t> </a:t>
+            </a:r>
+            <a:r>
+              <a:rPr lang="ko-KR" altLang="en-US" sz="1400" dirty="0">
+                <a:latin typeface="맑은 고딕" panose="020B0503020000020004" pitchFamily="50" charset="-127"/>
+                <a:ea typeface="맑은 고딕" panose="020B0503020000020004" pitchFamily="50" charset="-127"/>
+              </a:rPr>
+              <a:t>사용하여 이벤트</a:t>
+            </a:r>
+            <a:r>
+              <a:rPr lang="en-US" altLang="ko-KR" sz="1400" dirty="0">
+                <a:latin typeface="맑은 고딕" panose="020B0503020000020004" pitchFamily="50" charset="-127"/>
+                <a:ea typeface="맑은 고딕" panose="020B0503020000020004" pitchFamily="50" charset="-127"/>
+              </a:rPr>
+              <a:t> </a:t>
+            </a:r>
+            <a:r>
+              <a:rPr lang="ko-KR" altLang="en-US" sz="1400" dirty="0">
+                <a:latin typeface="맑은 고딕" panose="020B0503020000020004" pitchFamily="50" charset="-127"/>
+                <a:ea typeface="맑은 고딕" panose="020B0503020000020004" pitchFamily="50" charset="-127"/>
+              </a:rPr>
+              <a:t>기반 </a:t>
+            </a:r>
+            <a:r>
+              <a:rPr lang="en-US" altLang="ko-KR" sz="1400" dirty="0">
+                <a:latin typeface="맑은 고딕" panose="020B0503020000020004" pitchFamily="50" charset="-127"/>
+                <a:ea typeface="맑은 고딕" panose="020B0503020000020004" pitchFamily="50" charset="-127"/>
+              </a:rPr>
+              <a:t>MSA </a:t>
+            </a:r>
+            <a:r>
+              <a:rPr lang="ko-KR" altLang="en-US" sz="1400" dirty="0">
+                <a:latin typeface="맑은 고딕" panose="020B0503020000020004" pitchFamily="50" charset="-127"/>
+                <a:ea typeface="맑은 고딕" panose="020B0503020000020004" pitchFamily="50" charset="-127"/>
+              </a:rPr>
+              <a:t>구성</a:t>
+            </a:r>
+            <a:endParaRPr lang="en-US" altLang="ko-KR" sz="1400" dirty="0">
+              <a:latin typeface="맑은 고딕" panose="020B0503020000020004" pitchFamily="50" charset="-127"/>
+              <a:ea typeface="맑은 고딕" panose="020B0503020000020004" pitchFamily="50" charset="-127"/>
+            </a:endParaRPr>
+          </a:p>
+          <a:p>
+            <a:r>
+              <a:rPr lang="en-US" altLang="ko-KR" sz="1400" b="1" dirty="0">
+                <a:solidFill>
+                  <a:srgbClr val="FF0000"/>
+                </a:solidFill>
+                <a:latin typeface="바탕체" panose="02030609000101010101" pitchFamily="17" charset="-127"/>
+                <a:ea typeface="바탕체" panose="02030609000101010101" pitchFamily="17" charset="-127"/>
+              </a:rPr>
+              <a:t>※ </a:t>
+            </a:r>
+            <a:r>
+              <a:rPr lang="ko-KR" altLang="en-US" sz="1400" dirty="0">
+                <a:latin typeface="맑은 고딕" panose="020B0503020000020004" pitchFamily="50" charset="-127"/>
+                <a:ea typeface="맑은 고딕" panose="020B0503020000020004" pitchFamily="50" charset="-127"/>
+              </a:rPr>
+              <a:t>소스코드 참고</a:t>
+            </a:r>
+            <a:r>
+              <a:rPr lang="en-US" altLang="ko-KR" sz="1400" dirty="0">
+                <a:latin typeface="맑은 고딕" panose="020B0503020000020004" pitchFamily="50" charset="-127"/>
+                <a:ea typeface="맑은 고딕" panose="020B0503020000020004" pitchFamily="50" charset="-127"/>
+              </a:rPr>
+              <a:t>. </a:t>
+            </a:r>
+          </a:p>
+          <a:p>
+            <a:r>
+              <a:rPr lang="en-US" altLang="ko-KR" sz="1400" dirty="0">
+                <a:latin typeface="맑은 고딕" panose="020B0503020000020004" pitchFamily="50" charset="-127"/>
+                <a:ea typeface="맑은 고딕" panose="020B0503020000020004" pitchFamily="50" charset="-127"/>
+              </a:rPr>
+              <a:t>GET</a:t>
+            </a:r>
+            <a:r>
+              <a:rPr lang="ko-KR" altLang="en-US" sz="1400" dirty="0">
+                <a:latin typeface="맑은 고딕" panose="020B0503020000020004" pitchFamily="50" charset="-127"/>
+                <a:ea typeface="맑은 고딕" panose="020B0503020000020004" pitchFamily="50" charset="-127"/>
+              </a:rPr>
+              <a:t> 방식 </a:t>
+            </a:r>
+            <a:r>
+              <a:rPr lang="en-US" altLang="ko-KR" sz="1400" dirty="0">
+                <a:latin typeface="맑은 고딕" panose="020B0503020000020004" pitchFamily="50" charset="-127"/>
+                <a:ea typeface="맑은 고딕" panose="020B0503020000020004" pitchFamily="50" charset="-127"/>
+              </a:rPr>
+              <a:t>: </a:t>
+            </a:r>
+            <a:r>
+              <a:rPr lang="en-US" altLang="ko-KR" sz="1200" dirty="0">
+                <a:latin typeface="맑은 고딕" panose="020B0503020000020004" pitchFamily="50" charset="-127"/>
+                <a:ea typeface="맑은 고딕" panose="020B0503020000020004" pitchFamily="50" charset="-127"/>
+              </a:rPr>
+              <a:t>http://localhost:8080/kafka/send2?message=HelloKafka</a:t>
+            </a:r>
+            <a:endParaRPr lang="en-US" altLang="ko-KR" sz="1400" dirty="0">
+              <a:latin typeface="맑은 고딕" panose="020B0503020000020004" pitchFamily="50" charset="-127"/>
+              <a:ea typeface="맑은 고딕" panose="020B0503020000020004" pitchFamily="50" charset="-127"/>
+            </a:endParaRPr>
+          </a:p>
+          <a:p>
+            <a:r>
+              <a:rPr lang="en-US" altLang="ko-KR" sz="1400" dirty="0">
+                <a:latin typeface="맑은 고딕" panose="020B0503020000020004" pitchFamily="50" charset="-127"/>
+                <a:ea typeface="맑은 고딕" panose="020B0503020000020004" pitchFamily="50" charset="-127"/>
+              </a:rPr>
+              <a:t>POST </a:t>
+            </a:r>
+            <a:r>
+              <a:rPr lang="ko-KR" altLang="en-US" sz="1400" dirty="0">
+                <a:latin typeface="맑은 고딕" panose="020B0503020000020004" pitchFamily="50" charset="-127"/>
+                <a:ea typeface="맑은 고딕" panose="020B0503020000020004" pitchFamily="50" charset="-127"/>
+              </a:rPr>
+              <a:t>방식 </a:t>
+            </a:r>
+            <a:r>
+              <a:rPr lang="en-US" altLang="ko-KR" sz="1400" dirty="0">
+                <a:latin typeface="맑은 고딕" panose="020B0503020000020004" pitchFamily="50" charset="-127"/>
+                <a:ea typeface="맑은 고딕" panose="020B0503020000020004" pitchFamily="50" charset="-127"/>
+              </a:rPr>
+              <a:t>: Postman </a:t>
+            </a:r>
+            <a:r>
+              <a:rPr lang="ko-KR" altLang="en-US" sz="1400" dirty="0">
+                <a:latin typeface="맑은 고딕" panose="020B0503020000020004" pitchFamily="50" charset="-127"/>
+                <a:ea typeface="맑은 고딕" panose="020B0503020000020004" pitchFamily="50" charset="-127"/>
+              </a:rPr>
+              <a:t>등 사용 </a:t>
+            </a:r>
+            <a:endParaRPr lang="en-US" altLang="ko-KR" sz="1400" dirty="0">
+              <a:latin typeface="맑은 고딕" panose="020B0503020000020004" pitchFamily="50" charset="-127"/>
+              <a:ea typeface="맑은 고딕" panose="020B0503020000020004" pitchFamily="50" charset="-127"/>
+            </a:endParaRPr>
+          </a:p>
+          <a:p>
+            <a:r>
+              <a:rPr lang="en-US" altLang="ko-KR" sz="1400" dirty="0">
+                <a:latin typeface="맑은 고딕" panose="020B0503020000020004" pitchFamily="50" charset="-127"/>
+                <a:ea typeface="맑은 고딕" panose="020B0503020000020004" pitchFamily="50" charset="-127"/>
+              </a:rPr>
+              <a:t>  - http://localhost:8080/kafka/send1</a:t>
+            </a:r>
+          </a:p>
+          <a:p>
+            <a:r>
+              <a:rPr lang="en-US" altLang="ko-KR" sz="1400" dirty="0">
+                <a:latin typeface="맑은 고딕" panose="020B0503020000020004" pitchFamily="50" charset="-127"/>
+                <a:ea typeface="맑은 고딕" panose="020B0503020000020004" pitchFamily="50" charset="-127"/>
+              </a:rPr>
+              <a:t>  - param</a:t>
+            </a:r>
+            <a:r>
+              <a:rPr lang="ko-KR" altLang="en-US" sz="1400" dirty="0">
+                <a:latin typeface="맑은 고딕" panose="020B0503020000020004" pitchFamily="50" charset="-127"/>
+                <a:ea typeface="맑은 고딕" panose="020B0503020000020004" pitchFamily="50" charset="-127"/>
+              </a:rPr>
+              <a:t> </a:t>
+            </a:r>
+            <a:r>
+              <a:rPr lang="en-US" altLang="ko-KR" sz="1400" dirty="0">
+                <a:latin typeface="맑은 고딕" panose="020B0503020000020004" pitchFamily="50" charset="-127"/>
+                <a:ea typeface="맑은 고딕" panose="020B0503020000020004" pitchFamily="50" charset="-127"/>
+              </a:rPr>
+              <a:t>:</a:t>
+            </a:r>
+            <a:r>
+              <a:rPr lang="ko-KR" altLang="en-US" sz="1400" dirty="0">
+                <a:latin typeface="맑은 고딕" panose="020B0503020000020004" pitchFamily="50" charset="-127"/>
+                <a:ea typeface="맑은 고딕" panose="020B0503020000020004" pitchFamily="50" charset="-127"/>
+              </a:rPr>
+              <a:t> </a:t>
+            </a:r>
+            <a:r>
+              <a:rPr lang="en-US" altLang="ko-KR" sz="1400" dirty="0">
+                <a:latin typeface="맑은 고딕" panose="020B0503020000020004" pitchFamily="50" charset="-127"/>
+                <a:ea typeface="맑은 고딕" panose="020B0503020000020004" pitchFamily="50" charset="-127"/>
+              </a:rPr>
+              <a:t>message</a:t>
+            </a:r>
+          </a:p>
+          <a:p>
+            <a:r>
+              <a:rPr lang="en-US" altLang="ko-KR" sz="1400" dirty="0">
+                <a:latin typeface="맑은 고딕" panose="020B0503020000020004" pitchFamily="50" charset="-127"/>
+                <a:ea typeface="맑은 고딕" panose="020B0503020000020004" pitchFamily="50" charset="-127"/>
+              </a:rPr>
+              <a:t>  - method : POST</a:t>
+            </a:r>
+          </a:p>
+          <a:p>
+            <a:endParaRPr lang="en-US" altLang="ko-KR" sz="1400" dirty="0">
+              <a:latin typeface="맑은 고딕" panose="020B0503020000020004" pitchFamily="50" charset="-127"/>
+              <a:ea typeface="맑은 고딕" panose="020B0503020000020004" pitchFamily="50" charset="-127"/>
+            </a:endParaRPr>
+          </a:p>
+          <a:p>
+            <a:endParaRPr lang="en-US" altLang="ko-KR" sz="1400" dirty="0">
+              <a:latin typeface="맑은 고딕" panose="020B0503020000020004" pitchFamily="50" charset="-127"/>
+              <a:ea typeface="맑은 고딕" panose="020B0503020000020004" pitchFamily="50" charset="-127"/>
+            </a:endParaRPr>
+          </a:p>
+          <a:p>
+            <a:endParaRPr lang="en-US" altLang="ko-KR" sz="1400" dirty="0">
+              <a:latin typeface="맑은 고딕" panose="020B0503020000020004" pitchFamily="50" charset="-127"/>
+              <a:ea typeface="맑은 고딕" panose="020B0503020000020004" pitchFamily="50" charset="-127"/>
+            </a:endParaRPr>
+          </a:p>
+          <a:p>
+            <a:endParaRPr lang="en-US" altLang="ko-KR" sz="1400" dirty="0">
+              <a:latin typeface="맑은 고딕" panose="020B0503020000020004" pitchFamily="50" charset="-127"/>
+              <a:ea typeface="맑은 고딕" panose="020B0503020000020004" pitchFamily="50" charset="-127"/>
+            </a:endParaRPr>
+          </a:p>
+          <a:p>
+            <a:r>
+              <a:rPr lang="ko-KR" altLang="en-US" sz="1400" dirty="0">
+                <a:latin typeface="맑은 고딕" panose="020B0503020000020004" pitchFamily="50" charset="-127"/>
+                <a:ea typeface="맑은 고딕" panose="020B0503020000020004" pitchFamily="50" charset="-127"/>
+              </a:rPr>
+              <a:t>② </a:t>
+            </a:r>
+            <a:r>
+              <a:rPr lang="en-US" altLang="ko-KR" sz="1400" dirty="0" err="1">
+                <a:latin typeface="맑은 고딕" panose="020B0503020000020004" pitchFamily="50" charset="-127"/>
+                <a:ea typeface="맑은 고딕" panose="020B0503020000020004" pitchFamily="50" charset="-127"/>
+              </a:rPr>
+              <a:t>application.yml</a:t>
+            </a:r>
+            <a:r>
+              <a:rPr lang="en-US" altLang="ko-KR" sz="1400" dirty="0">
+                <a:latin typeface="맑은 고딕" panose="020B0503020000020004" pitchFamily="50" charset="-127"/>
+                <a:ea typeface="맑은 고딕" panose="020B0503020000020004" pitchFamily="50" charset="-127"/>
+              </a:rPr>
+              <a:t> </a:t>
+            </a:r>
+            <a:r>
+              <a:rPr lang="ko-KR" altLang="en-US" sz="1400" dirty="0">
+                <a:latin typeface="맑은 고딕" panose="020B0503020000020004" pitchFamily="50" charset="-127"/>
+                <a:ea typeface="맑은 고딕" panose="020B0503020000020004" pitchFamily="50" charset="-127"/>
+              </a:rPr>
+              <a:t>추가 됨</a:t>
+            </a:r>
+            <a:endParaRPr lang="en-US" altLang="ko-KR" sz="1400" dirty="0">
+              <a:latin typeface="맑은 고딕" panose="020B0503020000020004" pitchFamily="50" charset="-127"/>
+              <a:ea typeface="맑은 고딕" panose="020B0503020000020004" pitchFamily="50" charset="-127"/>
+            </a:endParaRPr>
+          </a:p>
+          <a:p>
+            <a:r>
+              <a:rPr lang="en-US" altLang="ko-KR" sz="1400" b="1" dirty="0">
+                <a:solidFill>
+                  <a:srgbClr val="FF0000"/>
+                </a:solidFill>
+                <a:latin typeface="바탕체" panose="02030609000101010101" pitchFamily="17" charset="-127"/>
+                <a:ea typeface="바탕체" panose="02030609000101010101" pitchFamily="17" charset="-127"/>
+              </a:rPr>
+              <a:t>※ </a:t>
+            </a:r>
+            <a:r>
+              <a:rPr lang="ko-KR" altLang="en-US" sz="1400" dirty="0">
+                <a:latin typeface="맑은 고딕" panose="020B0503020000020004" pitchFamily="50" charset="-127"/>
+                <a:ea typeface="맑은 고딕" panose="020B0503020000020004" pitchFamily="50" charset="-127"/>
+              </a:rPr>
+              <a:t>소스코드 참고</a:t>
+            </a:r>
+            <a:r>
+              <a:rPr lang="en-US" altLang="ko-KR" sz="1400" dirty="0">
+                <a:latin typeface="맑은 고딕" panose="020B0503020000020004" pitchFamily="50" charset="-127"/>
+                <a:ea typeface="맑은 고딕" panose="020B0503020000020004" pitchFamily="50" charset="-127"/>
+              </a:rPr>
+              <a:t>. </a:t>
+            </a:r>
+            <a:r>
+              <a:rPr lang="ko-KR" altLang="en-US" sz="1400" dirty="0">
+                <a:latin typeface="맑은 고딕" panose="020B0503020000020004" pitchFamily="50" charset="-127"/>
+                <a:ea typeface="맑은 고딕" panose="020B0503020000020004" pitchFamily="50" charset="-127"/>
+              </a:rPr>
+              <a:t>프로젝트 설정 정보</a:t>
+            </a:r>
+            <a:r>
+              <a:rPr lang="en-US" altLang="ko-KR" sz="1400" dirty="0">
+                <a:latin typeface="맑은 고딕" panose="020B0503020000020004" pitchFamily="50" charset="-127"/>
+                <a:ea typeface="맑은 고딕" panose="020B0503020000020004" pitchFamily="50" charset="-127"/>
+              </a:rPr>
+              <a:t>. DB </a:t>
+            </a:r>
+            <a:r>
+              <a:rPr lang="ko-KR" altLang="en-US" sz="1400" dirty="0">
+                <a:latin typeface="맑은 고딕" panose="020B0503020000020004" pitchFamily="50" charset="-127"/>
+                <a:ea typeface="맑은 고딕" panose="020B0503020000020004" pitchFamily="50" charset="-127"/>
+              </a:rPr>
+              <a:t>연동 정보</a:t>
+            </a:r>
+            <a:r>
+              <a:rPr lang="en-US" altLang="ko-KR" sz="1400" dirty="0">
+                <a:latin typeface="맑은 고딕" panose="020B0503020000020004" pitchFamily="50" charset="-127"/>
+                <a:ea typeface="맑은 고딕" panose="020B0503020000020004" pitchFamily="50" charset="-127"/>
+              </a:rPr>
+              <a:t>, JPA</a:t>
+            </a:r>
+            <a:r>
+              <a:rPr lang="ko-KR" altLang="en-US" sz="1400" dirty="0">
+                <a:latin typeface="맑은 고딕" panose="020B0503020000020004" pitchFamily="50" charset="-127"/>
+                <a:ea typeface="맑은 고딕" panose="020B0503020000020004" pitchFamily="50" charset="-127"/>
+              </a:rPr>
+              <a:t> 정보</a:t>
+            </a:r>
+            <a:r>
+              <a:rPr lang="en-US" altLang="ko-KR" sz="1400" dirty="0">
+                <a:latin typeface="맑은 고딕" panose="020B0503020000020004" pitchFamily="50" charset="-127"/>
+                <a:ea typeface="맑은 고딕" panose="020B0503020000020004" pitchFamily="50" charset="-127"/>
+              </a:rPr>
+              <a:t> </a:t>
+            </a:r>
+            <a:r>
+              <a:rPr lang="en-US" altLang="ko-KR" sz="1400" dirty="0" err="1">
+                <a:latin typeface="맑은 고딕" panose="020B0503020000020004" pitchFamily="50" charset="-127"/>
+                <a:ea typeface="맑은 고딕" panose="020B0503020000020004" pitchFamily="50" charset="-127"/>
+              </a:rPr>
+              <a:t>application.properties</a:t>
+            </a:r>
+            <a:r>
+              <a:rPr lang="en-US" altLang="ko-KR" sz="1400" dirty="0">
+                <a:latin typeface="맑은 고딕" panose="020B0503020000020004" pitchFamily="50" charset="-127"/>
+                <a:ea typeface="맑은 고딕" panose="020B0503020000020004" pitchFamily="50" charset="-127"/>
+              </a:rPr>
+              <a:t> </a:t>
+            </a:r>
+            <a:r>
+              <a:rPr lang="ko-KR" altLang="en-US" sz="1400" dirty="0">
+                <a:latin typeface="맑은 고딕" panose="020B0503020000020004" pitchFamily="50" charset="-127"/>
+                <a:ea typeface="맑은 고딕" panose="020B0503020000020004" pitchFamily="50" charset="-127"/>
+              </a:rPr>
+              <a:t>파일을 사용할 수도 있으나 이 문서에서는 </a:t>
+            </a:r>
+            <a:r>
+              <a:rPr lang="en-US" altLang="ko-KR" sz="1400" dirty="0" err="1">
+                <a:latin typeface="맑은 고딕" panose="020B0503020000020004" pitchFamily="50" charset="-127"/>
+                <a:ea typeface="맑은 고딕" panose="020B0503020000020004" pitchFamily="50" charset="-127"/>
+              </a:rPr>
+              <a:t>application.yml</a:t>
+            </a:r>
+            <a:r>
+              <a:rPr lang="en-US" altLang="ko-KR" sz="1400" dirty="0">
+                <a:latin typeface="맑은 고딕" panose="020B0503020000020004" pitchFamily="50" charset="-127"/>
+                <a:ea typeface="맑은 고딕" panose="020B0503020000020004" pitchFamily="50" charset="-127"/>
+              </a:rPr>
+              <a:t> </a:t>
+            </a:r>
+            <a:r>
+              <a:rPr lang="ko-KR" altLang="en-US" sz="1400" dirty="0">
+                <a:latin typeface="맑은 고딕" panose="020B0503020000020004" pitchFamily="50" charset="-127"/>
+                <a:ea typeface="맑은 고딕" panose="020B0503020000020004" pitchFamily="50" charset="-127"/>
+              </a:rPr>
+              <a:t>사용</a:t>
+            </a:r>
+            <a:endParaRPr lang="en-US" altLang="ko-KR" sz="1400" dirty="0">
+              <a:latin typeface="맑은 고딕" panose="020B0503020000020004" pitchFamily="50" charset="-127"/>
+              <a:ea typeface="맑은 고딕" panose="020B0503020000020004" pitchFamily="50" charset="-127"/>
+            </a:endParaRPr>
+          </a:p>
+          <a:p>
+            <a:endParaRPr lang="en-US" altLang="ko-KR" sz="1400" dirty="0">
+              <a:latin typeface="맑은 고딕" panose="020B0503020000020004" pitchFamily="50" charset="-127"/>
+              <a:ea typeface="맑은 고딕" panose="020B0503020000020004" pitchFamily="50" charset="-127"/>
+            </a:endParaRPr>
+          </a:p>
+          <a:p>
+            <a:r>
+              <a:rPr lang="ko-KR" altLang="en-US" sz="1400" dirty="0">
+                <a:latin typeface="맑은 고딕" panose="020B0503020000020004" pitchFamily="50" charset="-127"/>
+                <a:ea typeface="맑은 고딕" panose="020B0503020000020004" pitchFamily="50" charset="-127"/>
+              </a:rPr>
+              <a:t>③ 변경 없음</a:t>
+            </a:r>
+            <a:endParaRPr lang="en-US" altLang="ko-KR" sz="1400" dirty="0">
+              <a:latin typeface="맑은 고딕" panose="020B0503020000020004" pitchFamily="50" charset="-127"/>
+              <a:ea typeface="맑은 고딕" panose="020B0503020000020004" pitchFamily="50" charset="-127"/>
+            </a:endParaRPr>
+          </a:p>
+          <a:p>
+            <a:endParaRPr lang="en-US" altLang="ko-KR" sz="1400" dirty="0">
+              <a:latin typeface="맑은 고딕" panose="020B0503020000020004" pitchFamily="50" charset="-127"/>
+              <a:ea typeface="맑은 고딕" panose="020B0503020000020004" pitchFamily="50" charset="-127"/>
+            </a:endParaRPr>
+          </a:p>
+          <a:p>
+            <a:endParaRPr lang="en-US" altLang="ko-KR" sz="1400" dirty="0">
+              <a:latin typeface="맑은 고딕" panose="020B0503020000020004" pitchFamily="50" charset="-127"/>
+              <a:ea typeface="맑은 고딕" panose="020B0503020000020004" pitchFamily="50" charset="-127"/>
+            </a:endParaRPr>
+          </a:p>
+          <a:p>
+            <a:endParaRPr lang="en-US" altLang="ko-KR" sz="1400" dirty="0">
+              <a:latin typeface="맑은 고딕" panose="020B0503020000020004" pitchFamily="50" charset="-127"/>
+              <a:ea typeface="맑은 고딕" panose="020B0503020000020004" pitchFamily="50" charset="-127"/>
+            </a:endParaRPr>
+          </a:p>
+          <a:p>
+            <a:endParaRPr lang="en-US" altLang="ko-KR" sz="1400" dirty="0">
+              <a:latin typeface="맑은 고딕" panose="020B0503020000020004" pitchFamily="50" charset="-127"/>
+              <a:ea typeface="맑은 고딕" panose="020B0503020000020004" pitchFamily="50" charset="-127"/>
+            </a:endParaRPr>
+          </a:p>
+          <a:p>
+            <a:endParaRPr lang="en-US" altLang="ko-KR" sz="1400" dirty="0">
+              <a:latin typeface="맑은 고딕" panose="020B0503020000020004" pitchFamily="50" charset="-127"/>
+              <a:ea typeface="맑은 고딕" panose="020B0503020000020004" pitchFamily="50" charset="-127"/>
+            </a:endParaRPr>
+          </a:p>
+          <a:p>
+            <a:r>
+              <a:rPr lang="en-US" altLang="ko-KR" sz="1400" dirty="0">
+                <a:latin typeface="맑은 고딕" panose="020B0503020000020004" pitchFamily="50" charset="-127"/>
+                <a:ea typeface="맑은 고딕" panose="020B0503020000020004" pitchFamily="50" charset="-127"/>
+              </a:rPr>
+              <a:t>④ pom.xml : DB dependency</a:t>
+            </a:r>
+            <a:r>
+              <a:rPr lang="ko-KR" altLang="en-US" sz="1400" dirty="0">
+                <a:latin typeface="맑은 고딕" panose="020B0503020000020004" pitchFamily="50" charset="-127"/>
+                <a:ea typeface="맑은 고딕" panose="020B0503020000020004" pitchFamily="50" charset="-127"/>
+              </a:rPr>
+              <a:t>와</a:t>
+            </a:r>
+            <a:r>
+              <a:rPr lang="en-US" altLang="ko-KR" sz="1400" dirty="0">
+                <a:latin typeface="맑은 고딕" panose="020B0503020000020004" pitchFamily="50" charset="-127"/>
+                <a:ea typeface="맑은 고딕" panose="020B0503020000020004" pitchFamily="50" charset="-127"/>
+              </a:rPr>
+              <a:t> JPA dependency, Lombok Dependency </a:t>
+            </a:r>
+            <a:r>
+              <a:rPr lang="ko-KR" altLang="en-US" sz="1400" dirty="0">
+                <a:latin typeface="맑은 고딕" panose="020B0503020000020004" pitchFamily="50" charset="-127"/>
+                <a:ea typeface="맑은 고딕" panose="020B0503020000020004" pitchFamily="50" charset="-127"/>
+              </a:rPr>
+              <a:t>추가 됨</a:t>
+            </a:r>
+            <a:endParaRPr lang="en-US" altLang="ko-KR" sz="1400" dirty="0">
+              <a:latin typeface="맑은 고딕" panose="020B0503020000020004" pitchFamily="50" charset="-127"/>
+              <a:ea typeface="맑은 고딕" panose="020B0503020000020004" pitchFamily="50" charset="-127"/>
+            </a:endParaRPr>
+          </a:p>
+          <a:p>
+            <a:r>
+              <a:rPr lang="en-US" altLang="ko-KR" sz="1400" dirty="0">
+                <a:solidFill>
+                  <a:srgbClr val="FF0000"/>
+                </a:solidFill>
+                <a:latin typeface="맑은 고딕" panose="020B0503020000020004" pitchFamily="50" charset="-127"/>
+                <a:ea typeface="맑은 고딕" panose="020B0503020000020004" pitchFamily="50" charset="-127"/>
+                <a:sym typeface="Wingdings" panose="05000000000000000000" pitchFamily="2" charset="2"/>
+              </a:rPr>
+              <a:t></a:t>
+            </a:r>
+            <a:r>
+              <a:rPr lang="en-US" altLang="ko-KR" sz="1400" dirty="0">
+                <a:latin typeface="맑은 고딕" panose="020B0503020000020004" pitchFamily="50" charset="-127"/>
+                <a:ea typeface="맑은 고딕" panose="020B0503020000020004" pitchFamily="50" charset="-127"/>
+                <a:sym typeface="Wingdings" panose="05000000000000000000" pitchFamily="2" charset="2"/>
+              </a:rPr>
+              <a:t> </a:t>
+            </a:r>
+            <a:r>
+              <a:rPr lang="ko-KR" altLang="en-US" sz="1400" dirty="0">
+                <a:latin typeface="맑은 고딕" panose="020B0503020000020004" pitchFamily="50" charset="-127"/>
+                <a:ea typeface="맑은 고딕" panose="020B0503020000020004" pitchFamily="50" charset="-127"/>
+              </a:rPr>
+              <a:t>프로젝트 구성 완료</a:t>
+            </a:r>
+            <a:endParaRPr lang="ko-KR" altLang="en-US" sz="1400" dirty="0"/>
+          </a:p>
+        </p:txBody>
+      </p:sp>
     </p:spTree>
     <p:extLst>
       <p:ext uri="{BB962C8B-B14F-4D97-AF65-F5344CB8AC3E}">
-        <p14:creationId xmlns:p14="http://schemas.microsoft.com/office/powerpoint/2010/main" val="2153117775"/>
+        <p14:creationId xmlns:p14="http://schemas.microsoft.com/office/powerpoint/2010/main" val="4072696808"/>
       </p:ext>
     </p:extLst>
   </p:cSld>
@@ -46042,7 +47306,1624 @@
 </p:sld>
 </file>
 
-<file path=ppt/slides/slide76.xml><?xml version="1.0" encoding="utf-8"?>
+<file path=ppt/slides/slide78.xml><?xml version="1.0" encoding="utf-8"?>
+<p:sld xmlns:a="http://schemas.openxmlformats.org/drawingml/2006/main" xmlns:r="http://schemas.openxmlformats.org/officeDocument/2006/relationships" xmlns:p="http://schemas.openxmlformats.org/presentationml/2006/main">
+  <p:cSld>
+    <p:spTree>
+      <p:nvGrpSpPr>
+        <p:cNvPr id="1" name="">
+          <a:extLst>
+            <a:ext uri="{FF2B5EF4-FFF2-40B4-BE49-F238E27FC236}">
+              <a16:creationId xmlns:a16="http://schemas.microsoft.com/office/drawing/2014/main" id="{782D3DE2-5E0B-6D1C-F987-F1AE5045EFC1}"/>
+            </a:ext>
+          </a:extLst>
+        </p:cNvPr>
+        <p:cNvGrpSpPr/>
+        <p:nvPr/>
+      </p:nvGrpSpPr>
+      <p:grpSpPr>
+        <a:xfrm>
+          <a:off x="0" y="0"/>
+          <a:ext cx="0" cy="0"/>
+          <a:chOff x="0" y="0"/>
+          <a:chExt cx="0" cy="0"/>
+        </a:xfrm>
+      </p:grpSpPr>
+      <p:sp>
+        <p:nvSpPr>
+          <p:cNvPr id="2" name="슬라이드 번호 개체 틀 1">
+            <a:extLst>
+              <a:ext uri="{FF2B5EF4-FFF2-40B4-BE49-F238E27FC236}">
+                <a16:creationId xmlns:a16="http://schemas.microsoft.com/office/drawing/2014/main" id="{0454C286-9365-CE01-9404-577E2CA67BEC}"/>
+              </a:ext>
+            </a:extLst>
+          </p:cNvPr>
+          <p:cNvSpPr>
+            <a:spLocks noGrp="1"/>
+          </p:cNvSpPr>
+          <p:nvPr>
+            <p:ph type="sldNum" sz="quarter" idx="12"/>
+          </p:nvPr>
+        </p:nvSpPr>
+        <p:spPr/>
+        <p:txBody>
+          <a:bodyPr/>
+          <a:lstStyle/>
+          <a:p>
+            <a:fld id="{D57F1E4F-1CFF-5643-939E-02111984F565}" type="slidenum">
+              <a:rPr lang="en-US" smtClean="0"/>
+              <a:t>77</a:t>
+            </a:fld>
+            <a:endParaRPr lang="en-US" dirty="0"/>
+          </a:p>
+        </p:txBody>
+      </p:sp>
+      <p:sp>
+        <p:nvSpPr>
+          <p:cNvPr id="3" name="TextBox 2">
+            <a:extLst>
+              <a:ext uri="{FF2B5EF4-FFF2-40B4-BE49-F238E27FC236}">
+                <a16:creationId xmlns:a16="http://schemas.microsoft.com/office/drawing/2014/main" id="{D2C4A764-E02A-3776-873F-10650830109B}"/>
+              </a:ext>
+            </a:extLst>
+          </p:cNvPr>
+          <p:cNvSpPr txBox="1"/>
+          <p:nvPr/>
+        </p:nvSpPr>
+        <p:spPr>
+          <a:xfrm>
+            <a:off x="100584" y="82296"/>
+            <a:ext cx="10251956" cy="369332"/>
+          </a:xfrm>
+          <a:prstGeom prst="rect">
+            <a:avLst/>
+          </a:prstGeom>
+          <a:noFill/>
+        </p:spPr>
+        <p:txBody>
+          <a:bodyPr wrap="square" rtlCol="0">
+            <a:spAutoFit/>
+          </a:bodyPr>
+          <a:lstStyle/>
+          <a:p>
+            <a:r>
+              <a:rPr lang="en-US" altLang="ko-KR" dirty="0"/>
+              <a:t>8. Kafka</a:t>
+            </a:r>
+            <a:r>
+              <a:rPr lang="ko-KR" altLang="en-US" dirty="0"/>
+              <a:t> 연동</a:t>
+            </a:r>
+          </a:p>
+        </p:txBody>
+      </p:sp>
+      <p:sp>
+        <p:nvSpPr>
+          <p:cNvPr id="4" name="TextBox 3">
+            <a:extLst>
+              <a:ext uri="{FF2B5EF4-FFF2-40B4-BE49-F238E27FC236}">
+                <a16:creationId xmlns:a16="http://schemas.microsoft.com/office/drawing/2014/main" id="{F1B6D28F-E29D-07C5-2CFE-9B1DFDE843C7}"/>
+              </a:ext>
+            </a:extLst>
+          </p:cNvPr>
+          <p:cNvSpPr txBox="1"/>
+          <p:nvPr/>
+        </p:nvSpPr>
+        <p:spPr>
+          <a:xfrm>
+            <a:off x="521208" y="1067984"/>
+            <a:ext cx="9573768" cy="646331"/>
+          </a:xfrm>
+          <a:prstGeom prst="rect">
+            <a:avLst/>
+          </a:prstGeom>
+          <a:noFill/>
+        </p:spPr>
+        <p:txBody>
+          <a:bodyPr wrap="square" rtlCol="0">
+            <a:spAutoFit/>
+          </a:bodyPr>
+          <a:lstStyle/>
+          <a:p>
+            <a:r>
+              <a:rPr lang="en-US" altLang="ko-KR" sz="3600" dirty="0">
+                <a:latin typeface="맑은 고딕" panose="020B0503020000020004" pitchFamily="50" charset="-127"/>
+                <a:ea typeface="맑은 고딕" panose="020B0503020000020004" pitchFamily="50" charset="-127"/>
+              </a:rPr>
+              <a:t>Pre-requisite</a:t>
+            </a:r>
+            <a:endParaRPr lang="ko-KR" altLang="en-US" sz="3200" b="1" dirty="0">
+              <a:solidFill>
+                <a:srgbClr val="FF0000"/>
+              </a:solidFill>
+            </a:endParaRPr>
+          </a:p>
+        </p:txBody>
+      </p:sp>
+      <p:sp>
+        <p:nvSpPr>
+          <p:cNvPr id="6" name="내용 개체 틀 2">
+            <a:extLst>
+              <a:ext uri="{FF2B5EF4-FFF2-40B4-BE49-F238E27FC236}">
+                <a16:creationId xmlns:a16="http://schemas.microsoft.com/office/drawing/2014/main" id="{8B6EA7F4-AE52-9190-9591-681D83ECE4C2}"/>
+              </a:ext>
+            </a:extLst>
+          </p:cNvPr>
+          <p:cNvSpPr txBox="1">
+            <a:spLocks/>
+          </p:cNvSpPr>
+          <p:nvPr/>
+        </p:nvSpPr>
+        <p:spPr>
+          <a:xfrm>
+            <a:off x="838200" y="1825625"/>
+            <a:ext cx="10515600" cy="4351338"/>
+          </a:xfrm>
+          <a:prstGeom prst="rect">
+            <a:avLst/>
+          </a:prstGeom>
+        </p:spPr>
+        <p:txBody>
+          <a:bodyPr/>
+          <a:lstStyle>
+            <a:lvl1pPr marL="342900" indent="-342900" algn="l" defTabSz="457200" rtl="0" eaLnBrk="1" latinLnBrk="1" hangingPunct="1">
+              <a:spcBef>
+                <a:spcPts val="1000"/>
+              </a:spcBef>
+              <a:spcAft>
+                <a:spcPts val="0"/>
+              </a:spcAft>
+              <a:buClr>
+                <a:schemeClr val="bg2">
+                  <a:lumMod val="40000"/>
+                  <a:lumOff val="60000"/>
+                </a:schemeClr>
+              </a:buClr>
+              <a:buSzPct val="80000"/>
+              <a:buFont typeface="Wingdings 3" charset="2"/>
+              <a:buChar char=""/>
+              <a:defRPr sz="2000" b="0" i="0" kern="1200">
+                <a:solidFill>
+                  <a:schemeClr val="tx1"/>
+                </a:solidFill>
+                <a:latin typeface="+mj-lt"/>
+                <a:ea typeface="+mj-ea"/>
+                <a:cs typeface="+mj-cs"/>
+              </a:defRPr>
+            </a:lvl1pPr>
+            <a:lvl2pPr marL="742950" indent="-285750" algn="l" defTabSz="457200" rtl="0" eaLnBrk="1" latinLnBrk="1" hangingPunct="1">
+              <a:spcBef>
+                <a:spcPts val="1000"/>
+              </a:spcBef>
+              <a:spcAft>
+                <a:spcPts val="0"/>
+              </a:spcAft>
+              <a:buClr>
+                <a:schemeClr val="bg2">
+                  <a:lumMod val="40000"/>
+                  <a:lumOff val="60000"/>
+                </a:schemeClr>
+              </a:buClr>
+              <a:buSzPct val="80000"/>
+              <a:buFont typeface="Wingdings 3" charset="2"/>
+              <a:buChar char=""/>
+              <a:defRPr sz="1800" b="0" i="0" kern="1200">
+                <a:solidFill>
+                  <a:schemeClr val="tx1"/>
+                </a:solidFill>
+                <a:latin typeface="+mj-lt"/>
+                <a:ea typeface="+mj-ea"/>
+                <a:cs typeface="+mj-cs"/>
+              </a:defRPr>
+            </a:lvl2pPr>
+            <a:lvl3pPr marL="1143000" indent="-228600" algn="l" defTabSz="457200" rtl="0" eaLnBrk="1" latinLnBrk="1" hangingPunct="1">
+              <a:spcBef>
+                <a:spcPts val="1000"/>
+              </a:spcBef>
+              <a:spcAft>
+                <a:spcPts val="0"/>
+              </a:spcAft>
+              <a:buClr>
+                <a:schemeClr val="bg2">
+                  <a:lumMod val="40000"/>
+                  <a:lumOff val="60000"/>
+                </a:schemeClr>
+              </a:buClr>
+              <a:buSzPct val="80000"/>
+              <a:buFont typeface="Wingdings 3" charset="2"/>
+              <a:buChar char=""/>
+              <a:defRPr sz="1600" b="0" i="0" kern="1200">
+                <a:solidFill>
+                  <a:schemeClr val="tx1"/>
+                </a:solidFill>
+                <a:latin typeface="+mj-lt"/>
+                <a:ea typeface="+mj-ea"/>
+                <a:cs typeface="+mj-cs"/>
+              </a:defRPr>
+            </a:lvl3pPr>
+            <a:lvl4pPr marL="1600200" indent="-228600" algn="l" defTabSz="457200" rtl="0" eaLnBrk="1" latinLnBrk="1" hangingPunct="1">
+              <a:spcBef>
+                <a:spcPts val="1000"/>
+              </a:spcBef>
+              <a:spcAft>
+                <a:spcPts val="0"/>
+              </a:spcAft>
+              <a:buClr>
+                <a:schemeClr val="bg2">
+                  <a:lumMod val="40000"/>
+                  <a:lumOff val="60000"/>
+                </a:schemeClr>
+              </a:buClr>
+              <a:buSzPct val="80000"/>
+              <a:buFont typeface="Wingdings 3" charset="2"/>
+              <a:buChar char=""/>
+              <a:defRPr sz="1400" b="0" i="0" kern="1200">
+                <a:solidFill>
+                  <a:schemeClr val="tx1"/>
+                </a:solidFill>
+                <a:latin typeface="+mj-lt"/>
+                <a:ea typeface="+mj-ea"/>
+                <a:cs typeface="+mj-cs"/>
+              </a:defRPr>
+            </a:lvl4pPr>
+            <a:lvl5pPr marL="2057400" indent="-228600" algn="l" defTabSz="457200" rtl="0" eaLnBrk="1" latinLnBrk="1" hangingPunct="1">
+              <a:spcBef>
+                <a:spcPts val="1000"/>
+              </a:spcBef>
+              <a:spcAft>
+                <a:spcPts val="0"/>
+              </a:spcAft>
+              <a:buClr>
+                <a:schemeClr val="bg2">
+                  <a:lumMod val="40000"/>
+                  <a:lumOff val="60000"/>
+                </a:schemeClr>
+              </a:buClr>
+              <a:buSzPct val="80000"/>
+              <a:buFont typeface="Wingdings 3" charset="2"/>
+              <a:buChar char=""/>
+              <a:defRPr sz="1400" b="0" i="0" kern="1200">
+                <a:solidFill>
+                  <a:schemeClr val="tx1"/>
+                </a:solidFill>
+                <a:latin typeface="+mj-lt"/>
+                <a:ea typeface="+mj-ea"/>
+                <a:cs typeface="+mj-cs"/>
+              </a:defRPr>
+            </a:lvl5pPr>
+            <a:lvl6pPr marL="2506000" indent="-228600" algn="l" defTabSz="457200" rtl="0" eaLnBrk="1" latinLnBrk="1" hangingPunct="1">
+              <a:spcBef>
+                <a:spcPts val="1000"/>
+              </a:spcBef>
+              <a:spcAft>
+                <a:spcPts val="0"/>
+              </a:spcAft>
+              <a:buClr>
+                <a:schemeClr val="bg2">
+                  <a:lumMod val="40000"/>
+                  <a:lumOff val="60000"/>
+                </a:schemeClr>
+              </a:buClr>
+              <a:buSzPct val="80000"/>
+              <a:buFont typeface="Wingdings 3" charset="2"/>
+              <a:buChar char=""/>
+              <a:defRPr sz="1400" b="0" i="0" kern="1200">
+                <a:solidFill>
+                  <a:schemeClr val="tx1"/>
+                </a:solidFill>
+                <a:latin typeface="+mj-lt"/>
+                <a:ea typeface="+mj-ea"/>
+                <a:cs typeface="+mj-cs"/>
+              </a:defRPr>
+            </a:lvl6pPr>
+            <a:lvl7pPr marL="2971800" indent="-228600" algn="l" defTabSz="457200" rtl="0" eaLnBrk="1" latinLnBrk="1" hangingPunct="1">
+              <a:spcBef>
+                <a:spcPts val="1000"/>
+              </a:spcBef>
+              <a:spcAft>
+                <a:spcPts val="0"/>
+              </a:spcAft>
+              <a:buClr>
+                <a:schemeClr val="bg2">
+                  <a:lumMod val="40000"/>
+                  <a:lumOff val="60000"/>
+                </a:schemeClr>
+              </a:buClr>
+              <a:buSzPct val="80000"/>
+              <a:buFont typeface="Wingdings 3" charset="2"/>
+              <a:buChar char=""/>
+              <a:defRPr sz="1400" b="0" i="0" kern="1200">
+                <a:solidFill>
+                  <a:schemeClr val="tx1"/>
+                </a:solidFill>
+                <a:latin typeface="+mj-lt"/>
+                <a:ea typeface="+mj-ea"/>
+                <a:cs typeface="+mj-cs"/>
+              </a:defRPr>
+            </a:lvl7pPr>
+            <a:lvl8pPr marL="3429000" indent="-228600" algn="l" defTabSz="457200" rtl="0" eaLnBrk="1" latinLnBrk="1" hangingPunct="1">
+              <a:spcBef>
+                <a:spcPts val="1000"/>
+              </a:spcBef>
+              <a:spcAft>
+                <a:spcPts val="0"/>
+              </a:spcAft>
+              <a:buClr>
+                <a:schemeClr val="bg2">
+                  <a:lumMod val="40000"/>
+                  <a:lumOff val="60000"/>
+                </a:schemeClr>
+              </a:buClr>
+              <a:buSzPct val="80000"/>
+              <a:buFont typeface="Wingdings 3" charset="2"/>
+              <a:buChar char=""/>
+              <a:defRPr sz="1400" b="0" i="0" kern="1200">
+                <a:solidFill>
+                  <a:schemeClr val="tx1"/>
+                </a:solidFill>
+                <a:latin typeface="+mj-lt"/>
+                <a:ea typeface="+mj-ea"/>
+                <a:cs typeface="+mj-cs"/>
+              </a:defRPr>
+            </a:lvl8pPr>
+            <a:lvl9pPr marL="3886200" indent="-228600" algn="l" defTabSz="457200" rtl="0" eaLnBrk="1" latinLnBrk="1" hangingPunct="1">
+              <a:spcBef>
+                <a:spcPts val="1000"/>
+              </a:spcBef>
+              <a:spcAft>
+                <a:spcPts val="0"/>
+              </a:spcAft>
+              <a:buClr>
+                <a:schemeClr val="bg2">
+                  <a:lumMod val="40000"/>
+                  <a:lumOff val="60000"/>
+                </a:schemeClr>
+              </a:buClr>
+              <a:buSzPct val="80000"/>
+              <a:buFont typeface="Wingdings 3" charset="2"/>
+              <a:buChar char=""/>
+              <a:defRPr sz="1400" b="0" i="0" kern="1200">
+                <a:solidFill>
+                  <a:schemeClr val="tx1"/>
+                </a:solidFill>
+                <a:latin typeface="+mj-lt"/>
+                <a:ea typeface="+mj-ea"/>
+                <a:cs typeface="+mj-cs"/>
+              </a:defRPr>
+            </a:lvl9pPr>
+          </a:lstStyle>
+          <a:p>
+            <a:r>
+              <a:rPr lang="en-US" altLang="ko-KR" dirty="0"/>
+              <a:t>Docker</a:t>
+            </a:r>
+            <a:r>
+              <a:rPr lang="ko-KR" altLang="en-US" dirty="0"/>
+              <a:t>와 </a:t>
+            </a:r>
+            <a:r>
+              <a:rPr lang="en-US" altLang="ko-KR" dirty="0"/>
+              <a:t>Docker Compose </a:t>
+            </a:r>
+            <a:r>
+              <a:rPr lang="ko-KR" altLang="en-US" dirty="0"/>
+              <a:t>설치</a:t>
+            </a:r>
+            <a:endParaRPr lang="en-US" altLang="ko-KR" dirty="0"/>
+          </a:p>
+          <a:p>
+            <a:pPr lvl="1"/>
+            <a:r>
+              <a:rPr lang="en-US" altLang="ko-KR" dirty="0">
+                <a:hlinkClick r:id="rId2" action="ppaction://hlinkfile"/>
+              </a:rPr>
+              <a:t>docker-</a:t>
+            </a:r>
+            <a:r>
+              <a:rPr lang="en-US" altLang="ko-KR" dirty="0" err="1">
+                <a:hlinkClick r:id="rId2" action="ppaction://hlinkfile"/>
+              </a:rPr>
+              <a:t>compose.yml</a:t>
+            </a:r>
+            <a:r>
+              <a:rPr lang="en-US" altLang="ko-KR" dirty="0"/>
+              <a:t> (</a:t>
+            </a:r>
+            <a:r>
+              <a:rPr lang="ko-KR" altLang="en-US" dirty="0"/>
+              <a:t>프로젝트</a:t>
+            </a:r>
+            <a:r>
+              <a:rPr lang="en-US" altLang="ko-KR" dirty="0"/>
+              <a:t> </a:t>
+            </a:r>
+            <a:r>
+              <a:rPr lang="ko-KR" altLang="en-US" dirty="0"/>
+              <a:t>폴더</a:t>
+            </a:r>
+            <a:r>
+              <a:rPr lang="en-US" altLang="ko-KR" dirty="0"/>
+              <a:t> : </a:t>
+            </a:r>
+            <a:r>
+              <a:rPr lang="ko-KR" altLang="en-US" dirty="0"/>
+              <a:t>임의로 지정하면 됨</a:t>
+            </a:r>
+            <a:r>
+              <a:rPr lang="en-US" altLang="ko-KR" dirty="0"/>
+              <a:t>)</a:t>
+            </a:r>
+          </a:p>
+          <a:p>
+            <a:endParaRPr lang="en-US" altLang="ko-KR" dirty="0"/>
+          </a:p>
+          <a:p>
+            <a:r>
+              <a:rPr lang="en-US" altLang="ko-KR" dirty="0"/>
+              <a:t>Kafka </a:t>
+            </a:r>
+            <a:r>
+              <a:rPr lang="ko-KR" altLang="en-US" dirty="0"/>
+              <a:t>및 </a:t>
+            </a:r>
+            <a:r>
+              <a:rPr lang="en-US" altLang="ko-KR" dirty="0"/>
+              <a:t>Zookeeper </a:t>
+            </a:r>
+            <a:r>
+              <a:rPr lang="ko-KR" altLang="en-US" dirty="0"/>
+              <a:t>컨테이너 실행</a:t>
+            </a:r>
+            <a:endParaRPr lang="en-US" altLang="ko-KR" dirty="0"/>
+          </a:p>
+          <a:p>
+            <a:pPr lvl="1"/>
+            <a:r>
+              <a:rPr lang="ko-KR" altLang="en-US" dirty="0"/>
+              <a:t>터미널에서 해당 디렉토리</a:t>
+            </a:r>
+            <a:r>
+              <a:rPr lang="en-US" altLang="ko-KR" dirty="0"/>
+              <a:t>(docker-</a:t>
+            </a:r>
+            <a:r>
+              <a:rPr lang="en-US" altLang="ko-KR" dirty="0" err="1"/>
+              <a:t>compose.yml</a:t>
+            </a:r>
+            <a:r>
+              <a:rPr lang="en-US" altLang="ko-KR" dirty="0"/>
+              <a:t> </a:t>
+            </a:r>
+            <a:r>
+              <a:rPr lang="ko-KR" altLang="en-US" dirty="0"/>
+              <a:t>저장 디렉토리</a:t>
+            </a:r>
+            <a:r>
+              <a:rPr lang="en-US" altLang="ko-KR" dirty="0"/>
+              <a:t>)</a:t>
+            </a:r>
+            <a:r>
+              <a:rPr lang="ko-KR" altLang="en-US" dirty="0"/>
+              <a:t>로 이동한 후</a:t>
+            </a:r>
+            <a:r>
+              <a:rPr lang="en-US" altLang="ko-KR" dirty="0"/>
+              <a:t>, </a:t>
+            </a:r>
+          </a:p>
+          <a:p>
+            <a:pPr lvl="1"/>
+            <a:r>
+              <a:rPr lang="ko-KR" altLang="en-US" dirty="0"/>
+              <a:t>다음 명령어를 실행하여 컨테이너를 시작</a:t>
+            </a:r>
+            <a:r>
+              <a:rPr lang="en-US" altLang="ko-KR" dirty="0"/>
+              <a:t> :                docker-compose up -d</a:t>
+            </a:r>
+          </a:p>
+          <a:p>
+            <a:endParaRPr lang="ko-KR" altLang="en-US" dirty="0"/>
+          </a:p>
+        </p:txBody>
+      </p:sp>
+    </p:spTree>
+    <p:extLst>
+      <p:ext uri="{BB962C8B-B14F-4D97-AF65-F5344CB8AC3E}">
+        <p14:creationId xmlns:p14="http://schemas.microsoft.com/office/powerpoint/2010/main" val="2429541400"/>
+      </p:ext>
+    </p:extLst>
+  </p:cSld>
+  <p:clrMapOvr>
+    <a:masterClrMapping/>
+  </p:clrMapOvr>
+</p:sld>
+</file>
+
+<file path=ppt/slides/slide79.xml><?xml version="1.0" encoding="utf-8"?>
+<p:sld xmlns:a="http://schemas.openxmlformats.org/drawingml/2006/main" xmlns:r="http://schemas.openxmlformats.org/officeDocument/2006/relationships" xmlns:p="http://schemas.openxmlformats.org/presentationml/2006/main">
+  <p:cSld>
+    <p:spTree>
+      <p:nvGrpSpPr>
+        <p:cNvPr id="1" name="">
+          <a:extLst>
+            <a:ext uri="{FF2B5EF4-FFF2-40B4-BE49-F238E27FC236}">
+              <a16:creationId xmlns:a16="http://schemas.microsoft.com/office/drawing/2014/main" id="{7F8E7B05-E12D-A2D6-9F38-46D9F8F0368F}"/>
+            </a:ext>
+          </a:extLst>
+        </p:cNvPr>
+        <p:cNvGrpSpPr/>
+        <p:nvPr/>
+      </p:nvGrpSpPr>
+      <p:grpSpPr>
+        <a:xfrm>
+          <a:off x="0" y="0"/>
+          <a:ext cx="0" cy="0"/>
+          <a:chOff x="0" y="0"/>
+          <a:chExt cx="0" cy="0"/>
+        </a:xfrm>
+      </p:grpSpPr>
+      <p:sp>
+        <p:nvSpPr>
+          <p:cNvPr id="2" name="슬라이드 번호 개체 틀 1">
+            <a:extLst>
+              <a:ext uri="{FF2B5EF4-FFF2-40B4-BE49-F238E27FC236}">
+                <a16:creationId xmlns:a16="http://schemas.microsoft.com/office/drawing/2014/main" id="{70318D32-3094-6457-BC4A-C09FB5CB16E4}"/>
+              </a:ext>
+            </a:extLst>
+          </p:cNvPr>
+          <p:cNvSpPr>
+            <a:spLocks noGrp="1"/>
+          </p:cNvSpPr>
+          <p:nvPr>
+            <p:ph type="sldNum" sz="quarter" idx="12"/>
+          </p:nvPr>
+        </p:nvSpPr>
+        <p:spPr/>
+        <p:txBody>
+          <a:bodyPr/>
+          <a:lstStyle/>
+          <a:p>
+            <a:fld id="{D57F1E4F-1CFF-5643-939E-02111984F565}" type="slidenum">
+              <a:rPr lang="en-US" smtClean="0"/>
+              <a:t>78</a:t>
+            </a:fld>
+            <a:endParaRPr lang="en-US" dirty="0"/>
+          </a:p>
+        </p:txBody>
+      </p:sp>
+      <p:sp>
+        <p:nvSpPr>
+          <p:cNvPr id="3" name="TextBox 2">
+            <a:extLst>
+              <a:ext uri="{FF2B5EF4-FFF2-40B4-BE49-F238E27FC236}">
+                <a16:creationId xmlns:a16="http://schemas.microsoft.com/office/drawing/2014/main" id="{793E7207-C176-BF3F-E671-527145E1391D}"/>
+              </a:ext>
+            </a:extLst>
+          </p:cNvPr>
+          <p:cNvSpPr txBox="1"/>
+          <p:nvPr/>
+        </p:nvSpPr>
+        <p:spPr>
+          <a:xfrm>
+            <a:off x="100584" y="82296"/>
+            <a:ext cx="10251956" cy="369332"/>
+          </a:xfrm>
+          <a:prstGeom prst="rect">
+            <a:avLst/>
+          </a:prstGeom>
+          <a:noFill/>
+        </p:spPr>
+        <p:txBody>
+          <a:bodyPr wrap="square" rtlCol="0">
+            <a:spAutoFit/>
+          </a:bodyPr>
+          <a:lstStyle/>
+          <a:p>
+            <a:r>
+              <a:rPr lang="en-US" altLang="ko-KR" dirty="0"/>
+              <a:t>8. Kafka</a:t>
+            </a:r>
+            <a:r>
+              <a:rPr lang="ko-KR" altLang="en-US" dirty="0"/>
+              <a:t> 연동</a:t>
+            </a:r>
+          </a:p>
+        </p:txBody>
+      </p:sp>
+      <p:sp>
+        <p:nvSpPr>
+          <p:cNvPr id="4" name="TextBox 3">
+            <a:extLst>
+              <a:ext uri="{FF2B5EF4-FFF2-40B4-BE49-F238E27FC236}">
+                <a16:creationId xmlns:a16="http://schemas.microsoft.com/office/drawing/2014/main" id="{EA2D4311-D4B9-ADDE-B70C-0B2831994E81}"/>
+              </a:ext>
+            </a:extLst>
+          </p:cNvPr>
+          <p:cNvSpPr txBox="1"/>
+          <p:nvPr/>
+        </p:nvSpPr>
+        <p:spPr>
+          <a:xfrm>
+            <a:off x="521208" y="565064"/>
+            <a:ext cx="9573768" cy="584775"/>
+          </a:xfrm>
+          <a:prstGeom prst="rect">
+            <a:avLst/>
+          </a:prstGeom>
+          <a:noFill/>
+        </p:spPr>
+        <p:txBody>
+          <a:bodyPr wrap="square" rtlCol="0">
+            <a:spAutoFit/>
+          </a:bodyPr>
+          <a:lstStyle/>
+          <a:p>
+            <a:r>
+              <a:rPr lang="en-US" altLang="ko-KR" sz="1600" dirty="0">
+                <a:latin typeface="맑은 고딕" panose="020B0503020000020004" pitchFamily="50" charset="-127"/>
+                <a:ea typeface="맑은 고딕" panose="020B0503020000020004" pitchFamily="50" charset="-127"/>
+              </a:rPr>
+              <a:t>POST</a:t>
+            </a:r>
+            <a:r>
+              <a:rPr lang="ko-KR" altLang="en-US" sz="1600" dirty="0">
+                <a:latin typeface="맑은 고딕" panose="020B0503020000020004" pitchFamily="50" charset="-127"/>
+                <a:ea typeface="맑은 고딕" panose="020B0503020000020004" pitchFamily="50" charset="-127"/>
+              </a:rPr>
+              <a:t> 방식</a:t>
+            </a:r>
+            <a:r>
+              <a:rPr lang="en-US" altLang="ko-KR" sz="1600" dirty="0">
+                <a:latin typeface="맑은 고딕" panose="020B0503020000020004" pitchFamily="50" charset="-127"/>
+                <a:ea typeface="맑은 고딕" panose="020B0503020000020004" pitchFamily="50" charset="-127"/>
+              </a:rPr>
+              <a:t> : Postman </a:t>
+            </a:r>
+            <a:r>
+              <a:rPr lang="ko-KR" altLang="en-US" sz="1600" dirty="0">
+                <a:latin typeface="맑은 고딕" panose="020B0503020000020004" pitchFamily="50" charset="-127"/>
+                <a:ea typeface="맑은 고딕" panose="020B0503020000020004" pitchFamily="50" charset="-127"/>
+              </a:rPr>
+              <a:t>사용 예시</a:t>
+            </a:r>
+            <a:endParaRPr lang="en-US" altLang="ko-KR" sz="1600" dirty="0">
+              <a:latin typeface="맑은 고딕" panose="020B0503020000020004" pitchFamily="50" charset="-127"/>
+              <a:ea typeface="맑은 고딕" panose="020B0503020000020004" pitchFamily="50" charset="-127"/>
+            </a:endParaRPr>
+          </a:p>
+          <a:p>
+            <a:r>
+              <a:rPr lang="en-US" altLang="ko-KR" sz="1600" b="1" dirty="0">
+                <a:solidFill>
+                  <a:srgbClr val="FF0000"/>
+                </a:solidFill>
+                <a:latin typeface="바탕체" panose="02030609000101010101" pitchFamily="17" charset="-127"/>
+                <a:ea typeface="바탕체" panose="02030609000101010101" pitchFamily="17" charset="-127"/>
+              </a:rPr>
+              <a:t>※ </a:t>
+            </a:r>
+            <a:r>
+              <a:rPr lang="en-US" altLang="ko-KR" sz="1600" dirty="0"/>
+              <a:t>Spring</a:t>
+            </a:r>
+            <a:r>
+              <a:rPr lang="ko-KR" altLang="en-US" sz="1600" dirty="0"/>
+              <a:t> </a:t>
+            </a:r>
+            <a:r>
+              <a:rPr lang="en-US" altLang="ko-KR" sz="1600" dirty="0"/>
+              <a:t>Boot Application </a:t>
+            </a:r>
+            <a:r>
+              <a:rPr lang="ko-KR" altLang="en-US" sz="1600" dirty="0"/>
+              <a:t>실행이 우선되어야 함 </a:t>
+            </a:r>
+            <a:r>
+              <a:rPr lang="en-US" altLang="ko-KR" sz="1600" dirty="0"/>
+              <a:t>( </a:t>
+            </a:r>
+            <a:r>
+              <a:rPr lang="ko-KR" altLang="en-US" sz="1600" b="1" dirty="0">
+                <a:solidFill>
+                  <a:srgbClr val="FF0000"/>
+                </a:solidFill>
+              </a:rPr>
+              <a:t>본 문서 마지막 참고 페이지</a:t>
+            </a:r>
+            <a:r>
+              <a:rPr lang="ko-KR" altLang="en-US" sz="1600" dirty="0"/>
+              <a:t> </a:t>
+            </a:r>
+            <a:r>
+              <a:rPr lang="en-US" altLang="ko-KR" sz="1600" dirty="0"/>
+              <a:t>)</a:t>
+            </a:r>
+            <a:endParaRPr lang="ko-KR" altLang="en-US" sz="1500" b="1" dirty="0">
+              <a:solidFill>
+                <a:srgbClr val="FF0000"/>
+              </a:solidFill>
+            </a:endParaRPr>
+          </a:p>
+        </p:txBody>
+      </p:sp>
+      <p:pic>
+        <p:nvPicPr>
+          <p:cNvPr id="8" name="그림 7">
+            <a:extLst>
+              <a:ext uri="{FF2B5EF4-FFF2-40B4-BE49-F238E27FC236}">
+                <a16:creationId xmlns:a16="http://schemas.microsoft.com/office/drawing/2014/main" id="{0B94325B-D3D3-5ADB-D01B-9B482547F279}"/>
+              </a:ext>
+            </a:extLst>
+          </p:cNvPr>
+          <p:cNvPicPr>
+            <a:picLocks noChangeAspect="1"/>
+          </p:cNvPicPr>
+          <p:nvPr/>
+        </p:nvPicPr>
+        <p:blipFill>
+          <a:blip r:embed="rId2"/>
+          <a:stretch>
+            <a:fillRect/>
+          </a:stretch>
+        </p:blipFill>
+        <p:spPr>
+          <a:xfrm>
+            <a:off x="100584" y="1376000"/>
+            <a:ext cx="9272016" cy="4579268"/>
+          </a:xfrm>
+          <a:prstGeom prst="rect">
+            <a:avLst/>
+          </a:prstGeom>
+        </p:spPr>
+      </p:pic>
+      <p:sp>
+        <p:nvSpPr>
+          <p:cNvPr id="12" name="TextBox 11">
+            <a:extLst>
+              <a:ext uri="{FF2B5EF4-FFF2-40B4-BE49-F238E27FC236}">
+                <a16:creationId xmlns:a16="http://schemas.microsoft.com/office/drawing/2014/main" id="{803AC6AC-1EB8-2462-33A0-07C1896EF0F2}"/>
+              </a:ext>
+            </a:extLst>
+          </p:cNvPr>
+          <p:cNvSpPr txBox="1"/>
+          <p:nvPr/>
+        </p:nvSpPr>
+        <p:spPr>
+          <a:xfrm>
+            <a:off x="9457573" y="2509104"/>
+            <a:ext cx="2658227" cy="769441"/>
+          </a:xfrm>
+          <a:prstGeom prst="rect">
+            <a:avLst/>
+          </a:prstGeom>
+          <a:noFill/>
+        </p:spPr>
+        <p:txBody>
+          <a:bodyPr wrap="square">
+            <a:spAutoFit/>
+          </a:bodyPr>
+          <a:lstStyle/>
+          <a:p>
+            <a:r>
+              <a:rPr lang="en-US" altLang="ko-KR" sz="1100" dirty="0">
+                <a:solidFill>
+                  <a:srgbClr val="FF0000"/>
+                </a:solidFill>
+              </a:rPr>
+              <a:t>POST </a:t>
+            </a:r>
+            <a:r>
+              <a:rPr lang="ko-KR" altLang="en-US" sz="1100" dirty="0">
+                <a:solidFill>
+                  <a:srgbClr val="FF0000"/>
+                </a:solidFill>
+              </a:rPr>
+              <a:t>방식 </a:t>
+            </a:r>
+            <a:r>
+              <a:rPr lang="en-US" altLang="ko-KR" sz="1100" dirty="0">
+                <a:solidFill>
+                  <a:srgbClr val="FF0000"/>
+                </a:solidFill>
+              </a:rPr>
+              <a:t>: Postman</a:t>
+            </a:r>
+            <a:r>
+              <a:rPr lang="ko-KR" altLang="en-US" sz="1100" dirty="0">
+                <a:solidFill>
+                  <a:srgbClr val="FF0000"/>
+                </a:solidFill>
+              </a:rPr>
+              <a:t> 사용 </a:t>
+            </a:r>
+            <a:endParaRPr lang="en-US" altLang="ko-KR" sz="1100" dirty="0">
+              <a:solidFill>
+                <a:srgbClr val="FF0000"/>
+              </a:solidFill>
+            </a:endParaRPr>
+          </a:p>
+          <a:p>
+            <a:r>
+              <a:rPr lang="en-US" altLang="ko-KR" sz="1100" dirty="0">
+                <a:solidFill>
+                  <a:srgbClr val="FF0000"/>
+                </a:solidFill>
+              </a:rPr>
+              <a:t>  - method : POST</a:t>
+            </a:r>
+            <a:endParaRPr lang="ko-KR" altLang="en-US" sz="1100" dirty="0">
+              <a:solidFill>
+                <a:srgbClr val="FF0000"/>
+              </a:solidFill>
+            </a:endParaRPr>
+          </a:p>
+          <a:p>
+            <a:r>
+              <a:rPr lang="ko-KR" altLang="en-US" sz="1100" dirty="0">
+                <a:solidFill>
+                  <a:srgbClr val="FF0000"/>
+                </a:solidFill>
+              </a:rPr>
+              <a:t>  </a:t>
+            </a:r>
+            <a:r>
+              <a:rPr lang="en-US" altLang="ko-KR" sz="1100" dirty="0">
+                <a:solidFill>
+                  <a:srgbClr val="FF0000"/>
+                </a:solidFill>
+              </a:rPr>
+              <a:t>- http://localhost:8080/kafka/send1</a:t>
+            </a:r>
+          </a:p>
+          <a:p>
+            <a:r>
+              <a:rPr lang="en-US" altLang="ko-KR" sz="1100" dirty="0">
+                <a:solidFill>
+                  <a:srgbClr val="FF0000"/>
+                </a:solidFill>
+              </a:rPr>
+              <a:t>  - request param : message</a:t>
+            </a:r>
+          </a:p>
+        </p:txBody>
+      </p:sp>
+      <p:sp>
+        <p:nvSpPr>
+          <p:cNvPr id="13" name="직사각형 12">
+            <a:extLst>
+              <a:ext uri="{FF2B5EF4-FFF2-40B4-BE49-F238E27FC236}">
+                <a16:creationId xmlns:a16="http://schemas.microsoft.com/office/drawing/2014/main" id="{4B5152FA-C71B-2352-D493-953905655F81}"/>
+              </a:ext>
+            </a:extLst>
+          </p:cNvPr>
+          <p:cNvSpPr/>
+          <p:nvPr/>
+        </p:nvSpPr>
+        <p:spPr>
+          <a:xfrm>
+            <a:off x="210312" y="1897128"/>
+            <a:ext cx="4288536" cy="333233"/>
+          </a:xfrm>
+          <a:prstGeom prst="rect">
+            <a:avLst/>
+          </a:prstGeom>
+          <a:noFill/>
+          <a:ln w="28575">
+            <a:solidFill>
+              <a:srgbClr val="FF0000"/>
+            </a:solidFill>
+          </a:ln>
+        </p:spPr>
+        <p:style>
+          <a:lnRef idx="2">
+            <a:schemeClr val="accent1">
+              <a:shade val="15000"/>
+            </a:schemeClr>
+          </a:lnRef>
+          <a:fillRef idx="1">
+            <a:schemeClr val="accent1"/>
+          </a:fillRef>
+          <a:effectRef idx="0">
+            <a:schemeClr val="accent1"/>
+          </a:effectRef>
+          <a:fontRef idx="minor">
+            <a:schemeClr val="lt1"/>
+          </a:fontRef>
+        </p:style>
+        <p:txBody>
+          <a:bodyPr rtlCol="0" anchor="ctr"/>
+          <a:lstStyle/>
+          <a:p>
+            <a:pPr algn="ctr"/>
+            <a:endParaRPr lang="ko-KR" altLang="en-US"/>
+          </a:p>
+        </p:txBody>
+      </p:sp>
+      <p:sp>
+        <p:nvSpPr>
+          <p:cNvPr id="14" name="직사각형 13">
+            <a:extLst>
+              <a:ext uri="{FF2B5EF4-FFF2-40B4-BE49-F238E27FC236}">
+                <a16:creationId xmlns:a16="http://schemas.microsoft.com/office/drawing/2014/main" id="{407BB845-52ED-5023-9893-50DE3DDB7610}"/>
+              </a:ext>
+            </a:extLst>
+          </p:cNvPr>
+          <p:cNvSpPr/>
+          <p:nvPr/>
+        </p:nvSpPr>
+        <p:spPr>
+          <a:xfrm>
+            <a:off x="335280" y="3095767"/>
+            <a:ext cx="4288536" cy="333233"/>
+          </a:xfrm>
+          <a:prstGeom prst="rect">
+            <a:avLst/>
+          </a:prstGeom>
+          <a:noFill/>
+          <a:ln w="28575">
+            <a:solidFill>
+              <a:srgbClr val="FF0000"/>
+            </a:solidFill>
+          </a:ln>
+        </p:spPr>
+        <p:style>
+          <a:lnRef idx="2">
+            <a:schemeClr val="accent1">
+              <a:shade val="15000"/>
+            </a:schemeClr>
+          </a:lnRef>
+          <a:fillRef idx="1">
+            <a:schemeClr val="accent1"/>
+          </a:fillRef>
+          <a:effectRef idx="0">
+            <a:schemeClr val="accent1"/>
+          </a:effectRef>
+          <a:fontRef idx="minor">
+            <a:schemeClr val="lt1"/>
+          </a:fontRef>
+        </p:style>
+        <p:txBody>
+          <a:bodyPr rtlCol="0" anchor="ctr"/>
+          <a:lstStyle/>
+          <a:p>
+            <a:pPr algn="ctr"/>
+            <a:endParaRPr lang="ko-KR" altLang="en-US"/>
+          </a:p>
+        </p:txBody>
+      </p:sp>
+      <p:sp>
+        <p:nvSpPr>
+          <p:cNvPr id="15" name="직사각형 14">
+            <a:extLst>
+              <a:ext uri="{FF2B5EF4-FFF2-40B4-BE49-F238E27FC236}">
+                <a16:creationId xmlns:a16="http://schemas.microsoft.com/office/drawing/2014/main" id="{4BADC038-6446-F880-0C76-0149B1D86E90}"/>
+              </a:ext>
+            </a:extLst>
+          </p:cNvPr>
+          <p:cNvSpPr/>
+          <p:nvPr/>
+        </p:nvSpPr>
+        <p:spPr>
+          <a:xfrm>
+            <a:off x="210312" y="5482000"/>
+            <a:ext cx="2295144" cy="333233"/>
+          </a:xfrm>
+          <a:prstGeom prst="rect">
+            <a:avLst/>
+          </a:prstGeom>
+          <a:noFill/>
+          <a:ln w="28575">
+            <a:solidFill>
+              <a:srgbClr val="FF0000"/>
+            </a:solidFill>
+          </a:ln>
+        </p:spPr>
+        <p:style>
+          <a:lnRef idx="2">
+            <a:schemeClr val="accent1">
+              <a:shade val="15000"/>
+            </a:schemeClr>
+          </a:lnRef>
+          <a:fillRef idx="1">
+            <a:schemeClr val="accent1"/>
+          </a:fillRef>
+          <a:effectRef idx="0">
+            <a:schemeClr val="accent1"/>
+          </a:effectRef>
+          <a:fontRef idx="minor">
+            <a:schemeClr val="lt1"/>
+          </a:fontRef>
+        </p:style>
+        <p:txBody>
+          <a:bodyPr rtlCol="0" anchor="ctr"/>
+          <a:lstStyle/>
+          <a:p>
+            <a:pPr algn="ctr"/>
+            <a:endParaRPr lang="ko-KR" altLang="en-US"/>
+          </a:p>
+        </p:txBody>
+      </p:sp>
+      <p:sp>
+        <p:nvSpPr>
+          <p:cNvPr id="16" name="직사각형 15">
+            <a:extLst>
+              <a:ext uri="{FF2B5EF4-FFF2-40B4-BE49-F238E27FC236}">
+                <a16:creationId xmlns:a16="http://schemas.microsoft.com/office/drawing/2014/main" id="{0E9816B2-E429-9C6D-3150-BEFF5848423B}"/>
+              </a:ext>
+            </a:extLst>
+          </p:cNvPr>
+          <p:cNvSpPr/>
+          <p:nvPr/>
+        </p:nvSpPr>
+        <p:spPr>
+          <a:xfrm>
+            <a:off x="8339328" y="1835644"/>
+            <a:ext cx="911352" cy="394717"/>
+          </a:xfrm>
+          <a:prstGeom prst="rect">
+            <a:avLst/>
+          </a:prstGeom>
+          <a:noFill/>
+          <a:ln w="28575">
+            <a:solidFill>
+              <a:srgbClr val="FF0000"/>
+            </a:solidFill>
+          </a:ln>
+        </p:spPr>
+        <p:style>
+          <a:lnRef idx="2">
+            <a:schemeClr val="accent1">
+              <a:shade val="15000"/>
+            </a:schemeClr>
+          </a:lnRef>
+          <a:fillRef idx="1">
+            <a:schemeClr val="accent1"/>
+          </a:fillRef>
+          <a:effectRef idx="0">
+            <a:schemeClr val="accent1"/>
+          </a:effectRef>
+          <a:fontRef idx="minor">
+            <a:schemeClr val="lt1"/>
+          </a:fontRef>
+        </p:style>
+        <p:txBody>
+          <a:bodyPr rtlCol="0" anchor="ctr"/>
+          <a:lstStyle/>
+          <a:p>
+            <a:pPr algn="ctr"/>
+            <a:endParaRPr lang="ko-KR" altLang="en-US"/>
+          </a:p>
+        </p:txBody>
+      </p:sp>
+      <p:pic>
+        <p:nvPicPr>
+          <p:cNvPr id="18" name="그림 17">
+            <a:extLst>
+              <a:ext uri="{FF2B5EF4-FFF2-40B4-BE49-F238E27FC236}">
+                <a16:creationId xmlns:a16="http://schemas.microsoft.com/office/drawing/2014/main" id="{B4738420-13DF-A21C-DF3C-9C4031520171}"/>
+              </a:ext>
+            </a:extLst>
+          </p:cNvPr>
+          <p:cNvPicPr>
+            <a:picLocks noChangeAspect="1"/>
+          </p:cNvPicPr>
+          <p:nvPr/>
+        </p:nvPicPr>
+        <p:blipFill>
+          <a:blip r:embed="rId3"/>
+          <a:stretch>
+            <a:fillRect/>
+          </a:stretch>
+        </p:blipFill>
+        <p:spPr>
+          <a:xfrm>
+            <a:off x="7361418" y="4972153"/>
+            <a:ext cx="4620270" cy="1686160"/>
+          </a:xfrm>
+          <a:prstGeom prst="rect">
+            <a:avLst/>
+          </a:prstGeom>
+        </p:spPr>
+      </p:pic>
+      <p:sp>
+        <p:nvSpPr>
+          <p:cNvPr id="19" name="직사각형 18">
+            <a:extLst>
+              <a:ext uri="{FF2B5EF4-FFF2-40B4-BE49-F238E27FC236}">
+                <a16:creationId xmlns:a16="http://schemas.microsoft.com/office/drawing/2014/main" id="{BCB8DE57-A2AC-A1DE-62AA-8B786032C191}"/>
+              </a:ext>
+            </a:extLst>
+          </p:cNvPr>
+          <p:cNvSpPr/>
+          <p:nvPr/>
+        </p:nvSpPr>
+        <p:spPr>
+          <a:xfrm>
+            <a:off x="7452858" y="5628803"/>
+            <a:ext cx="3291342" cy="333233"/>
+          </a:xfrm>
+          <a:prstGeom prst="rect">
+            <a:avLst/>
+          </a:prstGeom>
+          <a:noFill/>
+          <a:ln w="28575">
+            <a:solidFill>
+              <a:srgbClr val="FF0000"/>
+            </a:solidFill>
+          </a:ln>
+        </p:spPr>
+        <p:style>
+          <a:lnRef idx="2">
+            <a:schemeClr val="accent1">
+              <a:shade val="15000"/>
+            </a:schemeClr>
+          </a:lnRef>
+          <a:fillRef idx="1">
+            <a:schemeClr val="accent1"/>
+          </a:fillRef>
+          <a:effectRef idx="0">
+            <a:schemeClr val="accent1"/>
+          </a:effectRef>
+          <a:fontRef idx="minor">
+            <a:schemeClr val="lt1"/>
+          </a:fontRef>
+        </p:style>
+        <p:txBody>
+          <a:bodyPr rtlCol="0" anchor="ctr"/>
+          <a:lstStyle/>
+          <a:p>
+            <a:pPr algn="ctr"/>
+            <a:endParaRPr lang="ko-KR" altLang="en-US"/>
+          </a:p>
+        </p:txBody>
+      </p:sp>
+      <p:cxnSp>
+        <p:nvCxnSpPr>
+          <p:cNvPr id="21" name="연결선: 구부러짐 20">
+            <a:extLst>
+              <a:ext uri="{FF2B5EF4-FFF2-40B4-BE49-F238E27FC236}">
+                <a16:creationId xmlns:a16="http://schemas.microsoft.com/office/drawing/2014/main" id="{74C82053-35BD-E08F-BA6C-A32AF591C0E5}"/>
+              </a:ext>
+            </a:extLst>
+          </p:cNvPr>
+          <p:cNvCxnSpPr>
+            <a:cxnSpLocks/>
+            <a:stCxn id="13" idx="2"/>
+            <a:endCxn id="14" idx="0"/>
+          </p:cNvCxnSpPr>
+          <p:nvPr/>
+        </p:nvCxnSpPr>
+        <p:spPr>
+          <a:xfrm rot="16200000" flipH="1">
+            <a:off x="1984361" y="2600580"/>
+            <a:ext cx="865406" cy="124968"/>
+          </a:xfrm>
+          <a:prstGeom prst="curvedConnector3">
+            <a:avLst/>
+          </a:prstGeom>
+          <a:ln>
+            <a:tailEnd type="triangle"/>
+          </a:ln>
+        </p:spPr>
+        <p:style>
+          <a:lnRef idx="1">
+            <a:schemeClr val="accent1"/>
+          </a:lnRef>
+          <a:fillRef idx="0">
+            <a:schemeClr val="accent1"/>
+          </a:fillRef>
+          <a:effectRef idx="0">
+            <a:schemeClr val="accent1"/>
+          </a:effectRef>
+          <a:fontRef idx="minor">
+            <a:schemeClr val="tx1"/>
+          </a:fontRef>
+        </p:style>
+      </p:cxnSp>
+      <p:cxnSp>
+        <p:nvCxnSpPr>
+          <p:cNvPr id="23" name="연결선: 구부러짐 22">
+            <a:extLst>
+              <a:ext uri="{FF2B5EF4-FFF2-40B4-BE49-F238E27FC236}">
+                <a16:creationId xmlns:a16="http://schemas.microsoft.com/office/drawing/2014/main" id="{F869A3DF-33CC-C208-2563-EBD8A923ADFF}"/>
+              </a:ext>
+            </a:extLst>
+          </p:cNvPr>
+          <p:cNvCxnSpPr>
+            <a:cxnSpLocks/>
+            <a:stCxn id="14" idx="3"/>
+            <a:endCxn id="16" idx="1"/>
+          </p:cNvCxnSpPr>
+          <p:nvPr/>
+        </p:nvCxnSpPr>
+        <p:spPr>
+          <a:xfrm flipV="1">
+            <a:off x="4623816" y="2033003"/>
+            <a:ext cx="3715512" cy="1229381"/>
+          </a:xfrm>
+          <a:prstGeom prst="curvedConnector3">
+            <a:avLst>
+              <a:gd name="adj1" fmla="val 50000"/>
+            </a:avLst>
+          </a:prstGeom>
+          <a:ln>
+            <a:tailEnd type="triangle"/>
+          </a:ln>
+        </p:spPr>
+        <p:style>
+          <a:lnRef idx="1">
+            <a:schemeClr val="accent1"/>
+          </a:lnRef>
+          <a:fillRef idx="0">
+            <a:schemeClr val="accent1"/>
+          </a:fillRef>
+          <a:effectRef idx="0">
+            <a:schemeClr val="accent1"/>
+          </a:effectRef>
+          <a:fontRef idx="minor">
+            <a:schemeClr val="tx1"/>
+          </a:fontRef>
+        </p:style>
+      </p:cxnSp>
+      <p:cxnSp>
+        <p:nvCxnSpPr>
+          <p:cNvPr id="26" name="연결선: 구부러짐 25">
+            <a:extLst>
+              <a:ext uri="{FF2B5EF4-FFF2-40B4-BE49-F238E27FC236}">
+                <a16:creationId xmlns:a16="http://schemas.microsoft.com/office/drawing/2014/main" id="{34DA028E-0E96-A690-154E-A0AA7FA0A6B9}"/>
+              </a:ext>
+            </a:extLst>
+          </p:cNvPr>
+          <p:cNvCxnSpPr>
+            <a:cxnSpLocks/>
+            <a:stCxn id="16" idx="2"/>
+            <a:endCxn id="15" idx="0"/>
+          </p:cNvCxnSpPr>
+          <p:nvPr/>
+        </p:nvCxnSpPr>
+        <p:spPr>
+          <a:xfrm rot="5400000">
+            <a:off x="3450625" y="137620"/>
+            <a:ext cx="3251639" cy="7437120"/>
+          </a:xfrm>
+          <a:prstGeom prst="curvedConnector3">
+            <a:avLst>
+              <a:gd name="adj1" fmla="val 50000"/>
+            </a:avLst>
+          </a:prstGeom>
+          <a:ln>
+            <a:tailEnd type="triangle"/>
+          </a:ln>
+        </p:spPr>
+        <p:style>
+          <a:lnRef idx="1">
+            <a:schemeClr val="accent1"/>
+          </a:lnRef>
+          <a:fillRef idx="0">
+            <a:schemeClr val="accent1"/>
+          </a:fillRef>
+          <a:effectRef idx="0">
+            <a:schemeClr val="accent1"/>
+          </a:effectRef>
+          <a:fontRef idx="minor">
+            <a:schemeClr val="tx1"/>
+          </a:fontRef>
+        </p:style>
+      </p:cxnSp>
+      <p:cxnSp>
+        <p:nvCxnSpPr>
+          <p:cNvPr id="29" name="연결선: 구부러짐 28">
+            <a:extLst>
+              <a:ext uri="{FF2B5EF4-FFF2-40B4-BE49-F238E27FC236}">
+                <a16:creationId xmlns:a16="http://schemas.microsoft.com/office/drawing/2014/main" id="{BB8DB717-1A78-59A3-D589-604CC0FFAA85}"/>
+              </a:ext>
+            </a:extLst>
+          </p:cNvPr>
+          <p:cNvCxnSpPr>
+            <a:cxnSpLocks/>
+            <a:stCxn id="15" idx="3"/>
+            <a:endCxn id="19" idx="1"/>
+          </p:cNvCxnSpPr>
+          <p:nvPr/>
+        </p:nvCxnSpPr>
+        <p:spPr>
+          <a:xfrm>
+            <a:off x="2505456" y="5648617"/>
+            <a:ext cx="4947402" cy="146803"/>
+          </a:xfrm>
+          <a:prstGeom prst="curvedConnector3">
+            <a:avLst>
+              <a:gd name="adj1" fmla="val 50000"/>
+            </a:avLst>
+          </a:prstGeom>
+          <a:ln>
+            <a:tailEnd type="triangle"/>
+          </a:ln>
+        </p:spPr>
+        <p:style>
+          <a:lnRef idx="1">
+            <a:schemeClr val="accent1"/>
+          </a:lnRef>
+          <a:fillRef idx="0">
+            <a:schemeClr val="accent1"/>
+          </a:fillRef>
+          <a:effectRef idx="0">
+            <a:schemeClr val="accent1"/>
+          </a:effectRef>
+          <a:fontRef idx="minor">
+            <a:schemeClr val="tx1"/>
+          </a:fontRef>
+        </p:style>
+      </p:cxnSp>
+      <p:sp>
+        <p:nvSpPr>
+          <p:cNvPr id="32" name="TextBox 31">
+            <a:extLst>
+              <a:ext uri="{FF2B5EF4-FFF2-40B4-BE49-F238E27FC236}">
+                <a16:creationId xmlns:a16="http://schemas.microsoft.com/office/drawing/2014/main" id="{5278E590-8692-70FE-1A87-4983AA337BD2}"/>
+              </a:ext>
+            </a:extLst>
+          </p:cNvPr>
+          <p:cNvSpPr txBox="1"/>
+          <p:nvPr/>
+        </p:nvSpPr>
+        <p:spPr>
+          <a:xfrm>
+            <a:off x="9098529" y="6288982"/>
+            <a:ext cx="2011431" cy="276999"/>
+          </a:xfrm>
+          <a:prstGeom prst="rect">
+            <a:avLst/>
+          </a:prstGeom>
+          <a:noFill/>
+        </p:spPr>
+        <p:txBody>
+          <a:bodyPr wrap="square" rtlCol="0">
+            <a:spAutoFit/>
+          </a:bodyPr>
+          <a:lstStyle/>
+          <a:p>
+            <a:r>
+              <a:rPr lang="ko-KR" altLang="en-US" sz="1200" b="1" dirty="0">
+                <a:solidFill>
+                  <a:srgbClr val="FF0000"/>
+                </a:solidFill>
+              </a:rPr>
+              <a:t>이클립스</a:t>
+            </a:r>
+            <a:r>
+              <a:rPr lang="en-US" altLang="ko-KR" sz="1200" b="1" dirty="0">
+                <a:solidFill>
+                  <a:srgbClr val="FF0000"/>
+                </a:solidFill>
+              </a:rPr>
+              <a:t> </a:t>
+            </a:r>
+            <a:r>
+              <a:rPr lang="ko-KR" altLang="en-US" sz="1200" b="1" dirty="0">
+                <a:solidFill>
+                  <a:srgbClr val="FF0000"/>
+                </a:solidFill>
+              </a:rPr>
+              <a:t>콘솔</a:t>
+            </a:r>
+            <a:r>
+              <a:rPr lang="en-US" altLang="ko-KR" sz="1200" b="1" dirty="0">
+                <a:solidFill>
+                  <a:srgbClr val="FF0000"/>
+                </a:solidFill>
+              </a:rPr>
+              <a:t> </a:t>
+            </a:r>
+            <a:r>
+              <a:rPr lang="ko-KR" altLang="en-US" sz="1200" b="1" dirty="0">
+                <a:solidFill>
+                  <a:srgbClr val="FF0000"/>
+                </a:solidFill>
+              </a:rPr>
+              <a:t>창에서</a:t>
+            </a:r>
+            <a:r>
+              <a:rPr lang="en-US" altLang="ko-KR" sz="1200" b="1" dirty="0">
+                <a:solidFill>
+                  <a:srgbClr val="FF0000"/>
+                </a:solidFill>
+              </a:rPr>
+              <a:t> </a:t>
+            </a:r>
+            <a:r>
+              <a:rPr lang="ko-KR" altLang="en-US" sz="1200" b="1" dirty="0">
+                <a:solidFill>
+                  <a:srgbClr val="FF0000"/>
+                </a:solidFill>
+              </a:rPr>
+              <a:t>확인</a:t>
+            </a:r>
+            <a:r>
+              <a:rPr lang="en-US" altLang="ko-KR" sz="1200" b="1" dirty="0">
+                <a:solidFill>
+                  <a:srgbClr val="FF0000"/>
+                </a:solidFill>
+              </a:rPr>
+              <a:t> </a:t>
+            </a:r>
+            <a:endParaRPr lang="ko-KR" altLang="en-US" sz="1200" b="1" dirty="0">
+              <a:solidFill>
+                <a:srgbClr val="FF0000"/>
+              </a:solidFill>
+            </a:endParaRPr>
+          </a:p>
+        </p:txBody>
+      </p:sp>
+      <p:sp>
+        <p:nvSpPr>
+          <p:cNvPr id="33" name="화살표: 위쪽 32">
+            <a:extLst>
+              <a:ext uri="{FF2B5EF4-FFF2-40B4-BE49-F238E27FC236}">
+                <a16:creationId xmlns:a16="http://schemas.microsoft.com/office/drawing/2014/main" id="{A9C2A3B0-8EB6-409C-C5B1-F65371BD6CB7}"/>
+              </a:ext>
+            </a:extLst>
+          </p:cNvPr>
+          <p:cNvSpPr/>
+          <p:nvPr/>
+        </p:nvSpPr>
+        <p:spPr>
+          <a:xfrm>
+            <a:off x="9646920" y="6035040"/>
+            <a:ext cx="173736" cy="257896"/>
+          </a:xfrm>
+          <a:prstGeom prst="upArrow">
+            <a:avLst/>
+          </a:prstGeom>
+        </p:spPr>
+        <p:style>
+          <a:lnRef idx="2">
+            <a:schemeClr val="accent1">
+              <a:shade val="15000"/>
+            </a:schemeClr>
+          </a:lnRef>
+          <a:fillRef idx="1">
+            <a:schemeClr val="accent1"/>
+          </a:fillRef>
+          <a:effectRef idx="0">
+            <a:schemeClr val="accent1"/>
+          </a:effectRef>
+          <a:fontRef idx="minor">
+            <a:schemeClr val="lt1"/>
+          </a:fontRef>
+        </p:style>
+        <p:txBody>
+          <a:bodyPr rtlCol="0" anchor="ctr"/>
+          <a:lstStyle/>
+          <a:p>
+            <a:pPr algn="ctr"/>
+            <a:endParaRPr lang="ko-KR" altLang="en-US"/>
+          </a:p>
+        </p:txBody>
+      </p:sp>
+      <p:sp>
+        <p:nvSpPr>
+          <p:cNvPr id="34" name="말풍선: 모서리가 둥근 사각형 33">
+            <a:extLst>
+              <a:ext uri="{FF2B5EF4-FFF2-40B4-BE49-F238E27FC236}">
+                <a16:creationId xmlns:a16="http://schemas.microsoft.com/office/drawing/2014/main" id="{FB367413-ED51-465B-7323-31E09AE9AB84}"/>
+              </a:ext>
+            </a:extLst>
+          </p:cNvPr>
+          <p:cNvSpPr/>
+          <p:nvPr/>
+        </p:nvSpPr>
+        <p:spPr>
+          <a:xfrm>
+            <a:off x="4334256" y="1316456"/>
+            <a:ext cx="1143000" cy="391657"/>
+          </a:xfrm>
+          <a:prstGeom prst="wedgeRoundRectCallout">
+            <a:avLst>
+              <a:gd name="adj1" fmla="val -38433"/>
+              <a:gd name="adj2" fmla="val 95186"/>
+              <a:gd name="adj3" fmla="val 16667"/>
+            </a:avLst>
+          </a:prstGeom>
+        </p:spPr>
+        <p:style>
+          <a:lnRef idx="2">
+            <a:schemeClr val="accent1">
+              <a:shade val="15000"/>
+            </a:schemeClr>
+          </a:lnRef>
+          <a:fillRef idx="1">
+            <a:schemeClr val="accent1"/>
+          </a:fillRef>
+          <a:effectRef idx="0">
+            <a:schemeClr val="accent1"/>
+          </a:effectRef>
+          <a:fontRef idx="minor">
+            <a:schemeClr val="lt1"/>
+          </a:fontRef>
+        </p:style>
+        <p:txBody>
+          <a:bodyPr rtlCol="0" anchor="ctr"/>
+          <a:lstStyle/>
+          <a:p>
+            <a:pPr algn="ctr"/>
+            <a:r>
+              <a:rPr lang="en-US" altLang="ko-KR" sz="1100" b="1" dirty="0"/>
+              <a:t>Message Producer</a:t>
+            </a:r>
+            <a:endParaRPr lang="ko-KR" altLang="en-US" sz="1100" b="1" dirty="0"/>
+          </a:p>
+        </p:txBody>
+      </p:sp>
+      <p:sp>
+        <p:nvSpPr>
+          <p:cNvPr id="35" name="말풍선: 모서리가 둥근 사각형 34">
+            <a:extLst>
+              <a:ext uri="{FF2B5EF4-FFF2-40B4-BE49-F238E27FC236}">
+                <a16:creationId xmlns:a16="http://schemas.microsoft.com/office/drawing/2014/main" id="{CE77EB6C-3CEC-ED8C-FBF8-AB6424C47FF6}"/>
+              </a:ext>
+            </a:extLst>
+          </p:cNvPr>
+          <p:cNvSpPr/>
+          <p:nvPr/>
+        </p:nvSpPr>
+        <p:spPr>
+          <a:xfrm>
+            <a:off x="7652004" y="6181429"/>
+            <a:ext cx="1143000" cy="391657"/>
+          </a:xfrm>
+          <a:prstGeom prst="wedgeRoundRectCallout">
+            <a:avLst>
+              <a:gd name="adj1" fmla="val -31233"/>
+              <a:gd name="adj2" fmla="val -100928"/>
+              <a:gd name="adj3" fmla="val 16667"/>
+            </a:avLst>
+          </a:prstGeom>
+        </p:spPr>
+        <p:style>
+          <a:lnRef idx="2">
+            <a:schemeClr val="accent1">
+              <a:shade val="15000"/>
+            </a:schemeClr>
+          </a:lnRef>
+          <a:fillRef idx="1">
+            <a:schemeClr val="accent1"/>
+          </a:fillRef>
+          <a:effectRef idx="0">
+            <a:schemeClr val="accent1"/>
+          </a:effectRef>
+          <a:fontRef idx="minor">
+            <a:schemeClr val="lt1"/>
+          </a:fontRef>
+        </p:style>
+        <p:txBody>
+          <a:bodyPr rtlCol="0" anchor="ctr"/>
+          <a:lstStyle/>
+          <a:p>
+            <a:pPr algn="ctr"/>
+            <a:r>
+              <a:rPr lang="en-US" altLang="ko-KR" sz="1100" b="1" dirty="0"/>
+              <a:t>Message Consumer</a:t>
+            </a:r>
+            <a:endParaRPr lang="ko-KR" altLang="en-US" sz="1100" b="1" dirty="0"/>
+          </a:p>
+        </p:txBody>
+      </p:sp>
+    </p:spTree>
+    <p:extLst>
+      <p:ext uri="{BB962C8B-B14F-4D97-AF65-F5344CB8AC3E}">
+        <p14:creationId xmlns:p14="http://schemas.microsoft.com/office/powerpoint/2010/main" val="75328983"/>
+      </p:ext>
+    </p:extLst>
+  </p:cSld>
+  <p:clrMapOvr>
+    <a:masterClrMapping/>
+  </p:clrMapOvr>
+</p:sld>
+</file>
+
+<file path=ppt/slides/slide8.xml><?xml version="1.0" encoding="utf-8"?>
 <p:sld xmlns:a="http://schemas.openxmlformats.org/drawingml/2006/main" xmlns:r="http://schemas.openxmlformats.org/officeDocument/2006/relationships" xmlns:p="http://schemas.openxmlformats.org/presentationml/2006/main">
   <p:cSld>
     <p:spTree>
@@ -46061,10 +48942,87 @@
       </p:grpSpPr>
       <p:sp>
         <p:nvSpPr>
-          <p:cNvPr id="2" name="슬라이드 번호 개체 틀 1">
-            <a:extLst>
-              <a:ext uri="{FF2B5EF4-FFF2-40B4-BE49-F238E27FC236}">
-                <a16:creationId xmlns:a16="http://schemas.microsoft.com/office/drawing/2014/main" id="{F3874F7E-CE64-F637-C987-08F75D5CA50A}"/>
+          <p:cNvPr id="2" name="제목 1">
+            <a:extLst>
+              <a:ext uri="{FF2B5EF4-FFF2-40B4-BE49-F238E27FC236}">
+                <a16:creationId xmlns:a16="http://schemas.microsoft.com/office/drawing/2014/main" id="{D6DA562C-406B-CB3E-DFE2-50F1788D4568}"/>
+              </a:ext>
+            </a:extLst>
+          </p:cNvPr>
+          <p:cNvSpPr>
+            <a:spLocks noGrp="1"/>
+          </p:cNvSpPr>
+          <p:nvPr>
+            <p:ph type="title"/>
+          </p:nvPr>
+        </p:nvSpPr>
+        <p:spPr/>
+        <p:txBody>
+          <a:bodyPr/>
+          <a:lstStyle/>
+          <a:p>
+            <a:r>
+              <a:rPr lang="en-US" altLang="ko-KR" dirty="0"/>
+              <a:t>1. Welcome</a:t>
+            </a:r>
+            <a:r>
+              <a:rPr lang="ko-KR" altLang="en-US" dirty="0"/>
+              <a:t> 페이지</a:t>
+            </a:r>
+            <a:br>
+              <a:rPr lang="en-US" altLang="ko-KR" dirty="0"/>
+            </a:br>
+            <a:r>
+              <a:rPr lang="en-US" altLang="ko-KR" dirty="0"/>
+              <a:t>(Controller only )</a:t>
+            </a:r>
+            <a:endParaRPr lang="ko-KR" altLang="en-US" dirty="0"/>
+          </a:p>
+        </p:txBody>
+      </p:sp>
+      <p:sp>
+        <p:nvSpPr>
+          <p:cNvPr id="3" name="텍스트 개체 틀 2">
+            <a:extLst>
+              <a:ext uri="{FF2B5EF4-FFF2-40B4-BE49-F238E27FC236}">
+                <a16:creationId xmlns:a16="http://schemas.microsoft.com/office/drawing/2014/main" id="{9AC0B261-6BF4-0E9C-20FF-8BBB1C1602D1}"/>
+              </a:ext>
+            </a:extLst>
+          </p:cNvPr>
+          <p:cNvSpPr>
+            <a:spLocks noGrp="1"/>
+          </p:cNvSpPr>
+          <p:nvPr>
+            <p:ph type="body" idx="1"/>
+          </p:nvPr>
+        </p:nvSpPr>
+        <p:spPr/>
+        <p:txBody>
+          <a:bodyPr>
+            <a:normAutofit/>
+          </a:bodyPr>
+          <a:lstStyle/>
+          <a:p>
+            <a:endParaRPr lang="en-US" altLang="ko-KR" dirty="0"/>
+          </a:p>
+          <a:p>
+            <a:r>
+              <a:rPr lang="ko-KR" altLang="en-US" dirty="0"/>
+              <a:t>옵션값 </a:t>
+            </a:r>
+            <a:r>
+              <a:rPr lang="en-US" altLang="ko-KR" dirty="0"/>
+              <a:t>: 1</a:t>
+            </a:r>
+          </a:p>
+        </p:txBody>
+      </p:sp>
+      <p:sp>
+        <p:nvSpPr>
+          <p:cNvPr id="4" name="슬라이드 번호 개체 틀 3">
+            <a:extLst>
+              <a:ext uri="{FF2B5EF4-FFF2-40B4-BE49-F238E27FC236}">
+                <a16:creationId xmlns:a16="http://schemas.microsoft.com/office/drawing/2014/main" id="{EB496E12-E9B2-737C-4BE2-66173890E939}"/>
               </a:ext>
             </a:extLst>
           </p:cNvPr>
@@ -46082,7 +49040,4094 @@
           <a:p>
             <a:fld id="{D57F1E4F-1CFF-5643-939E-02111984F565}" type="slidenum">
               <a:rPr lang="en-US" smtClean="0"/>
-              <a:t>75</a:t>
+              <a:t>7</a:t>
+            </a:fld>
+            <a:endParaRPr lang="en-US" dirty="0"/>
+          </a:p>
+        </p:txBody>
+      </p:sp>
+    </p:spTree>
+    <p:extLst>
+      <p:ext uri="{BB962C8B-B14F-4D97-AF65-F5344CB8AC3E}">
+        <p14:creationId xmlns:p14="http://schemas.microsoft.com/office/powerpoint/2010/main" val="1021056176"/>
+      </p:ext>
+    </p:extLst>
+  </p:cSld>
+  <p:clrMapOvr>
+    <a:masterClrMapping/>
+  </p:clrMapOvr>
+</p:sld>
+</file>
+
+<file path=ppt/slides/slide80.xml><?xml version="1.0" encoding="utf-8"?>
+<p:sld xmlns:a="http://schemas.openxmlformats.org/drawingml/2006/main" xmlns:r="http://schemas.openxmlformats.org/officeDocument/2006/relationships" xmlns:p="http://schemas.openxmlformats.org/presentationml/2006/main">
+  <p:cSld>
+    <p:spTree>
+      <p:nvGrpSpPr>
+        <p:cNvPr id="1" name="">
+          <a:extLst>
+            <a:ext uri="{FF2B5EF4-FFF2-40B4-BE49-F238E27FC236}">
+              <a16:creationId xmlns:a16="http://schemas.microsoft.com/office/drawing/2014/main" id="{ABBE5B9E-4604-B6C8-066E-A2C91A64C5A2}"/>
+            </a:ext>
+          </a:extLst>
+        </p:cNvPr>
+        <p:cNvGrpSpPr/>
+        <p:nvPr/>
+      </p:nvGrpSpPr>
+      <p:grpSpPr>
+        <a:xfrm>
+          <a:off x="0" y="0"/>
+          <a:ext cx="0" cy="0"/>
+          <a:chOff x="0" y="0"/>
+          <a:chExt cx="0" cy="0"/>
+        </a:xfrm>
+      </p:grpSpPr>
+      <p:pic>
+        <p:nvPicPr>
+          <p:cNvPr id="8" name="그림 7">
+            <a:extLst>
+              <a:ext uri="{FF2B5EF4-FFF2-40B4-BE49-F238E27FC236}">
+                <a16:creationId xmlns:a16="http://schemas.microsoft.com/office/drawing/2014/main" id="{A15435F3-87AA-EF9E-1E24-8460F0C96013}"/>
+              </a:ext>
+            </a:extLst>
+          </p:cNvPr>
+          <p:cNvPicPr>
+            <a:picLocks noChangeAspect="1"/>
+          </p:cNvPicPr>
+          <p:nvPr/>
+        </p:nvPicPr>
+        <p:blipFill>
+          <a:blip r:embed="rId2"/>
+          <a:stretch>
+            <a:fillRect/>
+          </a:stretch>
+        </p:blipFill>
+        <p:spPr>
+          <a:xfrm>
+            <a:off x="521208" y="1149839"/>
+            <a:ext cx="9192908" cy="5334744"/>
+          </a:xfrm>
+          <a:prstGeom prst="rect">
+            <a:avLst/>
+          </a:prstGeom>
+        </p:spPr>
+      </p:pic>
+      <p:sp>
+        <p:nvSpPr>
+          <p:cNvPr id="2" name="슬라이드 번호 개체 틀 1">
+            <a:extLst>
+              <a:ext uri="{FF2B5EF4-FFF2-40B4-BE49-F238E27FC236}">
+                <a16:creationId xmlns:a16="http://schemas.microsoft.com/office/drawing/2014/main" id="{D779996E-27FD-11D7-A9EC-00C2A29B675A}"/>
+              </a:ext>
+            </a:extLst>
+          </p:cNvPr>
+          <p:cNvSpPr>
+            <a:spLocks noGrp="1"/>
+          </p:cNvSpPr>
+          <p:nvPr>
+            <p:ph type="sldNum" sz="quarter" idx="12"/>
+          </p:nvPr>
+        </p:nvSpPr>
+        <p:spPr/>
+        <p:txBody>
+          <a:bodyPr/>
+          <a:lstStyle/>
+          <a:p>
+            <a:fld id="{D57F1E4F-1CFF-5643-939E-02111984F565}" type="slidenum">
+              <a:rPr lang="en-US" smtClean="0"/>
+              <a:t>79</a:t>
+            </a:fld>
+            <a:endParaRPr lang="en-US" dirty="0"/>
+          </a:p>
+        </p:txBody>
+      </p:sp>
+      <p:sp>
+        <p:nvSpPr>
+          <p:cNvPr id="3" name="TextBox 2">
+            <a:extLst>
+              <a:ext uri="{FF2B5EF4-FFF2-40B4-BE49-F238E27FC236}">
+                <a16:creationId xmlns:a16="http://schemas.microsoft.com/office/drawing/2014/main" id="{03873619-1839-9F88-1FA5-99B8E32A2E4A}"/>
+              </a:ext>
+            </a:extLst>
+          </p:cNvPr>
+          <p:cNvSpPr txBox="1"/>
+          <p:nvPr/>
+        </p:nvSpPr>
+        <p:spPr>
+          <a:xfrm>
+            <a:off x="100584" y="82296"/>
+            <a:ext cx="10251956" cy="369332"/>
+          </a:xfrm>
+          <a:prstGeom prst="rect">
+            <a:avLst/>
+          </a:prstGeom>
+          <a:noFill/>
+        </p:spPr>
+        <p:txBody>
+          <a:bodyPr wrap="square" rtlCol="0">
+            <a:spAutoFit/>
+          </a:bodyPr>
+          <a:lstStyle/>
+          <a:p>
+            <a:r>
+              <a:rPr lang="en-US" altLang="ko-KR" dirty="0"/>
+              <a:t>8. Kafka</a:t>
+            </a:r>
+            <a:r>
+              <a:rPr lang="ko-KR" altLang="en-US" dirty="0"/>
+              <a:t> 연동</a:t>
+            </a:r>
+          </a:p>
+        </p:txBody>
+      </p:sp>
+      <p:sp>
+        <p:nvSpPr>
+          <p:cNvPr id="4" name="TextBox 3">
+            <a:extLst>
+              <a:ext uri="{FF2B5EF4-FFF2-40B4-BE49-F238E27FC236}">
+                <a16:creationId xmlns:a16="http://schemas.microsoft.com/office/drawing/2014/main" id="{5FB75144-9A16-10A5-A99E-EA7AC253F505}"/>
+              </a:ext>
+            </a:extLst>
+          </p:cNvPr>
+          <p:cNvSpPr txBox="1"/>
+          <p:nvPr/>
+        </p:nvSpPr>
+        <p:spPr>
+          <a:xfrm>
+            <a:off x="521208" y="565064"/>
+            <a:ext cx="9573768" cy="584775"/>
+          </a:xfrm>
+          <a:prstGeom prst="rect">
+            <a:avLst/>
+          </a:prstGeom>
+          <a:noFill/>
+        </p:spPr>
+        <p:txBody>
+          <a:bodyPr wrap="square" rtlCol="0">
+            <a:spAutoFit/>
+          </a:bodyPr>
+          <a:lstStyle/>
+          <a:p>
+            <a:r>
+              <a:rPr lang="en-US" altLang="ko-KR" sz="1600" dirty="0">
+                <a:latin typeface="맑은 고딕" panose="020B0503020000020004" pitchFamily="50" charset="-127"/>
+                <a:ea typeface="맑은 고딕" panose="020B0503020000020004" pitchFamily="50" charset="-127"/>
+              </a:rPr>
+              <a:t>GET </a:t>
+            </a:r>
+            <a:r>
+              <a:rPr lang="ko-KR" altLang="en-US" sz="1600" dirty="0">
+                <a:latin typeface="맑은 고딕" panose="020B0503020000020004" pitchFamily="50" charset="-127"/>
+                <a:ea typeface="맑은 고딕" panose="020B0503020000020004" pitchFamily="50" charset="-127"/>
+              </a:rPr>
+              <a:t>방식</a:t>
+            </a:r>
+            <a:r>
+              <a:rPr lang="en-US" altLang="ko-KR" sz="1600" dirty="0">
+                <a:latin typeface="맑은 고딕" panose="020B0503020000020004" pitchFamily="50" charset="-127"/>
+                <a:ea typeface="맑은 고딕" panose="020B0503020000020004" pitchFamily="50" charset="-127"/>
+              </a:rPr>
+              <a:t> http://localhost:8080/kafka/send2?message=HelloKafka</a:t>
+            </a:r>
+          </a:p>
+          <a:p>
+            <a:r>
+              <a:rPr lang="en-US" altLang="ko-KR" sz="1600" b="1" dirty="0">
+                <a:solidFill>
+                  <a:srgbClr val="FF0000"/>
+                </a:solidFill>
+                <a:latin typeface="바탕체" panose="02030609000101010101" pitchFamily="17" charset="-127"/>
+                <a:ea typeface="바탕체" panose="02030609000101010101" pitchFamily="17" charset="-127"/>
+              </a:rPr>
+              <a:t>※ </a:t>
+            </a:r>
+            <a:r>
+              <a:rPr lang="en-US" altLang="ko-KR" sz="1600" dirty="0"/>
+              <a:t>Spring</a:t>
+            </a:r>
+            <a:r>
+              <a:rPr lang="ko-KR" altLang="en-US" sz="1600" dirty="0"/>
+              <a:t> </a:t>
+            </a:r>
+            <a:r>
+              <a:rPr lang="en-US" altLang="ko-KR" sz="1600" dirty="0"/>
+              <a:t>Boot Application </a:t>
+            </a:r>
+            <a:r>
+              <a:rPr lang="ko-KR" altLang="en-US" sz="1600" dirty="0"/>
+              <a:t>실행이 우선되어야 함 </a:t>
+            </a:r>
+            <a:r>
+              <a:rPr lang="en-US" altLang="ko-KR" sz="1600" dirty="0"/>
+              <a:t>( </a:t>
+            </a:r>
+            <a:r>
+              <a:rPr lang="ko-KR" altLang="en-US" sz="1600" b="1" dirty="0">
+                <a:solidFill>
+                  <a:srgbClr val="FF0000"/>
+                </a:solidFill>
+              </a:rPr>
+              <a:t>본 문서 마지막 참고 페이지</a:t>
+            </a:r>
+            <a:r>
+              <a:rPr lang="ko-KR" altLang="en-US" sz="1600" dirty="0"/>
+              <a:t> </a:t>
+            </a:r>
+            <a:r>
+              <a:rPr lang="en-US" altLang="ko-KR" sz="1600" dirty="0"/>
+              <a:t>)</a:t>
+            </a:r>
+            <a:endParaRPr lang="ko-KR" altLang="en-US" sz="1500" b="1" dirty="0">
+              <a:solidFill>
+                <a:srgbClr val="FF0000"/>
+              </a:solidFill>
+            </a:endParaRPr>
+          </a:p>
+        </p:txBody>
+      </p:sp>
+      <p:pic>
+        <p:nvPicPr>
+          <p:cNvPr id="10" name="그림 9">
+            <a:extLst>
+              <a:ext uri="{FF2B5EF4-FFF2-40B4-BE49-F238E27FC236}">
+                <a16:creationId xmlns:a16="http://schemas.microsoft.com/office/drawing/2014/main" id="{7F75095C-08A3-4A46-5DFB-3877594C21B9}"/>
+              </a:ext>
+            </a:extLst>
+          </p:cNvPr>
+          <p:cNvPicPr>
+            <a:picLocks noChangeAspect="1"/>
+          </p:cNvPicPr>
+          <p:nvPr/>
+        </p:nvPicPr>
+        <p:blipFill>
+          <a:blip r:embed="rId3"/>
+          <a:stretch>
+            <a:fillRect/>
+          </a:stretch>
+        </p:blipFill>
+        <p:spPr>
+          <a:xfrm>
+            <a:off x="7069676" y="5112722"/>
+            <a:ext cx="5020376" cy="1533739"/>
+          </a:xfrm>
+          <a:prstGeom prst="rect">
+            <a:avLst/>
+          </a:prstGeom>
+          <a:ln>
+            <a:solidFill>
+              <a:schemeClr val="bg1">
+                <a:lumMod val="95000"/>
+                <a:lumOff val="5000"/>
+              </a:schemeClr>
+            </a:solidFill>
+          </a:ln>
+        </p:spPr>
+      </p:pic>
+      <p:sp>
+        <p:nvSpPr>
+          <p:cNvPr id="11" name="직사각형 10">
+            <a:extLst>
+              <a:ext uri="{FF2B5EF4-FFF2-40B4-BE49-F238E27FC236}">
+                <a16:creationId xmlns:a16="http://schemas.microsoft.com/office/drawing/2014/main" id="{E34D6163-BF55-CAFB-9A91-20CD9D724490}"/>
+              </a:ext>
+            </a:extLst>
+          </p:cNvPr>
+          <p:cNvSpPr/>
+          <p:nvPr/>
+        </p:nvSpPr>
+        <p:spPr>
+          <a:xfrm>
+            <a:off x="4681728" y="1659886"/>
+            <a:ext cx="859536" cy="250780"/>
+          </a:xfrm>
+          <a:prstGeom prst="rect">
+            <a:avLst/>
+          </a:prstGeom>
+          <a:noFill/>
+          <a:ln w="28575">
+            <a:solidFill>
+              <a:srgbClr val="FF0000"/>
+            </a:solidFill>
+          </a:ln>
+        </p:spPr>
+        <p:style>
+          <a:lnRef idx="2">
+            <a:schemeClr val="accent1">
+              <a:shade val="15000"/>
+            </a:schemeClr>
+          </a:lnRef>
+          <a:fillRef idx="1">
+            <a:schemeClr val="accent1"/>
+          </a:fillRef>
+          <a:effectRef idx="0">
+            <a:schemeClr val="accent1"/>
+          </a:effectRef>
+          <a:fontRef idx="minor">
+            <a:schemeClr val="lt1"/>
+          </a:fontRef>
+        </p:style>
+        <p:txBody>
+          <a:bodyPr rtlCol="0" anchor="ctr"/>
+          <a:lstStyle/>
+          <a:p>
+            <a:pPr algn="ctr"/>
+            <a:endParaRPr lang="ko-KR" altLang="en-US"/>
+          </a:p>
+        </p:txBody>
+      </p:sp>
+      <p:sp>
+        <p:nvSpPr>
+          <p:cNvPr id="12" name="직사각형 11">
+            <a:extLst>
+              <a:ext uri="{FF2B5EF4-FFF2-40B4-BE49-F238E27FC236}">
+                <a16:creationId xmlns:a16="http://schemas.microsoft.com/office/drawing/2014/main" id="{BEEB3A6C-5893-2664-38FC-FE03C2369C50}"/>
+              </a:ext>
+            </a:extLst>
+          </p:cNvPr>
+          <p:cNvSpPr/>
+          <p:nvPr/>
+        </p:nvSpPr>
+        <p:spPr>
+          <a:xfrm>
+            <a:off x="8638032" y="5818208"/>
+            <a:ext cx="926592" cy="262551"/>
+          </a:xfrm>
+          <a:prstGeom prst="rect">
+            <a:avLst/>
+          </a:prstGeom>
+          <a:noFill/>
+          <a:ln w="28575">
+            <a:solidFill>
+              <a:srgbClr val="FF0000"/>
+            </a:solidFill>
+          </a:ln>
+        </p:spPr>
+        <p:style>
+          <a:lnRef idx="2">
+            <a:schemeClr val="accent1">
+              <a:shade val="15000"/>
+            </a:schemeClr>
+          </a:lnRef>
+          <a:fillRef idx="1">
+            <a:schemeClr val="accent1"/>
+          </a:fillRef>
+          <a:effectRef idx="0">
+            <a:schemeClr val="accent1"/>
+          </a:effectRef>
+          <a:fontRef idx="minor">
+            <a:schemeClr val="lt1"/>
+          </a:fontRef>
+        </p:style>
+        <p:txBody>
+          <a:bodyPr rtlCol="0" anchor="ctr"/>
+          <a:lstStyle/>
+          <a:p>
+            <a:pPr algn="ctr"/>
+            <a:endParaRPr lang="ko-KR" altLang="en-US"/>
+          </a:p>
+        </p:txBody>
+      </p:sp>
+      <p:sp>
+        <p:nvSpPr>
+          <p:cNvPr id="13" name="TextBox 12">
+            <a:extLst>
+              <a:ext uri="{FF2B5EF4-FFF2-40B4-BE49-F238E27FC236}">
+                <a16:creationId xmlns:a16="http://schemas.microsoft.com/office/drawing/2014/main" id="{A6A06AA5-51B8-0D32-3889-DB4E9BF933A5}"/>
+              </a:ext>
+            </a:extLst>
+          </p:cNvPr>
+          <p:cNvSpPr txBox="1"/>
+          <p:nvPr/>
+        </p:nvSpPr>
+        <p:spPr>
+          <a:xfrm>
+            <a:off x="8638032" y="6403105"/>
+            <a:ext cx="2011431" cy="276999"/>
+          </a:xfrm>
+          <a:prstGeom prst="rect">
+            <a:avLst/>
+          </a:prstGeom>
+          <a:noFill/>
+        </p:spPr>
+        <p:txBody>
+          <a:bodyPr wrap="square" rtlCol="0">
+            <a:spAutoFit/>
+          </a:bodyPr>
+          <a:lstStyle/>
+          <a:p>
+            <a:r>
+              <a:rPr lang="ko-KR" altLang="en-US" sz="1200" b="1" dirty="0">
+                <a:solidFill>
+                  <a:srgbClr val="FF0000"/>
+                </a:solidFill>
+              </a:rPr>
+              <a:t>이클립스</a:t>
+            </a:r>
+            <a:r>
+              <a:rPr lang="en-US" altLang="ko-KR" sz="1200" b="1" dirty="0">
+                <a:solidFill>
+                  <a:srgbClr val="FF0000"/>
+                </a:solidFill>
+              </a:rPr>
+              <a:t> </a:t>
+            </a:r>
+            <a:r>
+              <a:rPr lang="ko-KR" altLang="en-US" sz="1200" b="1" dirty="0">
+                <a:solidFill>
+                  <a:srgbClr val="FF0000"/>
+                </a:solidFill>
+              </a:rPr>
+              <a:t>콘솔</a:t>
+            </a:r>
+            <a:r>
+              <a:rPr lang="en-US" altLang="ko-KR" sz="1200" b="1" dirty="0">
+                <a:solidFill>
+                  <a:srgbClr val="FF0000"/>
+                </a:solidFill>
+              </a:rPr>
+              <a:t> </a:t>
+            </a:r>
+            <a:r>
+              <a:rPr lang="ko-KR" altLang="en-US" sz="1200" b="1" dirty="0">
+                <a:solidFill>
+                  <a:srgbClr val="FF0000"/>
+                </a:solidFill>
+              </a:rPr>
+              <a:t>창에서</a:t>
+            </a:r>
+            <a:r>
+              <a:rPr lang="en-US" altLang="ko-KR" sz="1200" b="1" dirty="0">
+                <a:solidFill>
+                  <a:srgbClr val="FF0000"/>
+                </a:solidFill>
+              </a:rPr>
+              <a:t> </a:t>
+            </a:r>
+            <a:r>
+              <a:rPr lang="ko-KR" altLang="en-US" sz="1200" b="1" dirty="0">
+                <a:solidFill>
+                  <a:srgbClr val="FF0000"/>
+                </a:solidFill>
+              </a:rPr>
+              <a:t>확인</a:t>
+            </a:r>
+            <a:r>
+              <a:rPr lang="en-US" altLang="ko-KR" sz="1200" b="1" dirty="0">
+                <a:solidFill>
+                  <a:srgbClr val="FF0000"/>
+                </a:solidFill>
+              </a:rPr>
+              <a:t> </a:t>
+            </a:r>
+            <a:endParaRPr lang="ko-KR" altLang="en-US" sz="1200" b="1" dirty="0">
+              <a:solidFill>
+                <a:srgbClr val="FF0000"/>
+              </a:solidFill>
+            </a:endParaRPr>
+          </a:p>
+        </p:txBody>
+      </p:sp>
+      <p:sp>
+        <p:nvSpPr>
+          <p:cNvPr id="14" name="화살표: 위쪽 13">
+            <a:extLst>
+              <a:ext uri="{FF2B5EF4-FFF2-40B4-BE49-F238E27FC236}">
+                <a16:creationId xmlns:a16="http://schemas.microsoft.com/office/drawing/2014/main" id="{A06F7B66-A95E-0434-0152-180AC5FF9926}"/>
+              </a:ext>
+            </a:extLst>
+          </p:cNvPr>
+          <p:cNvSpPr/>
+          <p:nvPr/>
+        </p:nvSpPr>
+        <p:spPr>
+          <a:xfrm>
+            <a:off x="9186423" y="6149163"/>
+            <a:ext cx="173736" cy="257896"/>
+          </a:xfrm>
+          <a:prstGeom prst="upArrow">
+            <a:avLst/>
+          </a:prstGeom>
+        </p:spPr>
+        <p:style>
+          <a:lnRef idx="2">
+            <a:schemeClr val="accent1">
+              <a:shade val="15000"/>
+            </a:schemeClr>
+          </a:lnRef>
+          <a:fillRef idx="1">
+            <a:schemeClr val="accent1"/>
+          </a:fillRef>
+          <a:effectRef idx="0">
+            <a:schemeClr val="accent1"/>
+          </a:effectRef>
+          <a:fontRef idx="minor">
+            <a:schemeClr val="lt1"/>
+          </a:fontRef>
+        </p:style>
+        <p:txBody>
+          <a:bodyPr rtlCol="0" anchor="ctr"/>
+          <a:lstStyle/>
+          <a:p>
+            <a:pPr algn="ctr"/>
+            <a:endParaRPr lang="ko-KR" altLang="en-US"/>
+          </a:p>
+        </p:txBody>
+      </p:sp>
+      <p:sp>
+        <p:nvSpPr>
+          <p:cNvPr id="15" name="말풍선: 모서리가 둥근 사각형 14">
+            <a:extLst>
+              <a:ext uri="{FF2B5EF4-FFF2-40B4-BE49-F238E27FC236}">
+                <a16:creationId xmlns:a16="http://schemas.microsoft.com/office/drawing/2014/main" id="{7E4434FD-34B2-2D9D-8DD8-492B972CB7E1}"/>
+              </a:ext>
+            </a:extLst>
+          </p:cNvPr>
+          <p:cNvSpPr/>
+          <p:nvPr/>
+        </p:nvSpPr>
+        <p:spPr>
+          <a:xfrm>
+            <a:off x="5444817" y="1190689"/>
+            <a:ext cx="1143000" cy="391657"/>
+          </a:xfrm>
+          <a:prstGeom prst="wedgeRoundRectCallout">
+            <a:avLst>
+              <a:gd name="adj1" fmla="val -38433"/>
+              <a:gd name="adj2" fmla="val 95186"/>
+              <a:gd name="adj3" fmla="val 16667"/>
+            </a:avLst>
+          </a:prstGeom>
+        </p:spPr>
+        <p:style>
+          <a:lnRef idx="2">
+            <a:schemeClr val="accent1">
+              <a:shade val="15000"/>
+            </a:schemeClr>
+          </a:lnRef>
+          <a:fillRef idx="1">
+            <a:schemeClr val="accent1"/>
+          </a:fillRef>
+          <a:effectRef idx="0">
+            <a:schemeClr val="accent1"/>
+          </a:effectRef>
+          <a:fontRef idx="minor">
+            <a:schemeClr val="lt1"/>
+          </a:fontRef>
+        </p:style>
+        <p:txBody>
+          <a:bodyPr rtlCol="0" anchor="ctr"/>
+          <a:lstStyle/>
+          <a:p>
+            <a:pPr algn="ctr"/>
+            <a:r>
+              <a:rPr lang="en-US" altLang="ko-KR" sz="1100" b="1" dirty="0"/>
+              <a:t>Message Producer</a:t>
+            </a:r>
+            <a:endParaRPr lang="ko-KR" altLang="en-US" sz="1100" b="1" dirty="0"/>
+          </a:p>
+        </p:txBody>
+      </p:sp>
+      <p:sp>
+        <p:nvSpPr>
+          <p:cNvPr id="16" name="말풍선: 모서리가 둥근 사각형 15">
+            <a:extLst>
+              <a:ext uri="{FF2B5EF4-FFF2-40B4-BE49-F238E27FC236}">
+                <a16:creationId xmlns:a16="http://schemas.microsoft.com/office/drawing/2014/main" id="{604F8166-CB5A-241B-2F15-C16E8CAE3CED}"/>
+              </a:ext>
+            </a:extLst>
+          </p:cNvPr>
+          <p:cNvSpPr/>
+          <p:nvPr/>
+        </p:nvSpPr>
+        <p:spPr>
+          <a:xfrm>
+            <a:off x="7408996" y="6254804"/>
+            <a:ext cx="1143000" cy="391657"/>
+          </a:xfrm>
+          <a:prstGeom prst="wedgeRoundRectCallout">
+            <a:avLst>
+              <a:gd name="adj1" fmla="val 47967"/>
+              <a:gd name="adj2" fmla="val -86920"/>
+              <a:gd name="adj3" fmla="val 16667"/>
+            </a:avLst>
+          </a:prstGeom>
+        </p:spPr>
+        <p:style>
+          <a:lnRef idx="2">
+            <a:schemeClr val="accent1">
+              <a:shade val="15000"/>
+            </a:schemeClr>
+          </a:lnRef>
+          <a:fillRef idx="1">
+            <a:schemeClr val="accent1"/>
+          </a:fillRef>
+          <a:effectRef idx="0">
+            <a:schemeClr val="accent1"/>
+          </a:effectRef>
+          <a:fontRef idx="minor">
+            <a:schemeClr val="lt1"/>
+          </a:fontRef>
+        </p:style>
+        <p:txBody>
+          <a:bodyPr rtlCol="0" anchor="ctr"/>
+          <a:lstStyle/>
+          <a:p>
+            <a:pPr algn="ctr"/>
+            <a:r>
+              <a:rPr lang="en-US" altLang="ko-KR" sz="1100" b="1" dirty="0"/>
+              <a:t>Message Consumer</a:t>
+            </a:r>
+            <a:endParaRPr lang="ko-KR" altLang="en-US" sz="1100" b="1" dirty="0"/>
+          </a:p>
+        </p:txBody>
+      </p:sp>
+    </p:spTree>
+    <p:extLst>
+      <p:ext uri="{BB962C8B-B14F-4D97-AF65-F5344CB8AC3E}">
+        <p14:creationId xmlns:p14="http://schemas.microsoft.com/office/powerpoint/2010/main" val="3878998935"/>
+      </p:ext>
+    </p:extLst>
+  </p:cSld>
+  <p:clrMapOvr>
+    <a:masterClrMapping/>
+  </p:clrMapOvr>
+</p:sld>
+</file>
+
+<file path=ppt/slides/slide81.xml><?xml version="1.0" encoding="utf-8"?>
+<p:sld xmlns:a="http://schemas.openxmlformats.org/drawingml/2006/main" xmlns:r="http://schemas.openxmlformats.org/officeDocument/2006/relationships" xmlns:p="http://schemas.openxmlformats.org/presentationml/2006/main">
+  <p:cSld>
+    <p:spTree>
+      <p:nvGrpSpPr>
+        <p:cNvPr id="1" name="">
+          <a:extLst>
+            <a:ext uri="{FF2B5EF4-FFF2-40B4-BE49-F238E27FC236}">
+              <a16:creationId xmlns:a16="http://schemas.microsoft.com/office/drawing/2014/main" id="{47B3075D-42C7-2E8C-32FE-9F2EF1445251}"/>
+            </a:ext>
+          </a:extLst>
+        </p:cNvPr>
+        <p:cNvGrpSpPr/>
+        <p:nvPr/>
+      </p:nvGrpSpPr>
+      <p:grpSpPr>
+        <a:xfrm>
+          <a:off x="0" y="0"/>
+          <a:ext cx="0" cy="0"/>
+          <a:chOff x="0" y="0"/>
+          <a:chExt cx="0" cy="0"/>
+        </a:xfrm>
+      </p:grpSpPr>
+      <p:pic>
+        <p:nvPicPr>
+          <p:cNvPr id="10" name="그림 9">
+            <a:extLst>
+              <a:ext uri="{FF2B5EF4-FFF2-40B4-BE49-F238E27FC236}">
+                <a16:creationId xmlns:a16="http://schemas.microsoft.com/office/drawing/2014/main" id="{6F039F2D-22B3-1915-B267-B66B07663D60}"/>
+              </a:ext>
+            </a:extLst>
+          </p:cNvPr>
+          <p:cNvPicPr>
+            <a:picLocks noChangeAspect="1"/>
+          </p:cNvPicPr>
+          <p:nvPr/>
+        </p:nvPicPr>
+        <p:blipFill>
+          <a:blip r:embed="rId2"/>
+          <a:stretch>
+            <a:fillRect/>
+          </a:stretch>
+        </p:blipFill>
+        <p:spPr>
+          <a:xfrm>
+            <a:off x="521208" y="888229"/>
+            <a:ext cx="6455664" cy="5298039"/>
+          </a:xfrm>
+          <a:prstGeom prst="rect">
+            <a:avLst/>
+          </a:prstGeom>
+        </p:spPr>
+      </p:pic>
+      <p:sp>
+        <p:nvSpPr>
+          <p:cNvPr id="2" name="슬라이드 번호 개체 틀 1">
+            <a:extLst>
+              <a:ext uri="{FF2B5EF4-FFF2-40B4-BE49-F238E27FC236}">
+                <a16:creationId xmlns:a16="http://schemas.microsoft.com/office/drawing/2014/main" id="{A9BFE08F-4899-D7C8-A19E-17DC99D473DC}"/>
+              </a:ext>
+            </a:extLst>
+          </p:cNvPr>
+          <p:cNvSpPr>
+            <a:spLocks noGrp="1"/>
+          </p:cNvSpPr>
+          <p:nvPr>
+            <p:ph type="sldNum" sz="quarter" idx="12"/>
+          </p:nvPr>
+        </p:nvSpPr>
+        <p:spPr/>
+        <p:txBody>
+          <a:bodyPr/>
+          <a:lstStyle/>
+          <a:p>
+            <a:fld id="{D57F1E4F-1CFF-5643-939E-02111984F565}" type="slidenum">
+              <a:rPr lang="en-US" smtClean="0"/>
+              <a:t>80</a:t>
+            </a:fld>
+            <a:endParaRPr lang="en-US" dirty="0"/>
+          </a:p>
+        </p:txBody>
+      </p:sp>
+      <p:sp>
+        <p:nvSpPr>
+          <p:cNvPr id="3" name="TextBox 2">
+            <a:extLst>
+              <a:ext uri="{FF2B5EF4-FFF2-40B4-BE49-F238E27FC236}">
+                <a16:creationId xmlns:a16="http://schemas.microsoft.com/office/drawing/2014/main" id="{0A21EA25-130F-209F-0615-6C6389B555A4}"/>
+              </a:ext>
+            </a:extLst>
+          </p:cNvPr>
+          <p:cNvSpPr txBox="1"/>
+          <p:nvPr/>
+        </p:nvSpPr>
+        <p:spPr>
+          <a:xfrm>
+            <a:off x="100584" y="82296"/>
+            <a:ext cx="10251956" cy="369332"/>
+          </a:xfrm>
+          <a:prstGeom prst="rect">
+            <a:avLst/>
+          </a:prstGeom>
+          <a:noFill/>
+        </p:spPr>
+        <p:txBody>
+          <a:bodyPr wrap="square" rtlCol="0">
+            <a:spAutoFit/>
+          </a:bodyPr>
+          <a:lstStyle/>
+          <a:p>
+            <a:r>
+              <a:rPr lang="en-US" altLang="ko-KR" dirty="0"/>
+              <a:t>8. Kafka</a:t>
+            </a:r>
+            <a:r>
+              <a:rPr lang="ko-KR" altLang="en-US" dirty="0"/>
+              <a:t> 연동</a:t>
+            </a:r>
+          </a:p>
+        </p:txBody>
+      </p:sp>
+      <p:sp>
+        <p:nvSpPr>
+          <p:cNvPr id="4" name="TextBox 3">
+            <a:extLst>
+              <a:ext uri="{FF2B5EF4-FFF2-40B4-BE49-F238E27FC236}">
+                <a16:creationId xmlns:a16="http://schemas.microsoft.com/office/drawing/2014/main" id="{6B85216B-6BBC-6ED4-8CA7-518D66395F4B}"/>
+              </a:ext>
+            </a:extLst>
+          </p:cNvPr>
+          <p:cNvSpPr txBox="1"/>
+          <p:nvPr/>
+        </p:nvSpPr>
+        <p:spPr>
+          <a:xfrm>
+            <a:off x="521208" y="565064"/>
+            <a:ext cx="9573768" cy="338554"/>
+          </a:xfrm>
+          <a:prstGeom prst="rect">
+            <a:avLst/>
+          </a:prstGeom>
+          <a:noFill/>
+        </p:spPr>
+        <p:txBody>
+          <a:bodyPr wrap="square" rtlCol="0">
+            <a:spAutoFit/>
+          </a:bodyPr>
+          <a:lstStyle/>
+          <a:p>
+            <a:r>
+              <a:rPr lang="ko-KR" altLang="en-US" sz="1500" dirty="0"/>
+              <a:t>체크 포인트 </a:t>
+            </a:r>
+            <a:r>
+              <a:rPr lang="en-US" altLang="ko-KR" sz="1500" dirty="0"/>
+              <a:t>: @RestController / </a:t>
+            </a:r>
+            <a:r>
+              <a:rPr lang="en-US" altLang="ko-KR" sz="1600" dirty="0">
+                <a:latin typeface="맑은 고딕" panose="020B0503020000020004" pitchFamily="50" charset="-127"/>
+                <a:ea typeface="맑은 고딕" panose="020B0503020000020004" pitchFamily="50" charset="-127"/>
+              </a:rPr>
+              <a:t>@RequestMapping / Kafka Producer</a:t>
+            </a:r>
+            <a:endParaRPr lang="ko-KR" altLang="en-US" sz="1500" b="1" dirty="0">
+              <a:solidFill>
+                <a:srgbClr val="FF0000"/>
+              </a:solidFill>
+            </a:endParaRPr>
+          </a:p>
+        </p:txBody>
+      </p:sp>
+      <p:sp>
+        <p:nvSpPr>
+          <p:cNvPr id="7" name="TextBox 6">
+            <a:extLst>
+              <a:ext uri="{FF2B5EF4-FFF2-40B4-BE49-F238E27FC236}">
+                <a16:creationId xmlns:a16="http://schemas.microsoft.com/office/drawing/2014/main" id="{9BEF8402-62A9-D350-AE7F-57670D00476C}"/>
+              </a:ext>
+            </a:extLst>
+          </p:cNvPr>
+          <p:cNvSpPr txBox="1"/>
+          <p:nvPr/>
+        </p:nvSpPr>
+        <p:spPr>
+          <a:xfrm>
+            <a:off x="7146550" y="1134383"/>
+            <a:ext cx="5010849" cy="5262979"/>
+          </a:xfrm>
+          <a:prstGeom prst="rect">
+            <a:avLst/>
+          </a:prstGeom>
+          <a:noFill/>
+        </p:spPr>
+        <p:txBody>
+          <a:bodyPr wrap="square" rtlCol="0">
+            <a:spAutoFit/>
+          </a:bodyPr>
+          <a:lstStyle/>
+          <a:p>
+            <a:r>
+              <a:rPr lang="en-US" altLang="ko-KR" sz="1400" b="1" dirty="0">
+                <a:solidFill>
+                  <a:srgbClr val="FF0000"/>
+                </a:solidFill>
+                <a:latin typeface="바탕체" panose="02030609000101010101" pitchFamily="17" charset="-127"/>
+                <a:ea typeface="바탕체" panose="02030609000101010101" pitchFamily="17" charset="-127"/>
+              </a:rPr>
+              <a:t>※</a:t>
+            </a:r>
+            <a:r>
+              <a:rPr lang="en-US" altLang="ko-KR" sz="1400" dirty="0">
+                <a:latin typeface="맑은 고딕" panose="020B0503020000020004" pitchFamily="50" charset="-127"/>
+                <a:ea typeface="맑은 고딕" panose="020B0503020000020004" pitchFamily="50" charset="-127"/>
+              </a:rPr>
+              <a:t> @RestController : JSON</a:t>
+            </a:r>
+            <a:r>
+              <a:rPr lang="ko-KR" altLang="en-US" sz="1400" dirty="0">
+                <a:latin typeface="맑은 고딕" panose="020B0503020000020004" pitchFamily="50" charset="-127"/>
+                <a:ea typeface="맑은 고딕" panose="020B0503020000020004" pitchFamily="50" charset="-127"/>
+              </a:rPr>
+              <a:t> </a:t>
+            </a:r>
+            <a:r>
+              <a:rPr lang="en-US" altLang="ko-KR" sz="1400" dirty="0">
+                <a:latin typeface="맑은 고딕" panose="020B0503020000020004" pitchFamily="50" charset="-127"/>
+                <a:ea typeface="맑은 고딕" panose="020B0503020000020004" pitchFamily="50" charset="-127"/>
+              </a:rPr>
+              <a:t>Response</a:t>
+            </a:r>
+            <a:r>
+              <a:rPr lang="ko-KR" altLang="en-US" sz="1400" dirty="0">
+                <a:latin typeface="맑은 고딕" panose="020B0503020000020004" pitchFamily="50" charset="-127"/>
+                <a:ea typeface="맑은 고딕" panose="020B0503020000020004" pitchFamily="50" charset="-127"/>
+              </a:rPr>
+              <a:t>를 위한 </a:t>
+            </a:r>
+            <a:r>
+              <a:rPr lang="en-US" altLang="ko-KR" sz="1400" dirty="0">
+                <a:latin typeface="맑은 고딕" panose="020B0503020000020004" pitchFamily="50" charset="-127"/>
+                <a:ea typeface="맑은 고딕" panose="020B0503020000020004" pitchFamily="50" charset="-127"/>
+              </a:rPr>
+              <a:t>controller. </a:t>
+            </a:r>
+          </a:p>
+          <a:p>
+            <a:r>
+              <a:rPr lang="en-US" altLang="ko-KR" sz="1400" b="1" dirty="0">
+                <a:solidFill>
+                  <a:srgbClr val="FF0000"/>
+                </a:solidFill>
+                <a:latin typeface="바탕체" panose="02030609000101010101" pitchFamily="17" charset="-127"/>
+                <a:ea typeface="바탕체" panose="02030609000101010101" pitchFamily="17" charset="-127"/>
+              </a:rPr>
+              <a:t>※</a:t>
+            </a:r>
+            <a:r>
+              <a:rPr lang="en-US" altLang="ko-KR" sz="1400" dirty="0">
+                <a:latin typeface="맑은 고딕" panose="020B0503020000020004" pitchFamily="50" charset="-127"/>
+                <a:ea typeface="맑은 고딕" panose="020B0503020000020004" pitchFamily="50" charset="-127"/>
+              </a:rPr>
+              <a:t> @RequestMapping : Class </a:t>
+            </a:r>
+            <a:r>
+              <a:rPr lang="ko-KR" altLang="en-US" sz="1400" dirty="0">
+                <a:latin typeface="맑은 고딕" panose="020B0503020000020004" pitchFamily="50" charset="-127"/>
+                <a:ea typeface="맑은 고딕" panose="020B0503020000020004" pitchFamily="50" charset="-127"/>
+              </a:rPr>
+              <a:t>레벨에서 정의된 경로는 컨텍스트 루트의 역할</a:t>
+            </a:r>
+            <a:endParaRPr lang="en-US" altLang="ko-KR" sz="1400" dirty="0">
+              <a:latin typeface="맑은 고딕" panose="020B0503020000020004" pitchFamily="50" charset="-127"/>
+              <a:ea typeface="맑은 고딕" panose="020B0503020000020004" pitchFamily="50" charset="-127"/>
+            </a:endParaRPr>
+          </a:p>
+          <a:p>
+            <a:endParaRPr lang="en-US" altLang="ko-KR" sz="1400" dirty="0">
+              <a:latin typeface="맑은 고딕" panose="020B0503020000020004" pitchFamily="50" charset="-127"/>
+              <a:ea typeface="맑은 고딕" panose="020B0503020000020004" pitchFamily="50" charset="-127"/>
+            </a:endParaRPr>
+          </a:p>
+          <a:p>
+            <a:endParaRPr lang="en-US" altLang="ko-KR" sz="1400" dirty="0">
+              <a:latin typeface="맑은 고딕" panose="020B0503020000020004" pitchFamily="50" charset="-127"/>
+              <a:ea typeface="맑은 고딕" panose="020B0503020000020004" pitchFamily="50" charset="-127"/>
+            </a:endParaRPr>
+          </a:p>
+          <a:p>
+            <a:endParaRPr lang="en-US" altLang="ko-KR" sz="1400" dirty="0">
+              <a:latin typeface="맑은 고딕" panose="020B0503020000020004" pitchFamily="50" charset="-127"/>
+              <a:ea typeface="맑은 고딕" panose="020B0503020000020004" pitchFamily="50" charset="-127"/>
+            </a:endParaRPr>
+          </a:p>
+          <a:p>
+            <a:endParaRPr lang="en-US" altLang="ko-KR" sz="1400" dirty="0">
+              <a:latin typeface="맑은 고딕" panose="020B0503020000020004" pitchFamily="50" charset="-127"/>
+              <a:ea typeface="맑은 고딕" panose="020B0503020000020004" pitchFamily="50" charset="-127"/>
+            </a:endParaRPr>
+          </a:p>
+          <a:p>
+            <a:endParaRPr lang="en-US" altLang="ko-KR" sz="1400" dirty="0">
+              <a:latin typeface="맑은 고딕" panose="020B0503020000020004" pitchFamily="50" charset="-127"/>
+              <a:ea typeface="맑은 고딕" panose="020B0503020000020004" pitchFamily="50" charset="-127"/>
+            </a:endParaRPr>
+          </a:p>
+          <a:p>
+            <a:endParaRPr lang="en-US" altLang="ko-KR" sz="1400" dirty="0">
+              <a:latin typeface="맑은 고딕" panose="020B0503020000020004" pitchFamily="50" charset="-127"/>
+              <a:ea typeface="맑은 고딕" panose="020B0503020000020004" pitchFamily="50" charset="-127"/>
+            </a:endParaRPr>
+          </a:p>
+          <a:p>
+            <a:r>
+              <a:rPr lang="en-US" altLang="ko-KR" sz="1400" b="1" dirty="0">
+                <a:solidFill>
+                  <a:srgbClr val="FF0000"/>
+                </a:solidFill>
+                <a:latin typeface="바탕체" panose="02030609000101010101" pitchFamily="17" charset="-127"/>
+                <a:ea typeface="바탕체" panose="02030609000101010101" pitchFamily="17" charset="-127"/>
+              </a:rPr>
+              <a:t>※</a:t>
+            </a:r>
+            <a:r>
+              <a:rPr lang="en-US" altLang="ko-KR" sz="1400" dirty="0">
+                <a:latin typeface="맑은 고딕" panose="020B0503020000020004" pitchFamily="50" charset="-127"/>
+                <a:ea typeface="맑은 고딕" panose="020B0503020000020004" pitchFamily="50" charset="-127"/>
+              </a:rPr>
+              <a:t> URL </a:t>
+            </a:r>
+            <a:r>
+              <a:rPr lang="ko-KR" altLang="en-US" sz="1400" dirty="0">
+                <a:latin typeface="맑은 고딕" panose="020B0503020000020004" pitchFamily="50" charset="-127"/>
+                <a:ea typeface="맑은 고딕" panose="020B0503020000020004" pitchFamily="50" charset="-127"/>
+              </a:rPr>
+              <a:t>매핑</a:t>
+            </a:r>
+            <a:r>
+              <a:rPr lang="en-US" altLang="ko-KR" sz="1400" dirty="0">
+                <a:latin typeface="맑은 고딕" panose="020B0503020000020004" pitchFamily="50" charset="-127"/>
+                <a:ea typeface="맑은 고딕" panose="020B0503020000020004" pitchFamily="50" charset="-127"/>
+              </a:rPr>
+              <a:t>(POST)</a:t>
+            </a:r>
+          </a:p>
+          <a:p>
+            <a:endParaRPr lang="en-US" altLang="ko-KR" sz="1400" dirty="0">
+              <a:latin typeface="맑은 고딕" panose="020B0503020000020004" pitchFamily="50" charset="-127"/>
+              <a:ea typeface="맑은 고딕" panose="020B0503020000020004" pitchFamily="50" charset="-127"/>
+            </a:endParaRPr>
+          </a:p>
+          <a:p>
+            <a:endParaRPr lang="en-US" altLang="ko-KR" sz="1400" b="1" dirty="0">
+              <a:solidFill>
+                <a:srgbClr val="FF0000"/>
+              </a:solidFill>
+              <a:latin typeface="바탕체" panose="02030609000101010101" pitchFamily="17" charset="-127"/>
+              <a:ea typeface="바탕체" panose="02030609000101010101" pitchFamily="17" charset="-127"/>
+            </a:endParaRPr>
+          </a:p>
+          <a:p>
+            <a:r>
+              <a:rPr lang="en-US" altLang="ko-KR" sz="1400" b="1" dirty="0">
+                <a:solidFill>
+                  <a:srgbClr val="FF0000"/>
+                </a:solidFill>
+                <a:latin typeface="바탕체" panose="02030609000101010101" pitchFamily="17" charset="-127"/>
+                <a:ea typeface="바탕체" panose="02030609000101010101" pitchFamily="17" charset="-127"/>
+              </a:rPr>
+              <a:t>※</a:t>
+            </a:r>
+            <a:r>
+              <a:rPr lang="en-US" altLang="ko-KR" sz="1400" dirty="0">
+                <a:latin typeface="맑은 고딕" panose="020B0503020000020004" pitchFamily="50" charset="-127"/>
+                <a:ea typeface="맑은 고딕" panose="020B0503020000020004" pitchFamily="50" charset="-127"/>
+              </a:rPr>
+              <a:t> Kafka Producer </a:t>
+            </a:r>
+            <a:r>
+              <a:rPr lang="ko-KR" altLang="en-US" sz="1400" dirty="0">
+                <a:latin typeface="맑은 고딕" panose="020B0503020000020004" pitchFamily="50" charset="-127"/>
+                <a:ea typeface="맑은 고딕" panose="020B0503020000020004" pitchFamily="50" charset="-127"/>
+              </a:rPr>
+              <a:t>서비스 호출 </a:t>
+            </a:r>
+            <a:r>
+              <a:rPr lang="en-US" altLang="ko-KR" sz="1400" dirty="0">
+                <a:latin typeface="맑은 고딕" panose="020B0503020000020004" pitchFamily="50" charset="-127"/>
+                <a:ea typeface="맑은 고딕" panose="020B0503020000020004" pitchFamily="50" charset="-127"/>
+              </a:rPr>
+              <a:t>(</a:t>
+            </a:r>
+            <a:r>
+              <a:rPr lang="ko-KR" altLang="en-US" sz="1400" dirty="0">
+                <a:latin typeface="맑은 고딕" panose="020B0503020000020004" pitchFamily="50" charset="-127"/>
+                <a:ea typeface="맑은 고딕" panose="020B0503020000020004" pitchFamily="50" charset="-127"/>
+              </a:rPr>
+              <a:t>메시지</a:t>
+            </a:r>
+            <a:r>
+              <a:rPr lang="en-US" altLang="ko-KR" sz="1400" dirty="0">
+                <a:latin typeface="맑은 고딕" panose="020B0503020000020004" pitchFamily="50" charset="-127"/>
+                <a:ea typeface="맑은 고딕" panose="020B0503020000020004" pitchFamily="50" charset="-127"/>
+              </a:rPr>
+              <a:t> </a:t>
+            </a:r>
+            <a:r>
+              <a:rPr lang="ko-KR" altLang="en-US" sz="1400" dirty="0">
+                <a:latin typeface="맑은 고딕" panose="020B0503020000020004" pitchFamily="50" charset="-127"/>
+                <a:ea typeface="맑은 고딕" panose="020B0503020000020004" pitchFamily="50" charset="-127"/>
+              </a:rPr>
+              <a:t>전달</a:t>
+            </a:r>
+            <a:r>
+              <a:rPr lang="en-US" altLang="ko-KR" sz="1400" dirty="0">
+                <a:latin typeface="맑은 고딕" panose="020B0503020000020004" pitchFamily="50" charset="-127"/>
+                <a:ea typeface="맑은 고딕" panose="020B0503020000020004" pitchFamily="50" charset="-127"/>
+              </a:rPr>
+              <a:t>)</a:t>
+            </a:r>
+          </a:p>
+          <a:p>
+            <a:endParaRPr lang="en-US" altLang="ko-KR" sz="1400" dirty="0">
+              <a:latin typeface="맑은 고딕" panose="020B0503020000020004" pitchFamily="50" charset="-127"/>
+              <a:ea typeface="맑은 고딕" panose="020B0503020000020004" pitchFamily="50" charset="-127"/>
+            </a:endParaRPr>
+          </a:p>
+          <a:p>
+            <a:endParaRPr lang="en-US" altLang="ko-KR" sz="1400" dirty="0">
+              <a:latin typeface="맑은 고딕" panose="020B0503020000020004" pitchFamily="50" charset="-127"/>
+              <a:ea typeface="맑은 고딕" panose="020B0503020000020004" pitchFamily="50" charset="-127"/>
+            </a:endParaRPr>
+          </a:p>
+          <a:p>
+            <a:endParaRPr lang="en-US" altLang="ko-KR" sz="1400" dirty="0">
+              <a:latin typeface="맑은 고딕" panose="020B0503020000020004" pitchFamily="50" charset="-127"/>
+              <a:ea typeface="맑은 고딕" panose="020B0503020000020004" pitchFamily="50" charset="-127"/>
+            </a:endParaRPr>
+          </a:p>
+          <a:p>
+            <a:endParaRPr lang="en-US" altLang="ko-KR" sz="1400" dirty="0">
+              <a:latin typeface="맑은 고딕" panose="020B0503020000020004" pitchFamily="50" charset="-127"/>
+              <a:ea typeface="맑은 고딕" panose="020B0503020000020004" pitchFamily="50" charset="-127"/>
+            </a:endParaRPr>
+          </a:p>
+          <a:p>
+            <a:endParaRPr lang="en-US" altLang="ko-KR" sz="1400" dirty="0">
+              <a:latin typeface="맑은 고딕" panose="020B0503020000020004" pitchFamily="50" charset="-127"/>
+              <a:ea typeface="맑은 고딕" panose="020B0503020000020004" pitchFamily="50" charset="-127"/>
+            </a:endParaRPr>
+          </a:p>
+          <a:p>
+            <a:r>
+              <a:rPr lang="en-US" altLang="ko-KR" sz="1400" b="1" dirty="0">
+                <a:solidFill>
+                  <a:srgbClr val="FF0000"/>
+                </a:solidFill>
+                <a:latin typeface="바탕체" panose="02030609000101010101" pitchFamily="17" charset="-127"/>
+                <a:ea typeface="바탕체" panose="02030609000101010101" pitchFamily="17" charset="-127"/>
+              </a:rPr>
+              <a:t>※</a:t>
+            </a:r>
+            <a:r>
+              <a:rPr lang="en-US" altLang="ko-KR" sz="1400" dirty="0">
+                <a:latin typeface="맑은 고딕" panose="020B0503020000020004" pitchFamily="50" charset="-127"/>
+                <a:ea typeface="맑은 고딕" panose="020B0503020000020004" pitchFamily="50" charset="-127"/>
+              </a:rPr>
+              <a:t> URL </a:t>
+            </a:r>
+            <a:r>
+              <a:rPr lang="ko-KR" altLang="en-US" sz="1400" dirty="0">
+                <a:latin typeface="맑은 고딕" panose="020B0503020000020004" pitchFamily="50" charset="-127"/>
+                <a:ea typeface="맑은 고딕" panose="020B0503020000020004" pitchFamily="50" charset="-127"/>
+              </a:rPr>
+              <a:t>매핑</a:t>
+            </a:r>
+            <a:r>
+              <a:rPr lang="en-US" altLang="ko-KR" sz="1400" dirty="0">
+                <a:latin typeface="맑은 고딕" panose="020B0503020000020004" pitchFamily="50" charset="-127"/>
+                <a:ea typeface="맑은 고딕" panose="020B0503020000020004" pitchFamily="50" charset="-127"/>
+              </a:rPr>
+              <a:t>(GET)</a:t>
+            </a:r>
+          </a:p>
+          <a:p>
+            <a:endParaRPr lang="en-US" altLang="ko-KR" sz="1400" dirty="0">
+              <a:latin typeface="맑은 고딕" panose="020B0503020000020004" pitchFamily="50" charset="-127"/>
+              <a:ea typeface="맑은 고딕" panose="020B0503020000020004" pitchFamily="50" charset="-127"/>
+            </a:endParaRPr>
+          </a:p>
+          <a:p>
+            <a:endParaRPr lang="en-US" altLang="ko-KR" sz="1400" b="1" dirty="0">
+              <a:solidFill>
+                <a:srgbClr val="FF0000"/>
+              </a:solidFill>
+              <a:latin typeface="바탕체" panose="02030609000101010101" pitchFamily="17" charset="-127"/>
+              <a:ea typeface="바탕체" panose="02030609000101010101" pitchFamily="17" charset="-127"/>
+            </a:endParaRPr>
+          </a:p>
+          <a:p>
+            <a:r>
+              <a:rPr lang="en-US" altLang="ko-KR" sz="1400" b="1" dirty="0">
+                <a:solidFill>
+                  <a:srgbClr val="FF0000"/>
+                </a:solidFill>
+                <a:latin typeface="바탕체" panose="02030609000101010101" pitchFamily="17" charset="-127"/>
+                <a:ea typeface="바탕체" panose="02030609000101010101" pitchFamily="17" charset="-127"/>
+              </a:rPr>
+              <a:t>※</a:t>
+            </a:r>
+            <a:r>
+              <a:rPr lang="en-US" altLang="ko-KR" sz="1400" dirty="0">
+                <a:latin typeface="맑은 고딕" panose="020B0503020000020004" pitchFamily="50" charset="-127"/>
+                <a:ea typeface="맑은 고딕" panose="020B0503020000020004" pitchFamily="50" charset="-127"/>
+              </a:rPr>
+              <a:t> Kafka Producer </a:t>
+            </a:r>
+            <a:r>
+              <a:rPr lang="ko-KR" altLang="en-US" sz="1400" dirty="0">
+                <a:latin typeface="맑은 고딕" panose="020B0503020000020004" pitchFamily="50" charset="-127"/>
+                <a:ea typeface="맑은 고딕" panose="020B0503020000020004" pitchFamily="50" charset="-127"/>
+              </a:rPr>
+              <a:t>서비스 호출</a:t>
+            </a:r>
+            <a:r>
+              <a:rPr lang="en-US" altLang="ko-KR" sz="1400" dirty="0">
+                <a:latin typeface="맑은 고딕" panose="020B0503020000020004" pitchFamily="50" charset="-127"/>
+                <a:ea typeface="맑은 고딕" panose="020B0503020000020004" pitchFamily="50" charset="-127"/>
+              </a:rPr>
+              <a:t> (</a:t>
+            </a:r>
+            <a:r>
+              <a:rPr lang="ko-KR" altLang="en-US" sz="1400" dirty="0">
+                <a:latin typeface="맑은 고딕" panose="020B0503020000020004" pitchFamily="50" charset="-127"/>
+                <a:ea typeface="맑은 고딕" panose="020B0503020000020004" pitchFamily="50" charset="-127"/>
+              </a:rPr>
+              <a:t>메시지</a:t>
+            </a:r>
+            <a:r>
+              <a:rPr lang="en-US" altLang="ko-KR" sz="1400" dirty="0">
+                <a:latin typeface="맑은 고딕" panose="020B0503020000020004" pitchFamily="50" charset="-127"/>
+                <a:ea typeface="맑은 고딕" panose="020B0503020000020004" pitchFamily="50" charset="-127"/>
+              </a:rPr>
+              <a:t> </a:t>
+            </a:r>
+            <a:r>
+              <a:rPr lang="ko-KR" altLang="en-US" sz="1400" dirty="0">
+                <a:latin typeface="맑은 고딕" panose="020B0503020000020004" pitchFamily="50" charset="-127"/>
+                <a:ea typeface="맑은 고딕" panose="020B0503020000020004" pitchFamily="50" charset="-127"/>
+              </a:rPr>
+              <a:t>전달</a:t>
+            </a:r>
+            <a:r>
+              <a:rPr lang="en-US" altLang="ko-KR" sz="1400" dirty="0">
+                <a:latin typeface="맑은 고딕" panose="020B0503020000020004" pitchFamily="50" charset="-127"/>
+                <a:ea typeface="맑은 고딕" panose="020B0503020000020004" pitchFamily="50" charset="-127"/>
+              </a:rPr>
+              <a:t>)</a:t>
+            </a:r>
+          </a:p>
+          <a:p>
+            <a:endParaRPr lang="en-US" altLang="ko-KR" sz="1400" dirty="0">
+              <a:latin typeface="맑은 고딕" panose="020B0503020000020004" pitchFamily="50" charset="-127"/>
+              <a:ea typeface="맑은 고딕" panose="020B0503020000020004" pitchFamily="50" charset="-127"/>
+            </a:endParaRPr>
+          </a:p>
+          <a:p>
+            <a:endParaRPr lang="en-US" altLang="ko-KR" sz="1400" dirty="0">
+              <a:latin typeface="맑은 고딕" panose="020B0503020000020004" pitchFamily="50" charset="-127"/>
+              <a:ea typeface="맑은 고딕" panose="020B0503020000020004" pitchFamily="50" charset="-127"/>
+            </a:endParaRPr>
+          </a:p>
+        </p:txBody>
+      </p:sp>
+      <p:sp>
+        <p:nvSpPr>
+          <p:cNvPr id="8" name="직사각형 7">
+            <a:extLst>
+              <a:ext uri="{FF2B5EF4-FFF2-40B4-BE49-F238E27FC236}">
+                <a16:creationId xmlns:a16="http://schemas.microsoft.com/office/drawing/2014/main" id="{4A4FC21F-03BB-B735-27B3-2A2B9E0A1AC1}"/>
+              </a:ext>
+            </a:extLst>
+          </p:cNvPr>
+          <p:cNvSpPr/>
+          <p:nvPr/>
+        </p:nvSpPr>
+        <p:spPr>
+          <a:xfrm>
+            <a:off x="755370" y="843254"/>
+            <a:ext cx="1320318" cy="244882"/>
+          </a:xfrm>
+          <a:prstGeom prst="rect">
+            <a:avLst/>
+          </a:prstGeom>
+          <a:noFill/>
+          <a:ln w="28575">
+            <a:solidFill>
+              <a:srgbClr val="FF0000"/>
+            </a:solidFill>
+          </a:ln>
+        </p:spPr>
+        <p:style>
+          <a:lnRef idx="2">
+            <a:schemeClr val="accent1">
+              <a:shade val="15000"/>
+            </a:schemeClr>
+          </a:lnRef>
+          <a:fillRef idx="1">
+            <a:schemeClr val="accent1"/>
+          </a:fillRef>
+          <a:effectRef idx="0">
+            <a:schemeClr val="accent1"/>
+          </a:effectRef>
+          <a:fontRef idx="minor">
+            <a:schemeClr val="lt1"/>
+          </a:fontRef>
+        </p:style>
+        <p:txBody>
+          <a:bodyPr rtlCol="0" anchor="ctr"/>
+          <a:lstStyle/>
+          <a:p>
+            <a:pPr algn="ctr"/>
+            <a:endParaRPr lang="ko-KR" altLang="en-US"/>
+          </a:p>
+        </p:txBody>
+      </p:sp>
+      <p:sp>
+        <p:nvSpPr>
+          <p:cNvPr id="9" name="직사각형 8">
+            <a:extLst>
+              <a:ext uri="{FF2B5EF4-FFF2-40B4-BE49-F238E27FC236}">
+                <a16:creationId xmlns:a16="http://schemas.microsoft.com/office/drawing/2014/main" id="{3F2BA768-ACF9-44CD-D589-471B9E2537D8}"/>
+              </a:ext>
+            </a:extLst>
+          </p:cNvPr>
+          <p:cNvSpPr/>
+          <p:nvPr/>
+        </p:nvSpPr>
+        <p:spPr>
+          <a:xfrm>
+            <a:off x="1002258" y="3249128"/>
+            <a:ext cx="1868958" cy="225591"/>
+          </a:xfrm>
+          <a:prstGeom prst="rect">
+            <a:avLst/>
+          </a:prstGeom>
+          <a:noFill/>
+          <a:ln w="28575">
+            <a:solidFill>
+              <a:srgbClr val="FF0000"/>
+            </a:solidFill>
+          </a:ln>
+        </p:spPr>
+        <p:style>
+          <a:lnRef idx="2">
+            <a:schemeClr val="accent1">
+              <a:shade val="15000"/>
+            </a:schemeClr>
+          </a:lnRef>
+          <a:fillRef idx="1">
+            <a:schemeClr val="accent1"/>
+          </a:fillRef>
+          <a:effectRef idx="0">
+            <a:schemeClr val="accent1"/>
+          </a:effectRef>
+          <a:fontRef idx="minor">
+            <a:schemeClr val="lt1"/>
+          </a:fontRef>
+        </p:style>
+        <p:txBody>
+          <a:bodyPr rtlCol="0" anchor="ctr"/>
+          <a:lstStyle/>
+          <a:p>
+            <a:pPr algn="ctr"/>
+            <a:endParaRPr lang="ko-KR" altLang="en-US"/>
+          </a:p>
+        </p:txBody>
+      </p:sp>
+      <p:sp>
+        <p:nvSpPr>
+          <p:cNvPr id="11" name="직사각형 10">
+            <a:extLst>
+              <a:ext uri="{FF2B5EF4-FFF2-40B4-BE49-F238E27FC236}">
+                <a16:creationId xmlns:a16="http://schemas.microsoft.com/office/drawing/2014/main" id="{1E387783-6537-880C-0FB8-2D71F385A11A}"/>
+              </a:ext>
+            </a:extLst>
+          </p:cNvPr>
+          <p:cNvSpPr/>
+          <p:nvPr/>
+        </p:nvSpPr>
+        <p:spPr>
+          <a:xfrm>
+            <a:off x="752322" y="1114526"/>
+            <a:ext cx="2018310" cy="165634"/>
+          </a:xfrm>
+          <a:prstGeom prst="rect">
+            <a:avLst/>
+          </a:prstGeom>
+          <a:noFill/>
+          <a:ln w="28575">
+            <a:solidFill>
+              <a:srgbClr val="FF0000"/>
+            </a:solidFill>
+          </a:ln>
+        </p:spPr>
+        <p:style>
+          <a:lnRef idx="2">
+            <a:schemeClr val="accent1">
+              <a:shade val="15000"/>
+            </a:schemeClr>
+          </a:lnRef>
+          <a:fillRef idx="1">
+            <a:schemeClr val="accent1"/>
+          </a:fillRef>
+          <a:effectRef idx="0">
+            <a:schemeClr val="accent1"/>
+          </a:effectRef>
+          <a:fontRef idx="minor">
+            <a:schemeClr val="lt1"/>
+          </a:fontRef>
+        </p:style>
+        <p:txBody>
+          <a:bodyPr rtlCol="0" anchor="ctr"/>
+          <a:lstStyle/>
+          <a:p>
+            <a:pPr algn="ctr"/>
+            <a:endParaRPr lang="ko-KR" altLang="en-US"/>
+          </a:p>
+        </p:txBody>
+      </p:sp>
+      <p:sp>
+        <p:nvSpPr>
+          <p:cNvPr id="12" name="직사각형 11">
+            <a:extLst>
+              <a:ext uri="{FF2B5EF4-FFF2-40B4-BE49-F238E27FC236}">
+                <a16:creationId xmlns:a16="http://schemas.microsoft.com/office/drawing/2014/main" id="{F5C0876A-A9EA-3C81-88F8-4D4042E0A358}"/>
+              </a:ext>
+            </a:extLst>
+          </p:cNvPr>
+          <p:cNvSpPr/>
+          <p:nvPr/>
+        </p:nvSpPr>
+        <p:spPr>
+          <a:xfrm>
+            <a:off x="1002258" y="1737321"/>
+            <a:ext cx="4063518" cy="585256"/>
+          </a:xfrm>
+          <a:prstGeom prst="rect">
+            <a:avLst/>
+          </a:prstGeom>
+          <a:noFill/>
+          <a:ln w="28575">
+            <a:solidFill>
+              <a:srgbClr val="FF0000"/>
+            </a:solidFill>
+          </a:ln>
+        </p:spPr>
+        <p:style>
+          <a:lnRef idx="2">
+            <a:schemeClr val="accent1">
+              <a:shade val="15000"/>
+            </a:schemeClr>
+          </a:lnRef>
+          <a:fillRef idx="1">
+            <a:schemeClr val="accent1"/>
+          </a:fillRef>
+          <a:effectRef idx="0">
+            <a:schemeClr val="accent1"/>
+          </a:effectRef>
+          <a:fontRef idx="minor">
+            <a:schemeClr val="lt1"/>
+          </a:fontRef>
+        </p:style>
+        <p:txBody>
+          <a:bodyPr rtlCol="0" anchor="ctr"/>
+          <a:lstStyle/>
+          <a:p>
+            <a:pPr algn="ctr"/>
+            <a:endParaRPr lang="ko-KR" altLang="en-US"/>
+          </a:p>
+        </p:txBody>
+      </p:sp>
+      <p:sp>
+        <p:nvSpPr>
+          <p:cNvPr id="13" name="직사각형 12">
+            <a:extLst>
+              <a:ext uri="{FF2B5EF4-FFF2-40B4-BE49-F238E27FC236}">
+                <a16:creationId xmlns:a16="http://schemas.microsoft.com/office/drawing/2014/main" id="{A8960C9E-2DCC-10C4-7B17-67EB2917778A}"/>
+              </a:ext>
+            </a:extLst>
+          </p:cNvPr>
+          <p:cNvSpPr/>
+          <p:nvPr/>
+        </p:nvSpPr>
+        <p:spPr>
+          <a:xfrm>
+            <a:off x="1374114" y="3639273"/>
+            <a:ext cx="4395750" cy="323166"/>
+          </a:xfrm>
+          <a:prstGeom prst="rect">
+            <a:avLst/>
+          </a:prstGeom>
+          <a:noFill/>
+          <a:ln w="28575">
+            <a:solidFill>
+              <a:srgbClr val="FF0000"/>
+            </a:solidFill>
+          </a:ln>
+        </p:spPr>
+        <p:style>
+          <a:lnRef idx="2">
+            <a:schemeClr val="accent1">
+              <a:shade val="15000"/>
+            </a:schemeClr>
+          </a:lnRef>
+          <a:fillRef idx="1">
+            <a:schemeClr val="accent1"/>
+          </a:fillRef>
+          <a:effectRef idx="0">
+            <a:schemeClr val="accent1"/>
+          </a:effectRef>
+          <a:fontRef idx="minor">
+            <a:schemeClr val="lt1"/>
+          </a:fontRef>
+        </p:style>
+        <p:txBody>
+          <a:bodyPr rtlCol="0" anchor="ctr"/>
+          <a:lstStyle/>
+          <a:p>
+            <a:pPr algn="ctr"/>
+            <a:endParaRPr lang="ko-KR" altLang="en-US"/>
+          </a:p>
+        </p:txBody>
+      </p:sp>
+      <p:sp>
+        <p:nvSpPr>
+          <p:cNvPr id="14" name="직사각형 13">
+            <a:extLst>
+              <a:ext uri="{FF2B5EF4-FFF2-40B4-BE49-F238E27FC236}">
+                <a16:creationId xmlns:a16="http://schemas.microsoft.com/office/drawing/2014/main" id="{EF201EC8-3AB0-65EA-0948-D942027D64AA}"/>
+              </a:ext>
+            </a:extLst>
+          </p:cNvPr>
+          <p:cNvSpPr/>
+          <p:nvPr/>
+        </p:nvSpPr>
+        <p:spPr>
+          <a:xfrm>
+            <a:off x="990066" y="5111456"/>
+            <a:ext cx="1868958" cy="225591"/>
+          </a:xfrm>
+          <a:prstGeom prst="rect">
+            <a:avLst/>
+          </a:prstGeom>
+          <a:noFill/>
+          <a:ln w="28575">
+            <a:solidFill>
+              <a:srgbClr val="FF0000"/>
+            </a:solidFill>
+          </a:ln>
+        </p:spPr>
+        <p:style>
+          <a:lnRef idx="2">
+            <a:schemeClr val="accent1">
+              <a:shade val="15000"/>
+            </a:schemeClr>
+          </a:lnRef>
+          <a:fillRef idx="1">
+            <a:schemeClr val="accent1"/>
+          </a:fillRef>
+          <a:effectRef idx="0">
+            <a:schemeClr val="accent1"/>
+          </a:effectRef>
+          <a:fontRef idx="minor">
+            <a:schemeClr val="lt1"/>
+          </a:fontRef>
+        </p:style>
+        <p:txBody>
+          <a:bodyPr rtlCol="0" anchor="ctr"/>
+          <a:lstStyle/>
+          <a:p>
+            <a:pPr algn="ctr"/>
+            <a:endParaRPr lang="ko-KR" altLang="en-US"/>
+          </a:p>
+        </p:txBody>
+      </p:sp>
+      <p:sp>
+        <p:nvSpPr>
+          <p:cNvPr id="15" name="직사각형 14">
+            <a:extLst>
+              <a:ext uri="{FF2B5EF4-FFF2-40B4-BE49-F238E27FC236}">
+                <a16:creationId xmlns:a16="http://schemas.microsoft.com/office/drawing/2014/main" id="{73D2FB70-2483-AD74-A466-17282F295E2E}"/>
+              </a:ext>
+            </a:extLst>
+          </p:cNvPr>
+          <p:cNvSpPr/>
+          <p:nvPr/>
+        </p:nvSpPr>
+        <p:spPr>
+          <a:xfrm>
+            <a:off x="1361922" y="5501601"/>
+            <a:ext cx="4395750" cy="323166"/>
+          </a:xfrm>
+          <a:prstGeom prst="rect">
+            <a:avLst/>
+          </a:prstGeom>
+          <a:noFill/>
+          <a:ln w="28575">
+            <a:solidFill>
+              <a:srgbClr val="FF0000"/>
+            </a:solidFill>
+          </a:ln>
+        </p:spPr>
+        <p:style>
+          <a:lnRef idx="2">
+            <a:schemeClr val="accent1">
+              <a:shade val="15000"/>
+            </a:schemeClr>
+          </a:lnRef>
+          <a:fillRef idx="1">
+            <a:schemeClr val="accent1"/>
+          </a:fillRef>
+          <a:effectRef idx="0">
+            <a:schemeClr val="accent1"/>
+          </a:effectRef>
+          <a:fontRef idx="minor">
+            <a:schemeClr val="lt1"/>
+          </a:fontRef>
+        </p:style>
+        <p:txBody>
+          <a:bodyPr rtlCol="0" anchor="ctr"/>
+          <a:lstStyle/>
+          <a:p>
+            <a:pPr algn="ctr"/>
+            <a:endParaRPr lang="ko-KR" altLang="en-US"/>
+          </a:p>
+        </p:txBody>
+      </p:sp>
+    </p:spTree>
+    <p:extLst>
+      <p:ext uri="{BB962C8B-B14F-4D97-AF65-F5344CB8AC3E}">
+        <p14:creationId xmlns:p14="http://schemas.microsoft.com/office/powerpoint/2010/main" val="1843544040"/>
+      </p:ext>
+    </p:extLst>
+  </p:cSld>
+  <p:clrMapOvr>
+    <a:masterClrMapping/>
+  </p:clrMapOvr>
+</p:sld>
+</file>
+
+<file path=ppt/slides/slide82.xml><?xml version="1.0" encoding="utf-8"?>
+<p:sld xmlns:a="http://schemas.openxmlformats.org/drawingml/2006/main" xmlns:r="http://schemas.openxmlformats.org/officeDocument/2006/relationships" xmlns:p="http://schemas.openxmlformats.org/presentationml/2006/main">
+  <p:cSld>
+    <p:spTree>
+      <p:nvGrpSpPr>
+        <p:cNvPr id="1" name="">
+          <a:extLst>
+            <a:ext uri="{FF2B5EF4-FFF2-40B4-BE49-F238E27FC236}">
+              <a16:creationId xmlns:a16="http://schemas.microsoft.com/office/drawing/2014/main" id="{F32256B1-82FB-B94B-AC4F-70FBD7AA310A}"/>
+            </a:ext>
+          </a:extLst>
+        </p:cNvPr>
+        <p:cNvGrpSpPr/>
+        <p:nvPr/>
+      </p:nvGrpSpPr>
+      <p:grpSpPr>
+        <a:xfrm>
+          <a:off x="0" y="0"/>
+          <a:ext cx="0" cy="0"/>
+          <a:chOff x="0" y="0"/>
+          <a:chExt cx="0" cy="0"/>
+        </a:xfrm>
+      </p:grpSpPr>
+      <p:pic>
+        <p:nvPicPr>
+          <p:cNvPr id="8" name="그림 7">
+            <a:extLst>
+              <a:ext uri="{FF2B5EF4-FFF2-40B4-BE49-F238E27FC236}">
+                <a16:creationId xmlns:a16="http://schemas.microsoft.com/office/drawing/2014/main" id="{AFAE442B-B2A9-381A-4AFE-78E717FD701F}"/>
+              </a:ext>
+            </a:extLst>
+          </p:cNvPr>
+          <p:cNvPicPr>
+            <a:picLocks noChangeAspect="1"/>
+          </p:cNvPicPr>
+          <p:nvPr/>
+        </p:nvPicPr>
+        <p:blipFill>
+          <a:blip r:embed="rId2"/>
+          <a:stretch>
+            <a:fillRect/>
+          </a:stretch>
+        </p:blipFill>
+        <p:spPr>
+          <a:xfrm>
+            <a:off x="521208" y="1728742"/>
+            <a:ext cx="6458851" cy="2333951"/>
+          </a:xfrm>
+          <a:prstGeom prst="rect">
+            <a:avLst/>
+          </a:prstGeom>
+        </p:spPr>
+      </p:pic>
+      <p:sp>
+        <p:nvSpPr>
+          <p:cNvPr id="2" name="슬라이드 번호 개체 틀 1">
+            <a:extLst>
+              <a:ext uri="{FF2B5EF4-FFF2-40B4-BE49-F238E27FC236}">
+                <a16:creationId xmlns:a16="http://schemas.microsoft.com/office/drawing/2014/main" id="{64725023-95A1-D0F8-E108-C30AC8B060CC}"/>
+              </a:ext>
+            </a:extLst>
+          </p:cNvPr>
+          <p:cNvSpPr>
+            <a:spLocks noGrp="1"/>
+          </p:cNvSpPr>
+          <p:nvPr>
+            <p:ph type="sldNum" sz="quarter" idx="12"/>
+          </p:nvPr>
+        </p:nvSpPr>
+        <p:spPr/>
+        <p:txBody>
+          <a:bodyPr/>
+          <a:lstStyle/>
+          <a:p>
+            <a:fld id="{D57F1E4F-1CFF-5643-939E-02111984F565}" type="slidenum">
+              <a:rPr lang="en-US" smtClean="0"/>
+              <a:t>81</a:t>
+            </a:fld>
+            <a:endParaRPr lang="en-US" dirty="0"/>
+          </a:p>
+        </p:txBody>
+      </p:sp>
+      <p:sp>
+        <p:nvSpPr>
+          <p:cNvPr id="3" name="TextBox 2">
+            <a:extLst>
+              <a:ext uri="{FF2B5EF4-FFF2-40B4-BE49-F238E27FC236}">
+                <a16:creationId xmlns:a16="http://schemas.microsoft.com/office/drawing/2014/main" id="{EB319DF9-8B0E-9A69-29EE-B4C46A52AF46}"/>
+              </a:ext>
+            </a:extLst>
+          </p:cNvPr>
+          <p:cNvSpPr txBox="1"/>
+          <p:nvPr/>
+        </p:nvSpPr>
+        <p:spPr>
+          <a:xfrm>
+            <a:off x="100584" y="82296"/>
+            <a:ext cx="10251956" cy="369332"/>
+          </a:xfrm>
+          <a:prstGeom prst="rect">
+            <a:avLst/>
+          </a:prstGeom>
+          <a:noFill/>
+        </p:spPr>
+        <p:txBody>
+          <a:bodyPr wrap="square" rtlCol="0">
+            <a:spAutoFit/>
+          </a:bodyPr>
+          <a:lstStyle/>
+          <a:p>
+            <a:r>
+              <a:rPr lang="en-US" altLang="ko-KR" dirty="0"/>
+              <a:t>8. Kafka</a:t>
+            </a:r>
+            <a:r>
+              <a:rPr lang="ko-KR" altLang="en-US" dirty="0"/>
+              <a:t> 연동</a:t>
+            </a:r>
+          </a:p>
+        </p:txBody>
+      </p:sp>
+      <p:sp>
+        <p:nvSpPr>
+          <p:cNvPr id="4" name="TextBox 3">
+            <a:extLst>
+              <a:ext uri="{FF2B5EF4-FFF2-40B4-BE49-F238E27FC236}">
+                <a16:creationId xmlns:a16="http://schemas.microsoft.com/office/drawing/2014/main" id="{B3AB1C19-E3BD-88FA-D147-89D31CD1D6D5}"/>
+              </a:ext>
+            </a:extLst>
+          </p:cNvPr>
+          <p:cNvSpPr txBox="1"/>
+          <p:nvPr/>
+        </p:nvSpPr>
+        <p:spPr>
+          <a:xfrm>
+            <a:off x="521208" y="565064"/>
+            <a:ext cx="9573768" cy="323165"/>
+          </a:xfrm>
+          <a:prstGeom prst="rect">
+            <a:avLst/>
+          </a:prstGeom>
+          <a:noFill/>
+        </p:spPr>
+        <p:txBody>
+          <a:bodyPr wrap="square" rtlCol="0">
+            <a:spAutoFit/>
+          </a:bodyPr>
+          <a:lstStyle/>
+          <a:p>
+            <a:r>
+              <a:rPr lang="ko-KR" altLang="en-US" sz="1500" dirty="0"/>
+              <a:t>체크 포인트 </a:t>
+            </a:r>
+            <a:r>
+              <a:rPr lang="en-US" altLang="ko-KR" sz="1500" dirty="0"/>
+              <a:t>: @Service</a:t>
+            </a:r>
+            <a:endParaRPr lang="ko-KR" altLang="en-US" sz="1500" b="1" dirty="0">
+              <a:solidFill>
+                <a:srgbClr val="FF0000"/>
+              </a:solidFill>
+            </a:endParaRPr>
+          </a:p>
+        </p:txBody>
+      </p:sp>
+      <p:sp>
+        <p:nvSpPr>
+          <p:cNvPr id="7" name="직사각형 6">
+            <a:extLst>
+              <a:ext uri="{FF2B5EF4-FFF2-40B4-BE49-F238E27FC236}">
+                <a16:creationId xmlns:a16="http://schemas.microsoft.com/office/drawing/2014/main" id="{BA3649C2-FFC5-D1F1-1FCD-CD757CBAE776}"/>
+              </a:ext>
+            </a:extLst>
+          </p:cNvPr>
+          <p:cNvSpPr/>
+          <p:nvPr/>
+        </p:nvSpPr>
+        <p:spPr>
+          <a:xfrm>
+            <a:off x="718794" y="1719598"/>
+            <a:ext cx="890016" cy="218930"/>
+          </a:xfrm>
+          <a:prstGeom prst="rect">
+            <a:avLst/>
+          </a:prstGeom>
+          <a:noFill/>
+          <a:ln w="28575">
+            <a:solidFill>
+              <a:srgbClr val="FF0000"/>
+            </a:solidFill>
+          </a:ln>
+        </p:spPr>
+        <p:style>
+          <a:lnRef idx="2">
+            <a:schemeClr val="accent1">
+              <a:shade val="15000"/>
+            </a:schemeClr>
+          </a:lnRef>
+          <a:fillRef idx="1">
+            <a:schemeClr val="accent1"/>
+          </a:fillRef>
+          <a:effectRef idx="0">
+            <a:schemeClr val="accent1"/>
+          </a:effectRef>
+          <a:fontRef idx="minor">
+            <a:schemeClr val="lt1"/>
+          </a:fontRef>
+        </p:style>
+        <p:txBody>
+          <a:bodyPr rtlCol="0" anchor="ctr"/>
+          <a:lstStyle/>
+          <a:p>
+            <a:pPr algn="ctr"/>
+            <a:endParaRPr lang="ko-KR" altLang="en-US"/>
+          </a:p>
+        </p:txBody>
+      </p:sp>
+      <p:sp>
+        <p:nvSpPr>
+          <p:cNvPr id="9" name="직사각형 8">
+            <a:extLst>
+              <a:ext uri="{FF2B5EF4-FFF2-40B4-BE49-F238E27FC236}">
+                <a16:creationId xmlns:a16="http://schemas.microsoft.com/office/drawing/2014/main" id="{0F938166-49C6-4DCF-0193-40A1F95A40EF}"/>
+              </a:ext>
+            </a:extLst>
+          </p:cNvPr>
+          <p:cNvSpPr/>
+          <p:nvPr/>
+        </p:nvSpPr>
+        <p:spPr>
+          <a:xfrm>
+            <a:off x="1291818" y="2670047"/>
+            <a:ext cx="4203726" cy="310897"/>
+          </a:xfrm>
+          <a:prstGeom prst="rect">
+            <a:avLst/>
+          </a:prstGeom>
+          <a:noFill/>
+          <a:ln w="28575">
+            <a:solidFill>
+              <a:srgbClr val="FF0000"/>
+            </a:solidFill>
+          </a:ln>
+        </p:spPr>
+        <p:style>
+          <a:lnRef idx="2">
+            <a:schemeClr val="accent1">
+              <a:shade val="15000"/>
+            </a:schemeClr>
+          </a:lnRef>
+          <a:fillRef idx="1">
+            <a:schemeClr val="accent1"/>
+          </a:fillRef>
+          <a:effectRef idx="0">
+            <a:schemeClr val="accent1"/>
+          </a:effectRef>
+          <a:fontRef idx="minor">
+            <a:schemeClr val="lt1"/>
+          </a:fontRef>
+        </p:style>
+        <p:txBody>
+          <a:bodyPr rtlCol="0" anchor="ctr"/>
+          <a:lstStyle/>
+          <a:p>
+            <a:pPr algn="ctr"/>
+            <a:endParaRPr lang="ko-KR" altLang="en-US"/>
+          </a:p>
+        </p:txBody>
+      </p:sp>
+      <p:sp>
+        <p:nvSpPr>
+          <p:cNvPr id="10" name="직사각형 9">
+            <a:extLst>
+              <a:ext uri="{FF2B5EF4-FFF2-40B4-BE49-F238E27FC236}">
+                <a16:creationId xmlns:a16="http://schemas.microsoft.com/office/drawing/2014/main" id="{4BE961E7-FD7B-EDF8-31E3-49D5AB4BAF4D}"/>
+              </a:ext>
+            </a:extLst>
+          </p:cNvPr>
+          <p:cNvSpPr/>
+          <p:nvPr/>
+        </p:nvSpPr>
+        <p:spPr>
+          <a:xfrm>
+            <a:off x="1380210" y="3428999"/>
+            <a:ext cx="3584982" cy="283463"/>
+          </a:xfrm>
+          <a:prstGeom prst="rect">
+            <a:avLst/>
+          </a:prstGeom>
+          <a:noFill/>
+          <a:ln w="28575">
+            <a:solidFill>
+              <a:srgbClr val="FF0000"/>
+            </a:solidFill>
+          </a:ln>
+        </p:spPr>
+        <p:style>
+          <a:lnRef idx="2">
+            <a:schemeClr val="accent1">
+              <a:shade val="15000"/>
+            </a:schemeClr>
+          </a:lnRef>
+          <a:fillRef idx="1">
+            <a:schemeClr val="accent1"/>
+          </a:fillRef>
+          <a:effectRef idx="0">
+            <a:schemeClr val="accent1"/>
+          </a:effectRef>
+          <a:fontRef idx="minor">
+            <a:schemeClr val="lt1"/>
+          </a:fontRef>
+        </p:style>
+        <p:txBody>
+          <a:bodyPr rtlCol="0" anchor="ctr"/>
+          <a:lstStyle/>
+          <a:p>
+            <a:pPr algn="ctr"/>
+            <a:endParaRPr lang="ko-KR" altLang="en-US"/>
+          </a:p>
+        </p:txBody>
+      </p:sp>
+      <p:sp>
+        <p:nvSpPr>
+          <p:cNvPr id="11" name="TextBox 10">
+            <a:extLst>
+              <a:ext uri="{FF2B5EF4-FFF2-40B4-BE49-F238E27FC236}">
+                <a16:creationId xmlns:a16="http://schemas.microsoft.com/office/drawing/2014/main" id="{1E1061BF-BBB0-A05C-EDA5-43AE63431932}"/>
+              </a:ext>
+            </a:extLst>
+          </p:cNvPr>
+          <p:cNvSpPr txBox="1"/>
+          <p:nvPr/>
+        </p:nvSpPr>
+        <p:spPr>
+          <a:xfrm>
+            <a:off x="7146550" y="1719599"/>
+            <a:ext cx="5010849" cy="2246769"/>
+          </a:xfrm>
+          <a:prstGeom prst="rect">
+            <a:avLst/>
+          </a:prstGeom>
+          <a:noFill/>
+        </p:spPr>
+        <p:txBody>
+          <a:bodyPr wrap="square" rtlCol="0">
+            <a:spAutoFit/>
+          </a:bodyPr>
+          <a:lstStyle/>
+          <a:p>
+            <a:r>
+              <a:rPr lang="en-US" altLang="ko-KR" sz="1400" b="1" dirty="0">
+                <a:solidFill>
+                  <a:srgbClr val="FF0000"/>
+                </a:solidFill>
+                <a:latin typeface="바탕체" panose="02030609000101010101" pitchFamily="17" charset="-127"/>
+                <a:ea typeface="바탕체" panose="02030609000101010101" pitchFamily="17" charset="-127"/>
+              </a:rPr>
+              <a:t>※</a:t>
+            </a:r>
+            <a:r>
+              <a:rPr lang="en-US" altLang="ko-KR" sz="1400" dirty="0">
+                <a:latin typeface="맑은 고딕" panose="020B0503020000020004" pitchFamily="50" charset="-127"/>
+                <a:ea typeface="맑은 고딕" panose="020B0503020000020004" pitchFamily="50" charset="-127"/>
+              </a:rPr>
+              <a:t> @Service :</a:t>
+            </a:r>
+            <a:r>
+              <a:rPr lang="ko-KR" altLang="en-US" sz="1400" dirty="0">
+                <a:latin typeface="맑은 고딕" panose="020B0503020000020004" pitchFamily="50" charset="-127"/>
+                <a:ea typeface="맑은 고딕" panose="020B0503020000020004" pitchFamily="50" charset="-127"/>
+              </a:rPr>
+              <a:t> </a:t>
+            </a:r>
+            <a:r>
+              <a:rPr lang="en-US" altLang="ko-KR" sz="1400" dirty="0">
+                <a:latin typeface="맑은 고딕" panose="020B0503020000020004" pitchFamily="50" charset="-127"/>
+                <a:ea typeface="맑은 고딕" panose="020B0503020000020004" pitchFamily="50" charset="-127"/>
+              </a:rPr>
+              <a:t>Kafka Producer. Kafka Producer</a:t>
+            </a:r>
+            <a:r>
+              <a:rPr lang="ko-KR" altLang="en-US" sz="1400" dirty="0">
+                <a:latin typeface="맑은 고딕" panose="020B0503020000020004" pitchFamily="50" charset="-127"/>
+                <a:ea typeface="맑은 고딕" panose="020B0503020000020004" pitchFamily="50" charset="-127"/>
+              </a:rPr>
+              <a:t>는 </a:t>
+            </a:r>
+            <a:r>
+              <a:rPr lang="en-US" altLang="ko-KR" sz="1400" dirty="0">
+                <a:latin typeface="맑은 고딕" panose="020B0503020000020004" pitchFamily="50" charset="-127"/>
+                <a:ea typeface="맑은 고딕" panose="020B0503020000020004" pitchFamily="50" charset="-127"/>
+              </a:rPr>
+              <a:t>Kafka Broker</a:t>
+            </a:r>
+            <a:r>
+              <a:rPr lang="ko-KR" altLang="en-US" sz="1400" dirty="0">
+                <a:latin typeface="맑은 고딕" panose="020B0503020000020004" pitchFamily="50" charset="-127"/>
+                <a:ea typeface="맑은 고딕" panose="020B0503020000020004" pitchFamily="50" charset="-127"/>
+              </a:rPr>
+              <a:t> 에게 메시지를 전송</a:t>
+            </a:r>
+            <a:endParaRPr lang="en-US" altLang="ko-KR" sz="1400" dirty="0">
+              <a:latin typeface="맑은 고딕" panose="020B0503020000020004" pitchFamily="50" charset="-127"/>
+              <a:ea typeface="맑은 고딕" panose="020B0503020000020004" pitchFamily="50" charset="-127"/>
+            </a:endParaRPr>
+          </a:p>
+          <a:p>
+            <a:endParaRPr lang="en-US" altLang="ko-KR" sz="1400" dirty="0">
+              <a:latin typeface="맑은 고딕" panose="020B0503020000020004" pitchFamily="50" charset="-127"/>
+              <a:ea typeface="맑은 고딕" panose="020B0503020000020004" pitchFamily="50" charset="-127"/>
+            </a:endParaRPr>
+          </a:p>
+          <a:p>
+            <a:endParaRPr lang="en-US" altLang="ko-KR" sz="1400" dirty="0">
+              <a:latin typeface="맑은 고딕" panose="020B0503020000020004" pitchFamily="50" charset="-127"/>
+              <a:ea typeface="맑은 고딕" panose="020B0503020000020004" pitchFamily="50" charset="-127"/>
+            </a:endParaRPr>
+          </a:p>
+          <a:p>
+            <a:endParaRPr lang="en-US" altLang="ko-KR" sz="1400" b="1" dirty="0">
+              <a:solidFill>
+                <a:srgbClr val="FF0000"/>
+              </a:solidFill>
+              <a:latin typeface="바탕체" panose="02030609000101010101" pitchFamily="17" charset="-127"/>
+              <a:ea typeface="바탕체" panose="02030609000101010101" pitchFamily="17" charset="-127"/>
+            </a:endParaRPr>
+          </a:p>
+          <a:p>
+            <a:r>
+              <a:rPr lang="en-US" altLang="ko-KR" sz="1400" b="1" dirty="0">
+                <a:solidFill>
+                  <a:srgbClr val="FF0000"/>
+                </a:solidFill>
+                <a:latin typeface="바탕체" panose="02030609000101010101" pitchFamily="17" charset="-127"/>
+                <a:ea typeface="바탕체" panose="02030609000101010101" pitchFamily="17" charset="-127"/>
+              </a:rPr>
+              <a:t>※</a:t>
+            </a:r>
+            <a:r>
+              <a:rPr lang="en-US" altLang="ko-KR" sz="1400" dirty="0">
+                <a:latin typeface="맑은 고딕" panose="020B0503020000020004" pitchFamily="50" charset="-127"/>
+                <a:ea typeface="맑은 고딕" panose="020B0503020000020004" pitchFamily="50" charset="-127"/>
+              </a:rPr>
+              <a:t> Kafka Broker </a:t>
+            </a:r>
+            <a:r>
+              <a:rPr lang="ko-KR" altLang="en-US" sz="1400" dirty="0">
+                <a:latin typeface="맑은 고딕" panose="020B0503020000020004" pitchFamily="50" charset="-127"/>
+                <a:ea typeface="맑은 고딕" panose="020B0503020000020004" pitchFamily="50" charset="-127"/>
+              </a:rPr>
+              <a:t>등록</a:t>
+            </a:r>
+            <a:endParaRPr lang="en-US" altLang="ko-KR" sz="1400" dirty="0">
+              <a:latin typeface="맑은 고딕" panose="020B0503020000020004" pitchFamily="50" charset="-127"/>
+              <a:ea typeface="맑은 고딕" panose="020B0503020000020004" pitchFamily="50" charset="-127"/>
+            </a:endParaRPr>
+          </a:p>
+          <a:p>
+            <a:endParaRPr lang="en-US" altLang="ko-KR" sz="1400" dirty="0">
+              <a:latin typeface="맑은 고딕" panose="020B0503020000020004" pitchFamily="50" charset="-127"/>
+              <a:ea typeface="맑은 고딕" panose="020B0503020000020004" pitchFamily="50" charset="-127"/>
+            </a:endParaRPr>
+          </a:p>
+          <a:p>
+            <a:endParaRPr lang="en-US" altLang="ko-KR" sz="1400" dirty="0">
+              <a:latin typeface="맑은 고딕" panose="020B0503020000020004" pitchFamily="50" charset="-127"/>
+              <a:ea typeface="맑은 고딕" panose="020B0503020000020004" pitchFamily="50" charset="-127"/>
+            </a:endParaRPr>
+          </a:p>
+          <a:p>
+            <a:r>
+              <a:rPr lang="en-US" altLang="ko-KR" sz="1400" b="1" dirty="0">
+                <a:solidFill>
+                  <a:srgbClr val="FF0000"/>
+                </a:solidFill>
+                <a:latin typeface="바탕체" panose="02030609000101010101" pitchFamily="17" charset="-127"/>
+                <a:ea typeface="바탕체" panose="02030609000101010101" pitchFamily="17" charset="-127"/>
+              </a:rPr>
+              <a:t>※</a:t>
+            </a:r>
+            <a:r>
+              <a:rPr lang="en-US" altLang="ko-KR" sz="1400" dirty="0">
+                <a:latin typeface="맑은 고딕" panose="020B0503020000020004" pitchFamily="50" charset="-127"/>
+                <a:ea typeface="맑은 고딕" panose="020B0503020000020004" pitchFamily="50" charset="-127"/>
+              </a:rPr>
+              <a:t> Message</a:t>
+            </a:r>
+            <a:r>
+              <a:rPr lang="ko-KR" altLang="en-US" sz="1400" dirty="0">
+                <a:latin typeface="맑은 고딕" panose="020B0503020000020004" pitchFamily="50" charset="-127"/>
+                <a:ea typeface="맑은 고딕" panose="020B0503020000020004" pitchFamily="50" charset="-127"/>
+              </a:rPr>
+              <a:t> </a:t>
+            </a:r>
+            <a:r>
+              <a:rPr lang="en-US" altLang="ko-KR" sz="1400" dirty="0">
+                <a:latin typeface="맑은 고딕" panose="020B0503020000020004" pitchFamily="50" charset="-127"/>
+                <a:ea typeface="맑은 고딕" panose="020B0503020000020004" pitchFamily="50" charset="-127"/>
+              </a:rPr>
+              <a:t>Topic : Kafka Broker</a:t>
+            </a:r>
+            <a:r>
+              <a:rPr lang="ko-KR" altLang="en-US" sz="1400" dirty="0">
+                <a:latin typeface="맑은 고딕" panose="020B0503020000020004" pitchFamily="50" charset="-127"/>
+                <a:ea typeface="맑은 고딕" panose="020B0503020000020004" pitchFamily="50" charset="-127"/>
+              </a:rPr>
+              <a:t>는 </a:t>
+            </a:r>
+            <a:r>
+              <a:rPr lang="en-US" altLang="ko-KR" sz="1400" dirty="0">
+                <a:latin typeface="맑은 고딕" panose="020B0503020000020004" pitchFamily="50" charset="-127"/>
+                <a:ea typeface="맑은 고딕" panose="020B0503020000020004" pitchFamily="50" charset="-127"/>
+              </a:rPr>
+              <a:t>Controller</a:t>
+            </a:r>
+            <a:r>
+              <a:rPr lang="ko-KR" altLang="en-US" sz="1400" dirty="0">
+                <a:latin typeface="맑은 고딕" panose="020B0503020000020004" pitchFamily="50" charset="-127"/>
+                <a:ea typeface="맑은 고딕" panose="020B0503020000020004" pitchFamily="50" charset="-127"/>
+              </a:rPr>
+              <a:t>에서 전달받은 메시지를 </a:t>
+            </a:r>
+            <a:r>
+              <a:rPr lang="en-US" altLang="ko-KR" sz="1400" dirty="0">
+                <a:latin typeface="맑은 고딕" panose="020B0503020000020004" pitchFamily="50" charset="-127"/>
+                <a:ea typeface="맑은 고딕" panose="020B0503020000020004" pitchFamily="50" charset="-127"/>
+              </a:rPr>
+              <a:t>Kafka Consumer</a:t>
+            </a:r>
+            <a:r>
+              <a:rPr lang="ko-KR" altLang="en-US" sz="1400" dirty="0">
+                <a:latin typeface="맑은 고딕" panose="020B0503020000020004" pitchFamily="50" charset="-127"/>
+                <a:ea typeface="맑은 고딕" panose="020B0503020000020004" pitchFamily="50" charset="-127"/>
+              </a:rPr>
+              <a:t>에게 소비시킨다</a:t>
+            </a:r>
+            <a:r>
+              <a:rPr lang="en-US" altLang="ko-KR" sz="1400" dirty="0">
+                <a:latin typeface="맑은 고딕" panose="020B0503020000020004" pitchFamily="50" charset="-127"/>
+                <a:ea typeface="맑은 고딕" panose="020B0503020000020004" pitchFamily="50" charset="-127"/>
+              </a:rPr>
+              <a:t>.</a:t>
+            </a:r>
+            <a:endParaRPr lang="en-US" altLang="ko-KR" sz="1200" dirty="0">
+              <a:latin typeface="맑은 고딕" panose="020B0503020000020004" pitchFamily="50" charset="-127"/>
+              <a:ea typeface="맑은 고딕" panose="020B0503020000020004" pitchFamily="50" charset="-127"/>
+            </a:endParaRPr>
+          </a:p>
+        </p:txBody>
+      </p:sp>
+    </p:spTree>
+    <p:extLst>
+      <p:ext uri="{BB962C8B-B14F-4D97-AF65-F5344CB8AC3E}">
+        <p14:creationId xmlns:p14="http://schemas.microsoft.com/office/powerpoint/2010/main" val="2815395680"/>
+      </p:ext>
+    </p:extLst>
+  </p:cSld>
+  <p:clrMapOvr>
+    <a:masterClrMapping/>
+  </p:clrMapOvr>
+</p:sld>
+</file>
+
+<file path=ppt/slides/slide83.xml><?xml version="1.0" encoding="utf-8"?>
+<p:sld xmlns:a="http://schemas.openxmlformats.org/drawingml/2006/main" xmlns:r="http://schemas.openxmlformats.org/officeDocument/2006/relationships" xmlns:p="http://schemas.openxmlformats.org/presentationml/2006/main">
+  <p:cSld>
+    <p:spTree>
+      <p:nvGrpSpPr>
+        <p:cNvPr id="1" name="">
+          <a:extLst>
+            <a:ext uri="{FF2B5EF4-FFF2-40B4-BE49-F238E27FC236}">
+              <a16:creationId xmlns:a16="http://schemas.microsoft.com/office/drawing/2014/main" id="{FE5110F1-4C74-1E19-9907-11E756408EB0}"/>
+            </a:ext>
+          </a:extLst>
+        </p:cNvPr>
+        <p:cNvGrpSpPr/>
+        <p:nvPr/>
+      </p:nvGrpSpPr>
+      <p:grpSpPr>
+        <a:xfrm>
+          <a:off x="0" y="0"/>
+          <a:ext cx="0" cy="0"/>
+          <a:chOff x="0" y="0"/>
+          <a:chExt cx="0" cy="0"/>
+        </a:xfrm>
+      </p:grpSpPr>
+      <p:pic>
+        <p:nvPicPr>
+          <p:cNvPr id="10" name="그림 9">
+            <a:extLst>
+              <a:ext uri="{FF2B5EF4-FFF2-40B4-BE49-F238E27FC236}">
+                <a16:creationId xmlns:a16="http://schemas.microsoft.com/office/drawing/2014/main" id="{68DDE73E-B2BE-006C-CFFC-8C3D19482F1D}"/>
+              </a:ext>
+            </a:extLst>
+          </p:cNvPr>
+          <p:cNvPicPr>
+            <a:picLocks noChangeAspect="1"/>
+          </p:cNvPicPr>
+          <p:nvPr/>
+        </p:nvPicPr>
+        <p:blipFill>
+          <a:blip r:embed="rId2"/>
+          <a:stretch>
+            <a:fillRect/>
+          </a:stretch>
+        </p:blipFill>
+        <p:spPr>
+          <a:xfrm>
+            <a:off x="630754" y="1618488"/>
+            <a:ext cx="5877745" cy="1409897"/>
+          </a:xfrm>
+          <a:prstGeom prst="rect">
+            <a:avLst/>
+          </a:prstGeom>
+        </p:spPr>
+      </p:pic>
+      <p:sp>
+        <p:nvSpPr>
+          <p:cNvPr id="2" name="슬라이드 번호 개체 틀 1">
+            <a:extLst>
+              <a:ext uri="{FF2B5EF4-FFF2-40B4-BE49-F238E27FC236}">
+                <a16:creationId xmlns:a16="http://schemas.microsoft.com/office/drawing/2014/main" id="{D7AC1A9E-4EFC-C123-CF98-9C2D6DDD72AF}"/>
+              </a:ext>
+            </a:extLst>
+          </p:cNvPr>
+          <p:cNvSpPr>
+            <a:spLocks noGrp="1"/>
+          </p:cNvSpPr>
+          <p:nvPr>
+            <p:ph type="sldNum" sz="quarter" idx="12"/>
+          </p:nvPr>
+        </p:nvSpPr>
+        <p:spPr/>
+        <p:txBody>
+          <a:bodyPr/>
+          <a:lstStyle/>
+          <a:p>
+            <a:fld id="{D57F1E4F-1CFF-5643-939E-02111984F565}" type="slidenum">
+              <a:rPr lang="en-US" smtClean="0"/>
+              <a:t>82</a:t>
+            </a:fld>
+            <a:endParaRPr lang="en-US" dirty="0"/>
+          </a:p>
+        </p:txBody>
+      </p:sp>
+      <p:sp>
+        <p:nvSpPr>
+          <p:cNvPr id="3" name="TextBox 2">
+            <a:extLst>
+              <a:ext uri="{FF2B5EF4-FFF2-40B4-BE49-F238E27FC236}">
+                <a16:creationId xmlns:a16="http://schemas.microsoft.com/office/drawing/2014/main" id="{569B1835-C0B4-E1C2-80D6-F69977CEAFAB}"/>
+              </a:ext>
+            </a:extLst>
+          </p:cNvPr>
+          <p:cNvSpPr txBox="1"/>
+          <p:nvPr/>
+        </p:nvSpPr>
+        <p:spPr>
+          <a:xfrm>
+            <a:off x="100584" y="82296"/>
+            <a:ext cx="10251956" cy="369332"/>
+          </a:xfrm>
+          <a:prstGeom prst="rect">
+            <a:avLst/>
+          </a:prstGeom>
+          <a:noFill/>
+        </p:spPr>
+        <p:txBody>
+          <a:bodyPr wrap="square" rtlCol="0">
+            <a:spAutoFit/>
+          </a:bodyPr>
+          <a:lstStyle/>
+          <a:p>
+            <a:r>
+              <a:rPr lang="en-US" altLang="ko-KR" dirty="0"/>
+              <a:t>8. Kafka</a:t>
+            </a:r>
+            <a:r>
+              <a:rPr lang="ko-KR" altLang="en-US" dirty="0"/>
+              <a:t> 연동</a:t>
+            </a:r>
+          </a:p>
+        </p:txBody>
+      </p:sp>
+      <p:sp>
+        <p:nvSpPr>
+          <p:cNvPr id="4" name="TextBox 3">
+            <a:extLst>
+              <a:ext uri="{FF2B5EF4-FFF2-40B4-BE49-F238E27FC236}">
+                <a16:creationId xmlns:a16="http://schemas.microsoft.com/office/drawing/2014/main" id="{A0B34EDB-A249-BB55-14D6-AF6753179FDB}"/>
+              </a:ext>
+            </a:extLst>
+          </p:cNvPr>
+          <p:cNvSpPr txBox="1"/>
+          <p:nvPr/>
+        </p:nvSpPr>
+        <p:spPr>
+          <a:xfrm>
+            <a:off x="521208" y="565064"/>
+            <a:ext cx="9573768" cy="323165"/>
+          </a:xfrm>
+          <a:prstGeom prst="rect">
+            <a:avLst/>
+          </a:prstGeom>
+          <a:noFill/>
+        </p:spPr>
+        <p:txBody>
+          <a:bodyPr wrap="square" rtlCol="0">
+            <a:spAutoFit/>
+          </a:bodyPr>
+          <a:lstStyle/>
+          <a:p>
+            <a:r>
+              <a:rPr lang="ko-KR" altLang="en-US" sz="1500" dirty="0"/>
+              <a:t>체크 포인트 </a:t>
+            </a:r>
+            <a:r>
+              <a:rPr lang="en-US" altLang="ko-KR" sz="1500" dirty="0"/>
+              <a:t>: @Service </a:t>
+            </a:r>
+            <a:endParaRPr lang="ko-KR" altLang="en-US" sz="1500" b="1" dirty="0">
+              <a:solidFill>
+                <a:srgbClr val="FF0000"/>
+              </a:solidFill>
+            </a:endParaRPr>
+          </a:p>
+        </p:txBody>
+      </p:sp>
+      <p:sp>
+        <p:nvSpPr>
+          <p:cNvPr id="7" name="TextBox 6">
+            <a:extLst>
+              <a:ext uri="{FF2B5EF4-FFF2-40B4-BE49-F238E27FC236}">
+                <a16:creationId xmlns:a16="http://schemas.microsoft.com/office/drawing/2014/main" id="{C3C03FF9-008D-2D7C-D776-F8566A8A315E}"/>
+              </a:ext>
+            </a:extLst>
+          </p:cNvPr>
+          <p:cNvSpPr txBox="1"/>
+          <p:nvPr/>
+        </p:nvSpPr>
+        <p:spPr>
+          <a:xfrm>
+            <a:off x="7146550" y="1545863"/>
+            <a:ext cx="5010849" cy="3323987"/>
+          </a:xfrm>
+          <a:prstGeom prst="rect">
+            <a:avLst/>
+          </a:prstGeom>
+          <a:noFill/>
+        </p:spPr>
+        <p:txBody>
+          <a:bodyPr wrap="square" rtlCol="0">
+            <a:spAutoFit/>
+          </a:bodyPr>
+          <a:lstStyle/>
+          <a:p>
+            <a:r>
+              <a:rPr lang="en-US" altLang="ko-KR" sz="1400" b="1" dirty="0">
+                <a:solidFill>
+                  <a:srgbClr val="FF0000"/>
+                </a:solidFill>
+                <a:latin typeface="바탕체" panose="02030609000101010101" pitchFamily="17" charset="-127"/>
+                <a:ea typeface="바탕체" panose="02030609000101010101" pitchFamily="17" charset="-127"/>
+              </a:rPr>
+              <a:t>※</a:t>
+            </a:r>
+            <a:r>
+              <a:rPr lang="en-US" altLang="ko-KR" sz="1400" dirty="0">
+                <a:latin typeface="맑은 고딕" panose="020B0503020000020004" pitchFamily="50" charset="-127"/>
+                <a:ea typeface="맑은 고딕" panose="020B0503020000020004" pitchFamily="50" charset="-127"/>
+              </a:rPr>
+              <a:t> @Service</a:t>
+            </a:r>
+            <a:r>
+              <a:rPr lang="ko-KR" altLang="en-US" sz="1400" dirty="0">
+                <a:latin typeface="맑은 고딕" panose="020B0503020000020004" pitchFamily="50" charset="-127"/>
+                <a:ea typeface="맑은 고딕" panose="020B0503020000020004" pitchFamily="50" charset="-127"/>
+              </a:rPr>
+              <a:t> </a:t>
+            </a:r>
+            <a:r>
+              <a:rPr lang="en-US" altLang="ko-KR" sz="1400" dirty="0">
+                <a:latin typeface="맑은 고딕" panose="020B0503020000020004" pitchFamily="50" charset="-127"/>
+                <a:ea typeface="맑은 고딕" panose="020B0503020000020004" pitchFamily="50" charset="-127"/>
+              </a:rPr>
+              <a:t>: Kafka Consumer. Kafka Consumer</a:t>
+            </a:r>
+            <a:r>
+              <a:rPr lang="ko-KR" altLang="en-US" sz="1400" dirty="0">
+                <a:latin typeface="맑은 고딕" panose="020B0503020000020004" pitchFamily="50" charset="-127"/>
+                <a:ea typeface="맑은 고딕" panose="020B0503020000020004" pitchFamily="50" charset="-127"/>
+              </a:rPr>
+              <a:t>는 </a:t>
+            </a:r>
+            <a:r>
+              <a:rPr lang="en-US" altLang="ko-KR" sz="1400" dirty="0">
+                <a:latin typeface="맑은 고딕" panose="020B0503020000020004" pitchFamily="50" charset="-127"/>
+                <a:ea typeface="맑은 고딕" panose="020B0503020000020004" pitchFamily="50" charset="-127"/>
+              </a:rPr>
+              <a:t>Kafka Broker</a:t>
+            </a:r>
+            <a:r>
+              <a:rPr lang="ko-KR" altLang="en-US" sz="1400" dirty="0">
+                <a:latin typeface="맑은 고딕" panose="020B0503020000020004" pitchFamily="50" charset="-127"/>
+                <a:ea typeface="맑은 고딕" panose="020B0503020000020004" pitchFamily="50" charset="-127"/>
+              </a:rPr>
+              <a:t>로부터의 메시지를 소비 후 비즈니스 로직에 따라 처리한다</a:t>
+            </a:r>
+            <a:r>
+              <a:rPr lang="en-US" altLang="ko-KR" sz="1400" dirty="0">
+                <a:latin typeface="맑은 고딕" panose="020B0503020000020004" pitchFamily="50" charset="-127"/>
+                <a:ea typeface="맑은 고딕" panose="020B0503020000020004" pitchFamily="50" charset="-127"/>
+              </a:rPr>
+              <a:t>.</a:t>
+            </a:r>
+            <a:r>
+              <a:rPr lang="ko-KR" altLang="en-US" sz="1400" dirty="0">
+                <a:latin typeface="맑은 고딕" panose="020B0503020000020004" pitchFamily="50" charset="-127"/>
+                <a:ea typeface="맑은 고딕" panose="020B0503020000020004" pitchFamily="50" charset="-127"/>
+              </a:rPr>
+              <a:t> </a:t>
+            </a:r>
+            <a:endParaRPr lang="en-US" altLang="ko-KR" sz="1400" dirty="0">
+              <a:latin typeface="맑은 고딕" panose="020B0503020000020004" pitchFamily="50" charset="-127"/>
+              <a:ea typeface="맑은 고딕" panose="020B0503020000020004" pitchFamily="50" charset="-127"/>
+            </a:endParaRPr>
+          </a:p>
+          <a:p>
+            <a:endParaRPr lang="en-US" altLang="ko-KR" sz="1400" b="1" dirty="0">
+              <a:solidFill>
+                <a:srgbClr val="FF0000"/>
+              </a:solidFill>
+              <a:latin typeface="바탕체" panose="02030609000101010101" pitchFamily="17" charset="-127"/>
+              <a:ea typeface="바탕체" panose="02030609000101010101" pitchFamily="17" charset="-127"/>
+            </a:endParaRPr>
+          </a:p>
+          <a:p>
+            <a:r>
+              <a:rPr lang="en-US" altLang="ko-KR" sz="1400" b="1" dirty="0">
+                <a:solidFill>
+                  <a:srgbClr val="FF0000"/>
+                </a:solidFill>
+                <a:latin typeface="바탕체" panose="02030609000101010101" pitchFamily="17" charset="-127"/>
+                <a:ea typeface="바탕체" panose="02030609000101010101" pitchFamily="17" charset="-127"/>
+              </a:rPr>
+              <a:t>※</a:t>
+            </a:r>
+            <a:r>
+              <a:rPr lang="en-US" altLang="ko-KR" sz="1400" dirty="0">
+                <a:latin typeface="맑은 고딕" panose="020B0503020000020004" pitchFamily="50" charset="-127"/>
+                <a:ea typeface="맑은 고딕" panose="020B0503020000020004" pitchFamily="50" charset="-127"/>
+              </a:rPr>
+              <a:t> </a:t>
+            </a:r>
+            <a:r>
+              <a:rPr lang="en-US" altLang="ko-KR" sz="1400" dirty="0" err="1">
+                <a:latin typeface="맑은 고딕" panose="020B0503020000020004" pitchFamily="50" charset="-127"/>
+                <a:ea typeface="맑은 고딕" panose="020B0503020000020004" pitchFamily="50" charset="-127"/>
+              </a:rPr>
+              <a:t>KafkaListener</a:t>
+            </a:r>
+            <a:r>
+              <a:rPr lang="ko-KR" altLang="en-US" sz="1400" dirty="0">
+                <a:latin typeface="맑은 고딕" panose="020B0503020000020004" pitchFamily="50" charset="-127"/>
+                <a:ea typeface="맑은 고딕" panose="020B0503020000020004" pitchFamily="50" charset="-127"/>
+              </a:rPr>
+              <a:t> </a:t>
+            </a:r>
+            <a:r>
+              <a:rPr lang="en-US" altLang="ko-KR" sz="1400" dirty="0">
+                <a:latin typeface="맑은 고딕" panose="020B0503020000020004" pitchFamily="50" charset="-127"/>
+                <a:ea typeface="맑은 고딕" panose="020B0503020000020004" pitchFamily="50" charset="-127"/>
+              </a:rPr>
+              <a:t>:</a:t>
+            </a:r>
+            <a:r>
+              <a:rPr lang="ko-KR" altLang="en-US" sz="1400" dirty="0">
+                <a:latin typeface="맑은 고딕" panose="020B0503020000020004" pitchFamily="50" charset="-127"/>
+                <a:ea typeface="맑은 고딕" panose="020B0503020000020004" pitchFamily="50" charset="-127"/>
+              </a:rPr>
+              <a:t> 처리 로직</a:t>
+            </a:r>
+            <a:endParaRPr lang="en-US" altLang="ko-KR" sz="1400" dirty="0">
+              <a:latin typeface="맑은 고딕" panose="020B0503020000020004" pitchFamily="50" charset="-127"/>
+              <a:ea typeface="맑은 고딕" panose="020B0503020000020004" pitchFamily="50" charset="-127"/>
+            </a:endParaRPr>
+          </a:p>
+          <a:p>
+            <a:endParaRPr lang="en-US" altLang="ko-KR" sz="1400" dirty="0">
+              <a:latin typeface="맑은 고딕" panose="020B0503020000020004" pitchFamily="50" charset="-127"/>
+              <a:ea typeface="맑은 고딕" panose="020B0503020000020004" pitchFamily="50" charset="-127"/>
+            </a:endParaRPr>
+          </a:p>
+          <a:p>
+            <a:endParaRPr lang="en-US" altLang="ko-KR" sz="1400" dirty="0">
+              <a:latin typeface="맑은 고딕" panose="020B0503020000020004" pitchFamily="50" charset="-127"/>
+              <a:ea typeface="맑은 고딕" panose="020B0503020000020004" pitchFamily="50" charset="-127"/>
+            </a:endParaRPr>
+          </a:p>
+          <a:p>
+            <a:endParaRPr lang="en-US" altLang="ko-KR" sz="1400" dirty="0">
+              <a:latin typeface="맑은 고딕" panose="020B0503020000020004" pitchFamily="50" charset="-127"/>
+              <a:ea typeface="맑은 고딕" panose="020B0503020000020004" pitchFamily="50" charset="-127"/>
+            </a:endParaRPr>
+          </a:p>
+          <a:p>
+            <a:endParaRPr lang="en-US" altLang="ko-KR" sz="1400" dirty="0">
+              <a:latin typeface="맑은 고딕" panose="020B0503020000020004" pitchFamily="50" charset="-127"/>
+              <a:ea typeface="맑은 고딕" panose="020B0503020000020004" pitchFamily="50" charset="-127"/>
+            </a:endParaRPr>
+          </a:p>
+          <a:p>
+            <a:endParaRPr lang="en-US" altLang="ko-KR" sz="1400" dirty="0">
+              <a:latin typeface="맑은 고딕" panose="020B0503020000020004" pitchFamily="50" charset="-127"/>
+              <a:ea typeface="맑은 고딕" panose="020B0503020000020004" pitchFamily="50" charset="-127"/>
+            </a:endParaRPr>
+          </a:p>
+          <a:p>
+            <a:endParaRPr lang="en-US" altLang="ko-KR" sz="1400" dirty="0">
+              <a:latin typeface="맑은 고딕" panose="020B0503020000020004" pitchFamily="50" charset="-127"/>
+              <a:ea typeface="맑은 고딕" panose="020B0503020000020004" pitchFamily="50" charset="-127"/>
+            </a:endParaRPr>
+          </a:p>
+          <a:p>
+            <a:endParaRPr lang="en-US" altLang="ko-KR" sz="1400" dirty="0">
+              <a:latin typeface="맑은 고딕" panose="020B0503020000020004" pitchFamily="50" charset="-127"/>
+              <a:ea typeface="맑은 고딕" panose="020B0503020000020004" pitchFamily="50" charset="-127"/>
+            </a:endParaRPr>
+          </a:p>
+          <a:p>
+            <a:endParaRPr lang="en-US" altLang="ko-KR" sz="1400" dirty="0">
+              <a:latin typeface="맑은 고딕" panose="020B0503020000020004" pitchFamily="50" charset="-127"/>
+              <a:ea typeface="맑은 고딕" panose="020B0503020000020004" pitchFamily="50" charset="-127"/>
+            </a:endParaRPr>
+          </a:p>
+          <a:p>
+            <a:endParaRPr lang="en-US" altLang="ko-KR" sz="1400" dirty="0">
+              <a:latin typeface="맑은 고딕" panose="020B0503020000020004" pitchFamily="50" charset="-127"/>
+              <a:ea typeface="맑은 고딕" panose="020B0503020000020004" pitchFamily="50" charset="-127"/>
+            </a:endParaRPr>
+          </a:p>
+          <a:p>
+            <a:endParaRPr lang="en-US" altLang="ko-KR" sz="1400" dirty="0">
+              <a:latin typeface="맑은 고딕" panose="020B0503020000020004" pitchFamily="50" charset="-127"/>
+              <a:ea typeface="맑은 고딕" panose="020B0503020000020004" pitchFamily="50" charset="-127"/>
+            </a:endParaRPr>
+          </a:p>
+        </p:txBody>
+      </p:sp>
+      <p:sp>
+        <p:nvSpPr>
+          <p:cNvPr id="8" name="직사각형 7">
+            <a:extLst>
+              <a:ext uri="{FF2B5EF4-FFF2-40B4-BE49-F238E27FC236}">
+                <a16:creationId xmlns:a16="http://schemas.microsoft.com/office/drawing/2014/main" id="{3C86F009-E273-5DE6-9F5B-0EC32AEB11C5}"/>
+              </a:ext>
+            </a:extLst>
+          </p:cNvPr>
+          <p:cNvSpPr/>
+          <p:nvPr/>
+        </p:nvSpPr>
+        <p:spPr>
+          <a:xfrm>
+            <a:off x="901674" y="1591056"/>
+            <a:ext cx="826542" cy="256032"/>
+          </a:xfrm>
+          <a:prstGeom prst="rect">
+            <a:avLst/>
+          </a:prstGeom>
+          <a:noFill/>
+          <a:ln w="28575">
+            <a:solidFill>
+              <a:srgbClr val="FF0000"/>
+            </a:solidFill>
+          </a:ln>
+        </p:spPr>
+        <p:style>
+          <a:lnRef idx="2">
+            <a:schemeClr val="accent1">
+              <a:shade val="15000"/>
+            </a:schemeClr>
+          </a:lnRef>
+          <a:fillRef idx="1">
+            <a:schemeClr val="accent1"/>
+          </a:fillRef>
+          <a:effectRef idx="0">
+            <a:schemeClr val="accent1"/>
+          </a:effectRef>
+          <a:fontRef idx="minor">
+            <a:schemeClr val="lt1"/>
+          </a:fontRef>
+        </p:style>
+        <p:txBody>
+          <a:bodyPr rtlCol="0" anchor="ctr"/>
+          <a:lstStyle/>
+          <a:p>
+            <a:pPr algn="ctr"/>
+            <a:endParaRPr lang="ko-KR" altLang="en-US"/>
+          </a:p>
+        </p:txBody>
+      </p:sp>
+      <p:sp>
+        <p:nvSpPr>
+          <p:cNvPr id="9" name="직사각형 8">
+            <a:extLst>
+              <a:ext uri="{FF2B5EF4-FFF2-40B4-BE49-F238E27FC236}">
+                <a16:creationId xmlns:a16="http://schemas.microsoft.com/office/drawing/2014/main" id="{0C1B4D04-6343-29FB-167C-CC274A1CA3B6}"/>
+              </a:ext>
+            </a:extLst>
+          </p:cNvPr>
+          <p:cNvSpPr/>
+          <p:nvPr/>
+        </p:nvSpPr>
+        <p:spPr>
+          <a:xfrm>
+            <a:off x="1218666" y="2002536"/>
+            <a:ext cx="5026686" cy="612647"/>
+          </a:xfrm>
+          <a:prstGeom prst="rect">
+            <a:avLst/>
+          </a:prstGeom>
+          <a:noFill/>
+          <a:ln w="28575">
+            <a:solidFill>
+              <a:srgbClr val="FF0000"/>
+            </a:solidFill>
+          </a:ln>
+        </p:spPr>
+        <p:style>
+          <a:lnRef idx="2">
+            <a:schemeClr val="accent1">
+              <a:shade val="15000"/>
+            </a:schemeClr>
+          </a:lnRef>
+          <a:fillRef idx="1">
+            <a:schemeClr val="accent1"/>
+          </a:fillRef>
+          <a:effectRef idx="0">
+            <a:schemeClr val="accent1"/>
+          </a:effectRef>
+          <a:fontRef idx="minor">
+            <a:schemeClr val="lt1"/>
+          </a:fontRef>
+        </p:style>
+        <p:txBody>
+          <a:bodyPr rtlCol="0" anchor="ctr"/>
+          <a:lstStyle/>
+          <a:p>
+            <a:pPr algn="ctr"/>
+            <a:endParaRPr lang="ko-KR" altLang="en-US"/>
+          </a:p>
+        </p:txBody>
+      </p:sp>
+    </p:spTree>
+    <p:extLst>
+      <p:ext uri="{BB962C8B-B14F-4D97-AF65-F5344CB8AC3E}">
+        <p14:creationId xmlns:p14="http://schemas.microsoft.com/office/powerpoint/2010/main" val="2467198641"/>
+      </p:ext>
+    </p:extLst>
+  </p:cSld>
+  <p:clrMapOvr>
+    <a:masterClrMapping/>
+  </p:clrMapOvr>
+</p:sld>
+</file>
+
+<file path=ppt/slides/slide84.xml><?xml version="1.0" encoding="utf-8"?>
+<p:sld xmlns:a="http://schemas.openxmlformats.org/drawingml/2006/main" xmlns:r="http://schemas.openxmlformats.org/officeDocument/2006/relationships" xmlns:p="http://schemas.openxmlformats.org/presentationml/2006/main">
+  <p:cSld>
+    <p:spTree>
+      <p:nvGrpSpPr>
+        <p:cNvPr id="1" name="">
+          <a:extLst>
+            <a:ext uri="{FF2B5EF4-FFF2-40B4-BE49-F238E27FC236}">
+              <a16:creationId xmlns:a16="http://schemas.microsoft.com/office/drawing/2014/main" id="{566747F1-B503-1D9F-A04A-F16D3DFC506E}"/>
+            </a:ext>
+          </a:extLst>
+        </p:cNvPr>
+        <p:cNvGrpSpPr/>
+        <p:nvPr/>
+      </p:nvGrpSpPr>
+      <p:grpSpPr>
+        <a:xfrm>
+          <a:off x="0" y="0"/>
+          <a:ext cx="0" cy="0"/>
+          <a:chOff x="0" y="0"/>
+          <a:chExt cx="0" cy="0"/>
+        </a:xfrm>
+      </p:grpSpPr>
+      <p:pic>
+        <p:nvPicPr>
+          <p:cNvPr id="9" name="그림 8">
+            <a:extLst>
+              <a:ext uri="{FF2B5EF4-FFF2-40B4-BE49-F238E27FC236}">
+                <a16:creationId xmlns:a16="http://schemas.microsoft.com/office/drawing/2014/main" id="{29B65F3F-0337-D960-7961-9754E556C35A}"/>
+              </a:ext>
+            </a:extLst>
+          </p:cNvPr>
+          <p:cNvPicPr>
+            <a:picLocks noChangeAspect="1"/>
+          </p:cNvPicPr>
+          <p:nvPr/>
+        </p:nvPicPr>
+        <p:blipFill>
+          <a:blip r:embed="rId2"/>
+          <a:stretch>
+            <a:fillRect/>
+          </a:stretch>
+        </p:blipFill>
+        <p:spPr>
+          <a:xfrm>
+            <a:off x="304279" y="1063416"/>
+            <a:ext cx="7468642" cy="3124636"/>
+          </a:xfrm>
+          <a:prstGeom prst="rect">
+            <a:avLst/>
+          </a:prstGeom>
+        </p:spPr>
+      </p:pic>
+      <p:sp>
+        <p:nvSpPr>
+          <p:cNvPr id="2" name="슬라이드 번호 개체 틀 1">
+            <a:extLst>
+              <a:ext uri="{FF2B5EF4-FFF2-40B4-BE49-F238E27FC236}">
+                <a16:creationId xmlns:a16="http://schemas.microsoft.com/office/drawing/2014/main" id="{B2D4F02A-5E8F-B159-9DD3-E1B20B1785E8}"/>
+              </a:ext>
+            </a:extLst>
+          </p:cNvPr>
+          <p:cNvSpPr>
+            <a:spLocks noGrp="1"/>
+          </p:cNvSpPr>
+          <p:nvPr>
+            <p:ph type="sldNum" sz="quarter" idx="12"/>
+          </p:nvPr>
+        </p:nvSpPr>
+        <p:spPr/>
+        <p:txBody>
+          <a:bodyPr/>
+          <a:lstStyle/>
+          <a:p>
+            <a:fld id="{D57F1E4F-1CFF-5643-939E-02111984F565}" type="slidenum">
+              <a:rPr lang="en-US" smtClean="0"/>
+              <a:t>83</a:t>
+            </a:fld>
+            <a:endParaRPr lang="en-US" dirty="0"/>
+          </a:p>
+        </p:txBody>
+      </p:sp>
+      <p:sp>
+        <p:nvSpPr>
+          <p:cNvPr id="3" name="TextBox 2">
+            <a:extLst>
+              <a:ext uri="{FF2B5EF4-FFF2-40B4-BE49-F238E27FC236}">
+                <a16:creationId xmlns:a16="http://schemas.microsoft.com/office/drawing/2014/main" id="{22DE4CED-55E9-0223-DADB-5F8AC794B35E}"/>
+              </a:ext>
+            </a:extLst>
+          </p:cNvPr>
+          <p:cNvSpPr txBox="1"/>
+          <p:nvPr/>
+        </p:nvSpPr>
+        <p:spPr>
+          <a:xfrm>
+            <a:off x="100584" y="82296"/>
+            <a:ext cx="10251956" cy="369332"/>
+          </a:xfrm>
+          <a:prstGeom prst="rect">
+            <a:avLst/>
+          </a:prstGeom>
+          <a:noFill/>
+        </p:spPr>
+        <p:txBody>
+          <a:bodyPr wrap="square" rtlCol="0">
+            <a:spAutoFit/>
+          </a:bodyPr>
+          <a:lstStyle/>
+          <a:p>
+            <a:r>
+              <a:rPr lang="en-US" altLang="ko-KR" dirty="0"/>
+              <a:t>8. Kafka</a:t>
+            </a:r>
+            <a:r>
+              <a:rPr lang="ko-KR" altLang="en-US" dirty="0"/>
+              <a:t> 연동</a:t>
+            </a:r>
+          </a:p>
+        </p:txBody>
+      </p:sp>
+      <p:sp>
+        <p:nvSpPr>
+          <p:cNvPr id="4" name="TextBox 3">
+            <a:extLst>
+              <a:ext uri="{FF2B5EF4-FFF2-40B4-BE49-F238E27FC236}">
+                <a16:creationId xmlns:a16="http://schemas.microsoft.com/office/drawing/2014/main" id="{FDB877CE-B96E-2F0F-B461-DE8488F5CC27}"/>
+              </a:ext>
+            </a:extLst>
+          </p:cNvPr>
+          <p:cNvSpPr txBox="1"/>
+          <p:nvPr/>
+        </p:nvSpPr>
+        <p:spPr>
+          <a:xfrm>
+            <a:off x="521208" y="565064"/>
+            <a:ext cx="9573768" cy="323165"/>
+          </a:xfrm>
+          <a:prstGeom prst="rect">
+            <a:avLst/>
+          </a:prstGeom>
+          <a:noFill/>
+        </p:spPr>
+        <p:txBody>
+          <a:bodyPr wrap="square" rtlCol="0">
+            <a:spAutoFit/>
+          </a:bodyPr>
+          <a:lstStyle/>
+          <a:p>
+            <a:r>
+              <a:rPr lang="ko-KR" altLang="en-US" sz="1500" dirty="0"/>
+              <a:t>체크 포인트 </a:t>
+            </a:r>
+            <a:r>
+              <a:rPr lang="en-US" altLang="ko-KR" sz="1500" dirty="0"/>
+              <a:t>: </a:t>
+            </a:r>
+            <a:r>
+              <a:rPr lang="en-US" altLang="ko-KR" sz="1500" dirty="0" err="1"/>
+              <a:t>application.yml</a:t>
+            </a:r>
+            <a:r>
+              <a:rPr lang="en-US" altLang="ko-KR" sz="1500" dirty="0"/>
+              <a:t> </a:t>
+            </a:r>
+            <a:endParaRPr lang="ko-KR" altLang="en-US" sz="1500" b="1" dirty="0">
+              <a:solidFill>
+                <a:srgbClr val="FF0000"/>
+              </a:solidFill>
+            </a:endParaRPr>
+          </a:p>
+        </p:txBody>
+      </p:sp>
+      <p:sp>
+        <p:nvSpPr>
+          <p:cNvPr id="7" name="직사각형 6">
+            <a:extLst>
+              <a:ext uri="{FF2B5EF4-FFF2-40B4-BE49-F238E27FC236}">
+                <a16:creationId xmlns:a16="http://schemas.microsoft.com/office/drawing/2014/main" id="{BD6A5888-3D7D-718C-896C-1A31AC6A2546}"/>
+              </a:ext>
+            </a:extLst>
+          </p:cNvPr>
+          <p:cNvSpPr/>
+          <p:nvPr/>
+        </p:nvSpPr>
+        <p:spPr>
+          <a:xfrm>
+            <a:off x="2592065" y="2380852"/>
+            <a:ext cx="1294135" cy="243476"/>
+          </a:xfrm>
+          <a:prstGeom prst="rect">
+            <a:avLst/>
+          </a:prstGeom>
+          <a:noFill/>
+          <a:ln w="28575">
+            <a:solidFill>
+              <a:srgbClr val="FF0000"/>
+            </a:solidFill>
+          </a:ln>
+        </p:spPr>
+        <p:style>
+          <a:lnRef idx="2">
+            <a:schemeClr val="accent1">
+              <a:shade val="15000"/>
+            </a:schemeClr>
+          </a:lnRef>
+          <a:fillRef idx="1">
+            <a:schemeClr val="accent1"/>
+          </a:fillRef>
+          <a:effectRef idx="0">
+            <a:schemeClr val="accent1"/>
+          </a:effectRef>
+          <a:fontRef idx="minor">
+            <a:schemeClr val="lt1"/>
+          </a:fontRef>
+        </p:style>
+        <p:txBody>
+          <a:bodyPr rtlCol="0" anchor="ctr"/>
+          <a:lstStyle/>
+          <a:p>
+            <a:pPr algn="ctr"/>
+            <a:endParaRPr lang="ko-KR" altLang="en-US"/>
+          </a:p>
+        </p:txBody>
+      </p:sp>
+      <p:sp>
+        <p:nvSpPr>
+          <p:cNvPr id="8" name="TextBox 7">
+            <a:extLst>
+              <a:ext uri="{FF2B5EF4-FFF2-40B4-BE49-F238E27FC236}">
+                <a16:creationId xmlns:a16="http://schemas.microsoft.com/office/drawing/2014/main" id="{68C2A343-3272-03D3-4A9B-A477A5AB90EA}"/>
+              </a:ext>
+            </a:extLst>
+          </p:cNvPr>
+          <p:cNvSpPr txBox="1"/>
+          <p:nvPr/>
+        </p:nvSpPr>
+        <p:spPr>
+          <a:xfrm>
+            <a:off x="7839519" y="2240807"/>
+            <a:ext cx="4267137" cy="2031325"/>
+          </a:xfrm>
+          <a:prstGeom prst="rect">
+            <a:avLst/>
+          </a:prstGeom>
+          <a:noFill/>
+        </p:spPr>
+        <p:txBody>
+          <a:bodyPr wrap="square" rtlCol="0">
+            <a:spAutoFit/>
+          </a:bodyPr>
+          <a:lstStyle/>
+          <a:p>
+            <a:r>
+              <a:rPr lang="en-US" altLang="ko-KR" sz="1400" b="1" dirty="0">
+                <a:solidFill>
+                  <a:srgbClr val="FF0000"/>
+                </a:solidFill>
+                <a:latin typeface="바탕체" panose="02030609000101010101" pitchFamily="17" charset="-127"/>
+                <a:ea typeface="바탕체" panose="02030609000101010101" pitchFamily="17" charset="-127"/>
+              </a:rPr>
+              <a:t>※</a:t>
+            </a:r>
+            <a:r>
+              <a:rPr lang="en-US" altLang="ko-KR" sz="1400" dirty="0">
+                <a:latin typeface="맑은 고딕" panose="020B0503020000020004" pitchFamily="50" charset="-127"/>
+                <a:ea typeface="맑은 고딕" panose="020B0503020000020004" pitchFamily="50" charset="-127"/>
+              </a:rPr>
+              <a:t> </a:t>
+            </a:r>
+            <a:r>
+              <a:rPr lang="en-US" altLang="ko-KR" sz="1400" dirty="0" err="1">
+                <a:latin typeface="맑은 고딕" panose="020B0503020000020004" pitchFamily="50" charset="-127"/>
+                <a:ea typeface="맑은 고딕" panose="020B0503020000020004" pitchFamily="50" charset="-127"/>
+              </a:rPr>
+              <a:t>kafka</a:t>
+            </a:r>
+            <a:r>
+              <a:rPr lang="ko-KR" altLang="en-US" sz="1400" dirty="0">
+                <a:latin typeface="맑은 고딕" panose="020B0503020000020004" pitchFamily="50" charset="-127"/>
+                <a:ea typeface="맑은 고딕" panose="020B0503020000020004" pitchFamily="50" charset="-127"/>
+              </a:rPr>
+              <a:t>와 </a:t>
+            </a:r>
+            <a:r>
+              <a:rPr lang="en-US" altLang="ko-KR" sz="1400" dirty="0">
+                <a:latin typeface="맑은 고딕" panose="020B0503020000020004" pitchFamily="50" charset="-127"/>
+                <a:ea typeface="맑은 고딕" panose="020B0503020000020004" pitchFamily="50" charset="-127"/>
+              </a:rPr>
+              <a:t>Zookeeper</a:t>
+            </a:r>
+            <a:r>
+              <a:rPr lang="ko-KR" altLang="en-US" sz="1400" dirty="0">
+                <a:latin typeface="맑은 고딕" panose="020B0503020000020004" pitchFamily="50" charset="-127"/>
+                <a:ea typeface="맑은 고딕" panose="020B0503020000020004" pitchFamily="50" charset="-127"/>
+              </a:rPr>
+              <a:t> 컨테이너의 서비스 포트 번호</a:t>
+            </a:r>
+            <a:endParaRPr lang="en-US" altLang="ko-KR" sz="1400" dirty="0">
+              <a:latin typeface="맑은 고딕" panose="020B0503020000020004" pitchFamily="50" charset="-127"/>
+              <a:ea typeface="맑은 고딕" panose="020B0503020000020004" pitchFamily="50" charset="-127"/>
+            </a:endParaRPr>
+          </a:p>
+          <a:p>
+            <a:endParaRPr lang="en-US" altLang="ko-KR" sz="1400" b="1" dirty="0">
+              <a:solidFill>
+                <a:srgbClr val="FF0000"/>
+              </a:solidFill>
+              <a:latin typeface="바탕체" panose="02030609000101010101" pitchFamily="17" charset="-127"/>
+              <a:ea typeface="바탕체" panose="02030609000101010101" pitchFamily="17" charset="-127"/>
+            </a:endParaRPr>
+          </a:p>
+          <a:p>
+            <a:r>
+              <a:rPr lang="en-US" altLang="ko-KR" sz="1400" b="1" dirty="0">
+                <a:solidFill>
+                  <a:srgbClr val="FF0000"/>
+                </a:solidFill>
+                <a:latin typeface="바탕체" panose="02030609000101010101" pitchFamily="17" charset="-127"/>
+                <a:ea typeface="바탕체" panose="02030609000101010101" pitchFamily="17" charset="-127"/>
+              </a:rPr>
+              <a:t>※</a:t>
+            </a:r>
+            <a:r>
+              <a:rPr lang="en-US" altLang="ko-KR" sz="1400" dirty="0">
+                <a:latin typeface="맑은 고딕" panose="020B0503020000020004" pitchFamily="50" charset="-127"/>
+                <a:ea typeface="맑은 고딕" panose="020B0503020000020004" pitchFamily="50" charset="-127"/>
+              </a:rPr>
+              <a:t> </a:t>
+            </a:r>
+            <a:r>
+              <a:rPr lang="en-US" altLang="ko-KR" sz="1400" dirty="0" err="1">
+                <a:latin typeface="맑은 고딕" panose="020B0503020000020004" pitchFamily="50" charset="-127"/>
+                <a:ea typeface="맑은 고딕" panose="020B0503020000020004" pitchFamily="50" charset="-127"/>
+              </a:rPr>
+              <a:t>kafka</a:t>
+            </a:r>
+            <a:r>
+              <a:rPr lang="ko-KR" altLang="en-US" sz="1400" dirty="0">
+                <a:latin typeface="맑은 고딕" panose="020B0503020000020004" pitchFamily="50" charset="-127"/>
+                <a:ea typeface="맑은 고딕" panose="020B0503020000020004" pitchFamily="50" charset="-127"/>
+              </a:rPr>
+              <a:t> </a:t>
+            </a:r>
+            <a:r>
+              <a:rPr lang="en-US" altLang="ko-KR" sz="1400" dirty="0">
+                <a:latin typeface="맑은 고딕" panose="020B0503020000020004" pitchFamily="50" charset="-127"/>
+                <a:ea typeface="맑은 고딕" panose="020B0503020000020004" pitchFamily="50" charset="-127"/>
+              </a:rPr>
+              <a:t>Consumer</a:t>
+            </a:r>
+            <a:r>
+              <a:rPr lang="ko-KR" altLang="en-US" sz="1400" dirty="0">
+                <a:latin typeface="맑은 고딕" panose="020B0503020000020004" pitchFamily="50" charset="-127"/>
+                <a:ea typeface="맑은 고딕" panose="020B0503020000020004" pitchFamily="50" charset="-127"/>
+              </a:rPr>
+              <a:t>의 </a:t>
+            </a:r>
+            <a:r>
+              <a:rPr lang="en-US" altLang="ko-KR" sz="1400" dirty="0">
+                <a:latin typeface="맑은 고딕" panose="020B0503020000020004" pitchFamily="50" charset="-127"/>
+                <a:ea typeface="맑은 고딕" panose="020B0503020000020004" pitchFamily="50" charset="-127"/>
+              </a:rPr>
+              <a:t>Listener</a:t>
+            </a:r>
+            <a:r>
+              <a:rPr lang="ko-KR" altLang="en-US" sz="1400" dirty="0">
+                <a:latin typeface="맑은 고딕" panose="020B0503020000020004" pitchFamily="50" charset="-127"/>
+                <a:ea typeface="맑은 고딕" panose="020B0503020000020004" pitchFamily="50" charset="-127"/>
+              </a:rPr>
+              <a:t>가 사용할 </a:t>
+            </a:r>
+            <a:r>
+              <a:rPr lang="en-US" altLang="ko-KR" sz="1400" dirty="0">
+                <a:latin typeface="맑은 고딕" panose="020B0503020000020004" pitchFamily="50" charset="-127"/>
+                <a:ea typeface="맑은 고딕" panose="020B0503020000020004" pitchFamily="50" charset="-127"/>
+              </a:rPr>
+              <a:t>group id</a:t>
+            </a:r>
+          </a:p>
+          <a:p>
+            <a:endParaRPr lang="en-US" altLang="ko-KR" sz="1400" dirty="0">
+              <a:latin typeface="맑은 고딕" panose="020B0503020000020004" pitchFamily="50" charset="-127"/>
+              <a:ea typeface="맑은 고딕" panose="020B0503020000020004" pitchFamily="50" charset="-127"/>
+            </a:endParaRPr>
+          </a:p>
+          <a:p>
+            <a:endParaRPr lang="en-US" altLang="ko-KR" sz="1400" dirty="0">
+              <a:latin typeface="맑은 고딕" panose="020B0503020000020004" pitchFamily="50" charset="-127"/>
+              <a:ea typeface="맑은 고딕" panose="020B0503020000020004" pitchFamily="50" charset="-127"/>
+            </a:endParaRPr>
+          </a:p>
+          <a:p>
+            <a:endParaRPr lang="en-US" altLang="ko-KR" sz="1400" dirty="0">
+              <a:latin typeface="맑은 고딕" panose="020B0503020000020004" pitchFamily="50" charset="-127"/>
+              <a:ea typeface="맑은 고딕" panose="020B0503020000020004" pitchFamily="50" charset="-127"/>
+            </a:endParaRPr>
+          </a:p>
+          <a:p>
+            <a:endParaRPr lang="en-US" altLang="ko-KR" sz="1400" dirty="0">
+              <a:latin typeface="맑은 고딕" panose="020B0503020000020004" pitchFamily="50" charset="-127"/>
+              <a:ea typeface="맑은 고딕" panose="020B0503020000020004" pitchFamily="50" charset="-127"/>
+            </a:endParaRPr>
+          </a:p>
+          <a:p>
+            <a:endParaRPr lang="en-US" altLang="ko-KR" sz="1400" dirty="0">
+              <a:latin typeface="맑은 고딕" panose="020B0503020000020004" pitchFamily="50" charset="-127"/>
+              <a:ea typeface="맑은 고딕" panose="020B0503020000020004" pitchFamily="50" charset="-127"/>
+            </a:endParaRPr>
+          </a:p>
+        </p:txBody>
+      </p:sp>
+      <p:sp>
+        <p:nvSpPr>
+          <p:cNvPr id="10" name="직사각형 9">
+            <a:extLst>
+              <a:ext uri="{FF2B5EF4-FFF2-40B4-BE49-F238E27FC236}">
+                <a16:creationId xmlns:a16="http://schemas.microsoft.com/office/drawing/2014/main" id="{3B96FD66-7254-0438-FC25-4B1B8811B43F}"/>
+              </a:ext>
+            </a:extLst>
+          </p:cNvPr>
+          <p:cNvSpPr/>
+          <p:nvPr/>
+        </p:nvSpPr>
+        <p:spPr>
+          <a:xfrm>
+            <a:off x="1144265" y="2780140"/>
+            <a:ext cx="1699519" cy="243476"/>
+          </a:xfrm>
+          <a:prstGeom prst="rect">
+            <a:avLst/>
+          </a:prstGeom>
+          <a:noFill/>
+          <a:ln w="28575">
+            <a:solidFill>
+              <a:srgbClr val="FF0000"/>
+            </a:solidFill>
+          </a:ln>
+        </p:spPr>
+        <p:style>
+          <a:lnRef idx="2">
+            <a:schemeClr val="accent1">
+              <a:shade val="15000"/>
+            </a:schemeClr>
+          </a:lnRef>
+          <a:fillRef idx="1">
+            <a:schemeClr val="accent1"/>
+          </a:fillRef>
+          <a:effectRef idx="0">
+            <a:schemeClr val="accent1"/>
+          </a:effectRef>
+          <a:fontRef idx="minor">
+            <a:schemeClr val="lt1"/>
+          </a:fontRef>
+        </p:style>
+        <p:txBody>
+          <a:bodyPr rtlCol="0" anchor="ctr"/>
+          <a:lstStyle/>
+          <a:p>
+            <a:pPr algn="ctr"/>
+            <a:endParaRPr lang="ko-KR" altLang="en-US"/>
+          </a:p>
+        </p:txBody>
+      </p:sp>
+    </p:spTree>
+    <p:extLst>
+      <p:ext uri="{BB962C8B-B14F-4D97-AF65-F5344CB8AC3E}">
+        <p14:creationId xmlns:p14="http://schemas.microsoft.com/office/powerpoint/2010/main" val="3051822802"/>
+      </p:ext>
+    </p:extLst>
+  </p:cSld>
+  <p:clrMapOvr>
+    <a:masterClrMapping/>
+  </p:clrMapOvr>
+</p:sld>
+</file>
+
+<file path=ppt/slides/slide85.xml><?xml version="1.0" encoding="utf-8"?>
+<p:sld xmlns:a="http://schemas.openxmlformats.org/drawingml/2006/main" xmlns:r="http://schemas.openxmlformats.org/officeDocument/2006/relationships" xmlns:p="http://schemas.openxmlformats.org/presentationml/2006/main">
+  <p:cSld>
+    <p:spTree>
+      <p:nvGrpSpPr>
+        <p:cNvPr id="1" name="">
+          <a:extLst>
+            <a:ext uri="{FF2B5EF4-FFF2-40B4-BE49-F238E27FC236}">
+              <a16:creationId xmlns:a16="http://schemas.microsoft.com/office/drawing/2014/main" id="{A4075768-6A23-1249-CC0A-9FD33A3E0961}"/>
+            </a:ext>
+          </a:extLst>
+        </p:cNvPr>
+        <p:cNvGrpSpPr/>
+        <p:nvPr/>
+      </p:nvGrpSpPr>
+      <p:grpSpPr>
+        <a:xfrm>
+          <a:off x="0" y="0"/>
+          <a:ext cx="0" cy="0"/>
+          <a:chOff x="0" y="0"/>
+          <a:chExt cx="0" cy="0"/>
+        </a:xfrm>
+      </p:grpSpPr>
+      <p:pic>
+        <p:nvPicPr>
+          <p:cNvPr id="7" name="그림 6">
+            <a:extLst>
+              <a:ext uri="{FF2B5EF4-FFF2-40B4-BE49-F238E27FC236}">
+                <a16:creationId xmlns:a16="http://schemas.microsoft.com/office/drawing/2014/main" id="{E7BBE75B-F69D-B50B-75E2-19077F25F45A}"/>
+              </a:ext>
+            </a:extLst>
+          </p:cNvPr>
+          <p:cNvPicPr>
+            <a:picLocks noChangeAspect="1"/>
+          </p:cNvPicPr>
+          <p:nvPr/>
+        </p:nvPicPr>
+        <p:blipFill>
+          <a:blip r:embed="rId2"/>
+          <a:stretch>
+            <a:fillRect/>
+          </a:stretch>
+        </p:blipFill>
+        <p:spPr>
+          <a:xfrm>
+            <a:off x="821436" y="1346452"/>
+            <a:ext cx="5744377" cy="809738"/>
+          </a:xfrm>
+          <a:prstGeom prst="rect">
+            <a:avLst/>
+          </a:prstGeom>
+        </p:spPr>
+      </p:pic>
+      <p:pic>
+        <p:nvPicPr>
+          <p:cNvPr id="13" name="그림 12">
+            <a:extLst>
+              <a:ext uri="{FF2B5EF4-FFF2-40B4-BE49-F238E27FC236}">
+                <a16:creationId xmlns:a16="http://schemas.microsoft.com/office/drawing/2014/main" id="{14776893-0985-1EDB-4668-804C09AE40C6}"/>
+              </a:ext>
+            </a:extLst>
+          </p:cNvPr>
+          <p:cNvPicPr>
+            <a:picLocks noChangeAspect="1"/>
+          </p:cNvPicPr>
+          <p:nvPr/>
+        </p:nvPicPr>
+        <p:blipFill>
+          <a:blip r:embed="rId3"/>
+          <a:stretch>
+            <a:fillRect/>
+          </a:stretch>
+        </p:blipFill>
+        <p:spPr>
+          <a:xfrm>
+            <a:off x="773804" y="2406057"/>
+            <a:ext cx="5839640" cy="790685"/>
+          </a:xfrm>
+          <a:prstGeom prst="rect">
+            <a:avLst/>
+          </a:prstGeom>
+        </p:spPr>
+      </p:pic>
+      <p:sp>
+        <p:nvSpPr>
+          <p:cNvPr id="2" name="슬라이드 번호 개체 틀 1">
+            <a:extLst>
+              <a:ext uri="{FF2B5EF4-FFF2-40B4-BE49-F238E27FC236}">
+                <a16:creationId xmlns:a16="http://schemas.microsoft.com/office/drawing/2014/main" id="{C0670A8C-6CBE-63F6-6B27-F8C5704F6998}"/>
+              </a:ext>
+            </a:extLst>
+          </p:cNvPr>
+          <p:cNvSpPr>
+            <a:spLocks noGrp="1"/>
+          </p:cNvSpPr>
+          <p:nvPr>
+            <p:ph type="sldNum" sz="quarter" idx="12"/>
+          </p:nvPr>
+        </p:nvSpPr>
+        <p:spPr/>
+        <p:txBody>
+          <a:bodyPr/>
+          <a:lstStyle/>
+          <a:p>
+            <a:fld id="{D57F1E4F-1CFF-5643-939E-02111984F565}" type="slidenum">
+              <a:rPr lang="en-US" smtClean="0"/>
+              <a:t>84</a:t>
+            </a:fld>
+            <a:endParaRPr lang="en-US" dirty="0"/>
+          </a:p>
+        </p:txBody>
+      </p:sp>
+      <p:sp>
+        <p:nvSpPr>
+          <p:cNvPr id="3" name="TextBox 2">
+            <a:extLst>
+              <a:ext uri="{FF2B5EF4-FFF2-40B4-BE49-F238E27FC236}">
+                <a16:creationId xmlns:a16="http://schemas.microsoft.com/office/drawing/2014/main" id="{0EBCDB8F-7B98-A40A-A4F8-9B8CB23C8678}"/>
+              </a:ext>
+            </a:extLst>
+          </p:cNvPr>
+          <p:cNvSpPr txBox="1"/>
+          <p:nvPr/>
+        </p:nvSpPr>
+        <p:spPr>
+          <a:xfrm>
+            <a:off x="100584" y="82296"/>
+            <a:ext cx="10251956" cy="369332"/>
+          </a:xfrm>
+          <a:prstGeom prst="rect">
+            <a:avLst/>
+          </a:prstGeom>
+          <a:noFill/>
+        </p:spPr>
+        <p:txBody>
+          <a:bodyPr wrap="square" rtlCol="0">
+            <a:spAutoFit/>
+          </a:bodyPr>
+          <a:lstStyle/>
+          <a:p>
+            <a:r>
+              <a:rPr lang="en-US" altLang="ko-KR" dirty="0"/>
+              <a:t>8. Kafka</a:t>
+            </a:r>
+            <a:r>
+              <a:rPr lang="ko-KR" altLang="en-US" dirty="0"/>
+              <a:t> 연동</a:t>
+            </a:r>
+          </a:p>
+        </p:txBody>
+      </p:sp>
+      <p:sp>
+        <p:nvSpPr>
+          <p:cNvPr id="5" name="TextBox 4">
+            <a:extLst>
+              <a:ext uri="{FF2B5EF4-FFF2-40B4-BE49-F238E27FC236}">
+                <a16:creationId xmlns:a16="http://schemas.microsoft.com/office/drawing/2014/main" id="{22423B28-F2CE-89DE-0C69-C1563A5C3556}"/>
+              </a:ext>
+            </a:extLst>
+          </p:cNvPr>
+          <p:cNvSpPr txBox="1"/>
+          <p:nvPr/>
+        </p:nvSpPr>
+        <p:spPr>
+          <a:xfrm>
+            <a:off x="521208" y="565064"/>
+            <a:ext cx="9573768" cy="323165"/>
+          </a:xfrm>
+          <a:prstGeom prst="rect">
+            <a:avLst/>
+          </a:prstGeom>
+          <a:noFill/>
+        </p:spPr>
+        <p:txBody>
+          <a:bodyPr wrap="square" rtlCol="0">
+            <a:spAutoFit/>
+          </a:bodyPr>
+          <a:lstStyle/>
+          <a:p>
+            <a:r>
+              <a:rPr lang="ko-KR" altLang="en-US" sz="1500" dirty="0"/>
+              <a:t>체크 포인트 </a:t>
+            </a:r>
+            <a:r>
+              <a:rPr lang="en-US" altLang="ko-KR" sz="1500" dirty="0"/>
+              <a:t>: pom.xml</a:t>
+            </a:r>
+            <a:endParaRPr lang="ko-KR" altLang="en-US" sz="1500" b="1" dirty="0">
+              <a:solidFill>
+                <a:srgbClr val="FF0000"/>
+              </a:solidFill>
+            </a:endParaRPr>
+          </a:p>
+        </p:txBody>
+      </p:sp>
+      <p:sp>
+        <p:nvSpPr>
+          <p:cNvPr id="6" name="TextBox 5">
+            <a:extLst>
+              <a:ext uri="{FF2B5EF4-FFF2-40B4-BE49-F238E27FC236}">
+                <a16:creationId xmlns:a16="http://schemas.microsoft.com/office/drawing/2014/main" id="{07E86A6B-7318-642F-7373-AB66054E70C5}"/>
+              </a:ext>
+            </a:extLst>
+          </p:cNvPr>
+          <p:cNvSpPr txBox="1"/>
+          <p:nvPr/>
+        </p:nvSpPr>
+        <p:spPr>
+          <a:xfrm>
+            <a:off x="7400747" y="1367425"/>
+            <a:ext cx="3992677" cy="1600438"/>
+          </a:xfrm>
+          <a:prstGeom prst="rect">
+            <a:avLst/>
+          </a:prstGeom>
+          <a:noFill/>
+        </p:spPr>
+        <p:txBody>
+          <a:bodyPr wrap="square" rtlCol="0">
+            <a:spAutoFit/>
+          </a:bodyPr>
+          <a:lstStyle/>
+          <a:p>
+            <a:r>
+              <a:rPr lang="en-US" altLang="ko-KR" sz="1400" b="1" dirty="0">
+                <a:solidFill>
+                  <a:srgbClr val="FF0000"/>
+                </a:solidFill>
+                <a:latin typeface="바탕체" panose="02030609000101010101" pitchFamily="17" charset="-127"/>
+                <a:ea typeface="바탕체" panose="02030609000101010101" pitchFamily="17" charset="-127"/>
+              </a:rPr>
+              <a:t>※</a:t>
+            </a:r>
+            <a:r>
+              <a:rPr lang="en-US" altLang="ko-KR" sz="1400" dirty="0">
+                <a:latin typeface="맑은 고딕" panose="020B0503020000020004" pitchFamily="50" charset="-127"/>
+                <a:ea typeface="맑은 고딕" panose="020B0503020000020004" pitchFamily="50" charset="-127"/>
+              </a:rPr>
+              <a:t> Spring</a:t>
+            </a:r>
+            <a:r>
+              <a:rPr lang="ko-KR" altLang="en-US" sz="1400" dirty="0">
+                <a:latin typeface="맑은 고딕" panose="020B0503020000020004" pitchFamily="50" charset="-127"/>
+                <a:ea typeface="맑은 고딕" panose="020B0503020000020004" pitchFamily="50" charset="-127"/>
+              </a:rPr>
+              <a:t> </a:t>
+            </a:r>
+            <a:r>
+              <a:rPr lang="en-US" altLang="ko-KR" sz="1400" dirty="0">
+                <a:latin typeface="맑은 고딕" panose="020B0503020000020004" pitchFamily="50" charset="-127"/>
+                <a:ea typeface="맑은 고딕" panose="020B0503020000020004" pitchFamily="50" charset="-127"/>
+              </a:rPr>
+              <a:t>Boot</a:t>
+            </a:r>
+            <a:r>
+              <a:rPr lang="ko-KR" altLang="en-US" sz="1400" dirty="0">
+                <a:latin typeface="맑은 고딕" panose="020B0503020000020004" pitchFamily="50" charset="-127"/>
+                <a:ea typeface="맑은 고딕" panose="020B0503020000020004" pitchFamily="50" charset="-127"/>
+              </a:rPr>
+              <a:t> </a:t>
+            </a:r>
+            <a:r>
+              <a:rPr lang="en-US" altLang="ko-KR" sz="1400" dirty="0">
+                <a:latin typeface="맑은 고딕" panose="020B0503020000020004" pitchFamily="50" charset="-127"/>
+                <a:ea typeface="맑은 고딕" panose="020B0503020000020004" pitchFamily="50" charset="-127"/>
+              </a:rPr>
+              <a:t>dependency</a:t>
+            </a:r>
+          </a:p>
+          <a:p>
+            <a:endParaRPr lang="en-US" altLang="ko-KR" sz="1400" dirty="0">
+              <a:latin typeface="맑은 고딕" panose="020B0503020000020004" pitchFamily="50" charset="-127"/>
+              <a:ea typeface="맑은 고딕" panose="020B0503020000020004" pitchFamily="50" charset="-127"/>
+            </a:endParaRPr>
+          </a:p>
+          <a:p>
+            <a:endParaRPr lang="en-US" altLang="ko-KR" sz="1400" dirty="0">
+              <a:latin typeface="맑은 고딕" panose="020B0503020000020004" pitchFamily="50" charset="-127"/>
+              <a:ea typeface="맑은 고딕" panose="020B0503020000020004" pitchFamily="50" charset="-127"/>
+            </a:endParaRPr>
+          </a:p>
+          <a:p>
+            <a:endParaRPr lang="en-US" altLang="ko-KR" sz="1400" dirty="0">
+              <a:latin typeface="맑은 고딕" panose="020B0503020000020004" pitchFamily="50" charset="-127"/>
+              <a:ea typeface="맑은 고딕" panose="020B0503020000020004" pitchFamily="50" charset="-127"/>
+            </a:endParaRPr>
+          </a:p>
+          <a:p>
+            <a:endParaRPr lang="en-US" altLang="ko-KR" sz="1400" dirty="0">
+              <a:latin typeface="맑은 고딕" panose="020B0503020000020004" pitchFamily="50" charset="-127"/>
+              <a:ea typeface="맑은 고딕" panose="020B0503020000020004" pitchFamily="50" charset="-127"/>
+            </a:endParaRPr>
+          </a:p>
+          <a:p>
+            <a:r>
+              <a:rPr lang="en-US" altLang="ko-KR" sz="1400" b="1" dirty="0">
+                <a:solidFill>
+                  <a:srgbClr val="FF0000"/>
+                </a:solidFill>
+                <a:latin typeface="바탕체" panose="02030609000101010101" pitchFamily="17" charset="-127"/>
+                <a:ea typeface="바탕체" panose="02030609000101010101" pitchFamily="17" charset="-127"/>
+              </a:rPr>
+              <a:t>※</a:t>
+            </a:r>
+            <a:r>
+              <a:rPr lang="en-US" altLang="ko-KR" sz="1400" dirty="0">
+                <a:latin typeface="맑은 고딕" panose="020B0503020000020004" pitchFamily="50" charset="-127"/>
+                <a:ea typeface="맑은 고딕" panose="020B0503020000020004" pitchFamily="50" charset="-127"/>
+              </a:rPr>
+              <a:t> Kafka dependency</a:t>
+            </a:r>
+          </a:p>
+          <a:p>
+            <a:endParaRPr lang="en-US" altLang="ko-KR" sz="1400" dirty="0">
+              <a:latin typeface="맑은 고딕" panose="020B0503020000020004" pitchFamily="50" charset="-127"/>
+              <a:ea typeface="맑은 고딕" panose="020B0503020000020004" pitchFamily="50" charset="-127"/>
+            </a:endParaRPr>
+          </a:p>
+        </p:txBody>
+      </p:sp>
+      <p:sp>
+        <p:nvSpPr>
+          <p:cNvPr id="9" name="직사각형 8">
+            <a:extLst>
+              <a:ext uri="{FF2B5EF4-FFF2-40B4-BE49-F238E27FC236}">
+                <a16:creationId xmlns:a16="http://schemas.microsoft.com/office/drawing/2014/main" id="{2800EA1E-0C3A-4315-513A-877559EEF2B7}"/>
+              </a:ext>
+            </a:extLst>
+          </p:cNvPr>
+          <p:cNvSpPr/>
+          <p:nvPr/>
+        </p:nvSpPr>
+        <p:spPr>
+          <a:xfrm>
+            <a:off x="1673568" y="1253218"/>
+            <a:ext cx="4983626" cy="996206"/>
+          </a:xfrm>
+          <a:prstGeom prst="rect">
+            <a:avLst/>
+          </a:prstGeom>
+          <a:noFill/>
+          <a:ln w="28575">
+            <a:solidFill>
+              <a:srgbClr val="FF0000"/>
+            </a:solidFill>
+          </a:ln>
+        </p:spPr>
+        <p:style>
+          <a:lnRef idx="2">
+            <a:schemeClr val="accent1">
+              <a:shade val="15000"/>
+            </a:schemeClr>
+          </a:lnRef>
+          <a:fillRef idx="1">
+            <a:schemeClr val="accent1"/>
+          </a:fillRef>
+          <a:effectRef idx="0">
+            <a:schemeClr val="accent1"/>
+          </a:effectRef>
+          <a:fontRef idx="minor">
+            <a:schemeClr val="lt1"/>
+          </a:fontRef>
+        </p:style>
+        <p:txBody>
+          <a:bodyPr rtlCol="0" anchor="ctr"/>
+          <a:lstStyle/>
+          <a:p>
+            <a:pPr algn="ctr"/>
+            <a:endParaRPr lang="ko-KR" altLang="en-US"/>
+          </a:p>
+        </p:txBody>
+      </p:sp>
+      <p:sp>
+        <p:nvSpPr>
+          <p:cNvPr id="10" name="직사각형 9">
+            <a:extLst>
+              <a:ext uri="{FF2B5EF4-FFF2-40B4-BE49-F238E27FC236}">
+                <a16:creationId xmlns:a16="http://schemas.microsoft.com/office/drawing/2014/main" id="{7B6D312D-FA63-F022-606C-99F4469638B8}"/>
+              </a:ext>
+            </a:extLst>
+          </p:cNvPr>
+          <p:cNvSpPr/>
+          <p:nvPr/>
+        </p:nvSpPr>
+        <p:spPr>
+          <a:xfrm>
+            <a:off x="1673568" y="2303297"/>
+            <a:ext cx="4983626" cy="996206"/>
+          </a:xfrm>
+          <a:prstGeom prst="rect">
+            <a:avLst/>
+          </a:prstGeom>
+          <a:noFill/>
+          <a:ln w="28575">
+            <a:solidFill>
+              <a:srgbClr val="FF0000"/>
+            </a:solidFill>
+          </a:ln>
+        </p:spPr>
+        <p:style>
+          <a:lnRef idx="2">
+            <a:schemeClr val="accent1">
+              <a:shade val="15000"/>
+            </a:schemeClr>
+          </a:lnRef>
+          <a:fillRef idx="1">
+            <a:schemeClr val="accent1"/>
+          </a:fillRef>
+          <a:effectRef idx="0">
+            <a:schemeClr val="accent1"/>
+          </a:effectRef>
+          <a:fontRef idx="minor">
+            <a:schemeClr val="lt1"/>
+          </a:fontRef>
+        </p:style>
+        <p:txBody>
+          <a:bodyPr rtlCol="0" anchor="ctr"/>
+          <a:lstStyle/>
+          <a:p>
+            <a:pPr algn="ctr"/>
+            <a:endParaRPr lang="ko-KR" altLang="en-US"/>
+          </a:p>
+        </p:txBody>
+      </p:sp>
+    </p:spTree>
+    <p:extLst>
+      <p:ext uri="{BB962C8B-B14F-4D97-AF65-F5344CB8AC3E}">
+        <p14:creationId xmlns:p14="http://schemas.microsoft.com/office/powerpoint/2010/main" val="1834767079"/>
+      </p:ext>
+    </p:extLst>
+  </p:cSld>
+  <p:clrMapOvr>
+    <a:masterClrMapping/>
+  </p:clrMapOvr>
+</p:sld>
+</file>
+
+<file path=ppt/slides/slide86.xml><?xml version="1.0" encoding="utf-8"?>
+<p:sld xmlns:a="http://schemas.openxmlformats.org/drawingml/2006/main" xmlns:r="http://schemas.openxmlformats.org/officeDocument/2006/relationships" xmlns:p="http://schemas.openxmlformats.org/presentationml/2006/main">
+  <p:cSld>
+    <p:spTree>
+      <p:nvGrpSpPr>
+        <p:cNvPr id="1" name="">
+          <a:extLst>
+            <a:ext uri="{FF2B5EF4-FFF2-40B4-BE49-F238E27FC236}">
+              <a16:creationId xmlns:a16="http://schemas.microsoft.com/office/drawing/2014/main" id="{B16F9529-91F0-F7FE-2D71-A3D5F765A425}"/>
+            </a:ext>
+          </a:extLst>
+        </p:cNvPr>
+        <p:cNvGrpSpPr/>
+        <p:nvPr/>
+      </p:nvGrpSpPr>
+      <p:grpSpPr>
+        <a:xfrm>
+          <a:off x="0" y="0"/>
+          <a:ext cx="0" cy="0"/>
+          <a:chOff x="0" y="0"/>
+          <a:chExt cx="0" cy="0"/>
+        </a:xfrm>
+      </p:grpSpPr>
+      <p:sp>
+        <p:nvSpPr>
+          <p:cNvPr id="2" name="슬라이드 번호 개체 틀 1">
+            <a:extLst>
+              <a:ext uri="{FF2B5EF4-FFF2-40B4-BE49-F238E27FC236}">
+                <a16:creationId xmlns:a16="http://schemas.microsoft.com/office/drawing/2014/main" id="{EC12A27D-6DCB-B528-7E34-0443FB1BF36F}"/>
+              </a:ext>
+            </a:extLst>
+          </p:cNvPr>
+          <p:cNvSpPr>
+            <a:spLocks noGrp="1"/>
+          </p:cNvSpPr>
+          <p:nvPr>
+            <p:ph type="sldNum" sz="quarter" idx="12"/>
+          </p:nvPr>
+        </p:nvSpPr>
+        <p:spPr/>
+        <p:txBody>
+          <a:bodyPr/>
+          <a:lstStyle/>
+          <a:p>
+            <a:fld id="{D57F1E4F-1CFF-5643-939E-02111984F565}" type="slidenum">
+              <a:rPr lang="en-US" smtClean="0"/>
+              <a:t>85</a:t>
+            </a:fld>
+            <a:endParaRPr lang="en-US" dirty="0"/>
+          </a:p>
+        </p:txBody>
+      </p:sp>
+      <p:pic>
+        <p:nvPicPr>
+          <p:cNvPr id="4" name="그림 3">
+            <a:extLst>
+              <a:ext uri="{FF2B5EF4-FFF2-40B4-BE49-F238E27FC236}">
+                <a16:creationId xmlns:a16="http://schemas.microsoft.com/office/drawing/2014/main" id="{C833A063-A988-29A9-CDB9-5608C9CA8DAE}"/>
+              </a:ext>
+            </a:extLst>
+          </p:cNvPr>
+          <p:cNvPicPr>
+            <a:picLocks noChangeAspect="1"/>
+          </p:cNvPicPr>
+          <p:nvPr/>
+        </p:nvPicPr>
+        <p:blipFill>
+          <a:blip r:embed="rId2"/>
+          <a:stretch>
+            <a:fillRect/>
+          </a:stretch>
+        </p:blipFill>
+        <p:spPr>
+          <a:xfrm>
+            <a:off x="291550" y="1316337"/>
+            <a:ext cx="6963747" cy="2981741"/>
+          </a:xfrm>
+          <a:prstGeom prst="rect">
+            <a:avLst/>
+          </a:prstGeom>
+        </p:spPr>
+      </p:pic>
+      <p:pic>
+        <p:nvPicPr>
+          <p:cNvPr id="6" name="그림 5">
+            <a:extLst>
+              <a:ext uri="{FF2B5EF4-FFF2-40B4-BE49-F238E27FC236}">
+                <a16:creationId xmlns:a16="http://schemas.microsoft.com/office/drawing/2014/main" id="{BB6045A1-D5B9-8DE5-DD82-625880F1BC89}"/>
+              </a:ext>
+            </a:extLst>
+          </p:cNvPr>
+          <p:cNvPicPr>
+            <a:picLocks noChangeAspect="1"/>
+          </p:cNvPicPr>
+          <p:nvPr/>
+        </p:nvPicPr>
+        <p:blipFill>
+          <a:blip r:embed="rId3"/>
+          <a:stretch>
+            <a:fillRect/>
+          </a:stretch>
+        </p:blipFill>
+        <p:spPr>
+          <a:xfrm>
+            <a:off x="4375653" y="3548684"/>
+            <a:ext cx="7354326" cy="2010056"/>
+          </a:xfrm>
+          <a:prstGeom prst="rect">
+            <a:avLst/>
+          </a:prstGeom>
+        </p:spPr>
+      </p:pic>
+      <p:sp>
+        <p:nvSpPr>
+          <p:cNvPr id="7" name="TextBox 6">
+            <a:extLst>
+              <a:ext uri="{FF2B5EF4-FFF2-40B4-BE49-F238E27FC236}">
+                <a16:creationId xmlns:a16="http://schemas.microsoft.com/office/drawing/2014/main" id="{744D1B98-6FC7-8FEE-4AE3-B1C5656378BE}"/>
+              </a:ext>
+            </a:extLst>
+          </p:cNvPr>
+          <p:cNvSpPr txBox="1"/>
+          <p:nvPr/>
+        </p:nvSpPr>
+        <p:spPr>
+          <a:xfrm>
+            <a:off x="100584" y="82296"/>
+            <a:ext cx="10251956" cy="369332"/>
+          </a:xfrm>
+          <a:prstGeom prst="rect">
+            <a:avLst/>
+          </a:prstGeom>
+          <a:noFill/>
+        </p:spPr>
+        <p:txBody>
+          <a:bodyPr wrap="square" rtlCol="0">
+            <a:spAutoFit/>
+          </a:bodyPr>
+          <a:lstStyle/>
+          <a:p>
+            <a:r>
+              <a:rPr lang="en-US" altLang="ko-KR" b="1" dirty="0">
+                <a:solidFill>
+                  <a:srgbClr val="FF0000"/>
+                </a:solidFill>
+                <a:latin typeface="바탕체" panose="02030609000101010101" pitchFamily="17" charset="-127"/>
+                <a:ea typeface="바탕체" panose="02030609000101010101" pitchFamily="17" charset="-127"/>
+              </a:rPr>
+              <a:t>※ </a:t>
+            </a:r>
+            <a:r>
+              <a:rPr lang="ko-KR" altLang="en-US" b="1" dirty="0">
+                <a:solidFill>
+                  <a:srgbClr val="FF0000"/>
+                </a:solidFill>
+              </a:rPr>
+              <a:t>참고</a:t>
+            </a:r>
+            <a:r>
+              <a:rPr lang="en-US" altLang="ko-KR" dirty="0"/>
+              <a:t> : Spring</a:t>
+            </a:r>
+            <a:r>
+              <a:rPr lang="ko-KR" altLang="en-US" dirty="0"/>
+              <a:t> </a:t>
+            </a:r>
+            <a:r>
+              <a:rPr lang="en-US" altLang="ko-KR" dirty="0"/>
+              <a:t>Boot Application </a:t>
+            </a:r>
+            <a:r>
+              <a:rPr lang="ko-KR" altLang="en-US" dirty="0"/>
+              <a:t>실행</a:t>
+            </a:r>
+          </a:p>
+        </p:txBody>
+      </p:sp>
+      <p:sp>
+        <p:nvSpPr>
+          <p:cNvPr id="8" name="TextBox 7">
+            <a:extLst>
+              <a:ext uri="{FF2B5EF4-FFF2-40B4-BE49-F238E27FC236}">
+                <a16:creationId xmlns:a16="http://schemas.microsoft.com/office/drawing/2014/main" id="{BE270F14-AA96-C550-2AA7-0BE5FBA6661D}"/>
+              </a:ext>
+            </a:extLst>
+          </p:cNvPr>
+          <p:cNvSpPr txBox="1"/>
+          <p:nvPr/>
+        </p:nvSpPr>
+        <p:spPr>
+          <a:xfrm>
+            <a:off x="521208" y="565064"/>
+            <a:ext cx="9573768" cy="338554"/>
+          </a:xfrm>
+          <a:prstGeom prst="rect">
+            <a:avLst/>
+          </a:prstGeom>
+          <a:noFill/>
+        </p:spPr>
+        <p:txBody>
+          <a:bodyPr wrap="square" rtlCol="0">
+            <a:spAutoFit/>
+          </a:bodyPr>
+          <a:lstStyle/>
+          <a:p>
+            <a:r>
+              <a:rPr lang="ko-KR" altLang="en-US" sz="1600" dirty="0">
+                <a:latin typeface="맑은 고딕" panose="020B0503020000020004" pitchFamily="50" charset="-127"/>
+                <a:ea typeface="맑은 고딕" panose="020B0503020000020004" pitchFamily="50" charset="-127"/>
+              </a:rPr>
+              <a:t>마우스 </a:t>
+            </a:r>
+            <a:r>
+              <a:rPr lang="ko-KR" altLang="en-US" sz="1600" dirty="0" err="1">
+                <a:latin typeface="맑은 고딕" panose="020B0503020000020004" pitchFamily="50" charset="-127"/>
+                <a:ea typeface="맑은 고딕" panose="020B0503020000020004" pitchFamily="50" charset="-127"/>
+              </a:rPr>
+              <a:t>우클릭</a:t>
+            </a:r>
+            <a:r>
+              <a:rPr lang="ko-KR" altLang="en-US" sz="1600" dirty="0">
+                <a:latin typeface="맑은 고딕" panose="020B0503020000020004" pitchFamily="50" charset="-127"/>
+                <a:ea typeface="맑은 고딕" panose="020B0503020000020004" pitchFamily="50" charset="-127"/>
+              </a:rPr>
+              <a:t> </a:t>
+            </a:r>
+            <a:r>
+              <a:rPr lang="en-US" altLang="ko-KR" sz="1600" dirty="0">
+                <a:latin typeface="맑은 고딕" panose="020B0503020000020004" pitchFamily="50" charset="-127"/>
+                <a:ea typeface="맑은 고딕" panose="020B0503020000020004" pitchFamily="50" charset="-127"/>
+              </a:rPr>
+              <a:t>&gt; Run As &gt; Spring Boot app</a:t>
+            </a:r>
+            <a:endParaRPr lang="ko-KR" altLang="en-US" sz="1500" b="1" dirty="0">
+              <a:solidFill>
+                <a:srgbClr val="FF0000"/>
+              </a:solidFill>
+            </a:endParaRPr>
+          </a:p>
+        </p:txBody>
+      </p:sp>
+      <p:sp>
+        <p:nvSpPr>
+          <p:cNvPr id="9" name="직사각형 8">
+            <a:extLst>
+              <a:ext uri="{FF2B5EF4-FFF2-40B4-BE49-F238E27FC236}">
+                <a16:creationId xmlns:a16="http://schemas.microsoft.com/office/drawing/2014/main" id="{AA3582E5-7F1F-ACF5-E430-38CE4EEA9379}"/>
+              </a:ext>
+            </a:extLst>
+          </p:cNvPr>
+          <p:cNvSpPr/>
+          <p:nvPr/>
+        </p:nvSpPr>
+        <p:spPr>
+          <a:xfrm>
+            <a:off x="664897" y="2333726"/>
+            <a:ext cx="2050872" cy="263170"/>
+          </a:xfrm>
+          <a:prstGeom prst="rect">
+            <a:avLst/>
+          </a:prstGeom>
+          <a:noFill/>
+          <a:ln w="28575">
+            <a:solidFill>
+              <a:srgbClr val="FF0000"/>
+            </a:solidFill>
+          </a:ln>
+        </p:spPr>
+        <p:style>
+          <a:lnRef idx="2">
+            <a:schemeClr val="accent1">
+              <a:shade val="15000"/>
+            </a:schemeClr>
+          </a:lnRef>
+          <a:fillRef idx="1">
+            <a:schemeClr val="accent1"/>
+          </a:fillRef>
+          <a:effectRef idx="0">
+            <a:schemeClr val="accent1"/>
+          </a:effectRef>
+          <a:fontRef idx="minor">
+            <a:schemeClr val="lt1"/>
+          </a:fontRef>
+        </p:style>
+        <p:txBody>
+          <a:bodyPr rtlCol="0" anchor="ctr"/>
+          <a:lstStyle/>
+          <a:p>
+            <a:pPr algn="ctr"/>
+            <a:endParaRPr lang="ko-KR" altLang="en-US"/>
+          </a:p>
+        </p:txBody>
+      </p:sp>
+      <p:sp>
+        <p:nvSpPr>
+          <p:cNvPr id="10" name="직사각형 9">
+            <a:extLst>
+              <a:ext uri="{FF2B5EF4-FFF2-40B4-BE49-F238E27FC236}">
+                <a16:creationId xmlns:a16="http://schemas.microsoft.com/office/drawing/2014/main" id="{00EA764B-B798-4414-7B76-F96922BF288A}"/>
+              </a:ext>
+            </a:extLst>
+          </p:cNvPr>
+          <p:cNvSpPr/>
+          <p:nvPr/>
+        </p:nvSpPr>
+        <p:spPr>
+          <a:xfrm>
+            <a:off x="4448014" y="4166493"/>
+            <a:ext cx="2050872" cy="263170"/>
+          </a:xfrm>
+          <a:prstGeom prst="rect">
+            <a:avLst/>
+          </a:prstGeom>
+          <a:noFill/>
+          <a:ln w="28575">
+            <a:solidFill>
+              <a:srgbClr val="FF0000"/>
+            </a:solidFill>
+          </a:ln>
+        </p:spPr>
+        <p:style>
+          <a:lnRef idx="2">
+            <a:schemeClr val="accent1">
+              <a:shade val="15000"/>
+            </a:schemeClr>
+          </a:lnRef>
+          <a:fillRef idx="1">
+            <a:schemeClr val="accent1"/>
+          </a:fillRef>
+          <a:effectRef idx="0">
+            <a:schemeClr val="accent1"/>
+          </a:effectRef>
+          <a:fontRef idx="minor">
+            <a:schemeClr val="lt1"/>
+          </a:fontRef>
+        </p:style>
+        <p:txBody>
+          <a:bodyPr rtlCol="0" anchor="ctr"/>
+          <a:lstStyle/>
+          <a:p>
+            <a:pPr algn="ctr"/>
+            <a:endParaRPr lang="ko-KR" altLang="en-US"/>
+          </a:p>
+        </p:txBody>
+      </p:sp>
+      <p:sp>
+        <p:nvSpPr>
+          <p:cNvPr id="11" name="직사각형 10">
+            <a:extLst>
+              <a:ext uri="{FF2B5EF4-FFF2-40B4-BE49-F238E27FC236}">
+                <a16:creationId xmlns:a16="http://schemas.microsoft.com/office/drawing/2014/main" id="{F06FA536-B6F4-B548-80C7-0EA4AEAD6AAD}"/>
+              </a:ext>
+            </a:extLst>
+          </p:cNvPr>
+          <p:cNvSpPr/>
+          <p:nvPr/>
+        </p:nvSpPr>
+        <p:spPr>
+          <a:xfrm>
+            <a:off x="8363178" y="4407408"/>
+            <a:ext cx="2050872" cy="263170"/>
+          </a:xfrm>
+          <a:prstGeom prst="rect">
+            <a:avLst/>
+          </a:prstGeom>
+          <a:noFill/>
+          <a:ln w="28575">
+            <a:solidFill>
+              <a:srgbClr val="FF0000"/>
+            </a:solidFill>
+          </a:ln>
+        </p:spPr>
+        <p:style>
+          <a:lnRef idx="2">
+            <a:schemeClr val="accent1">
+              <a:shade val="15000"/>
+            </a:schemeClr>
+          </a:lnRef>
+          <a:fillRef idx="1">
+            <a:schemeClr val="accent1"/>
+          </a:fillRef>
+          <a:effectRef idx="0">
+            <a:schemeClr val="accent1"/>
+          </a:effectRef>
+          <a:fontRef idx="minor">
+            <a:schemeClr val="lt1"/>
+          </a:fontRef>
+        </p:style>
+        <p:txBody>
+          <a:bodyPr rtlCol="0" anchor="ctr"/>
+          <a:lstStyle/>
+          <a:p>
+            <a:pPr algn="ctr"/>
+            <a:endParaRPr lang="ko-KR" altLang="en-US"/>
+          </a:p>
+        </p:txBody>
+      </p:sp>
+      <p:sp>
+        <p:nvSpPr>
+          <p:cNvPr id="12" name="직사각형 11">
+            <a:extLst>
+              <a:ext uri="{FF2B5EF4-FFF2-40B4-BE49-F238E27FC236}">
+                <a16:creationId xmlns:a16="http://schemas.microsoft.com/office/drawing/2014/main" id="{B1B5689B-5AC0-7D71-D3DC-2BB36A26A1CE}"/>
+              </a:ext>
+            </a:extLst>
+          </p:cNvPr>
+          <p:cNvSpPr/>
+          <p:nvPr/>
+        </p:nvSpPr>
+        <p:spPr>
+          <a:xfrm>
+            <a:off x="655753" y="1615144"/>
+            <a:ext cx="2050872" cy="263170"/>
+          </a:xfrm>
+          <a:prstGeom prst="rect">
+            <a:avLst/>
+          </a:prstGeom>
+          <a:noFill/>
+          <a:ln w="28575">
+            <a:solidFill>
+              <a:srgbClr val="FF0000"/>
+            </a:solidFill>
+          </a:ln>
+        </p:spPr>
+        <p:style>
+          <a:lnRef idx="2">
+            <a:schemeClr val="accent1">
+              <a:shade val="15000"/>
+            </a:schemeClr>
+          </a:lnRef>
+          <a:fillRef idx="1">
+            <a:schemeClr val="accent1"/>
+          </a:fillRef>
+          <a:effectRef idx="0">
+            <a:schemeClr val="accent1"/>
+          </a:effectRef>
+          <a:fontRef idx="minor">
+            <a:schemeClr val="lt1"/>
+          </a:fontRef>
+        </p:style>
+        <p:txBody>
+          <a:bodyPr rtlCol="0" anchor="ctr"/>
+          <a:lstStyle/>
+          <a:p>
+            <a:pPr algn="ctr"/>
+            <a:endParaRPr lang="ko-KR" altLang="en-US"/>
+          </a:p>
+        </p:txBody>
+      </p:sp>
+    </p:spTree>
+    <p:extLst>
+      <p:ext uri="{BB962C8B-B14F-4D97-AF65-F5344CB8AC3E}">
+        <p14:creationId xmlns:p14="http://schemas.microsoft.com/office/powerpoint/2010/main" val="3956228588"/>
+      </p:ext>
+    </p:extLst>
+  </p:cSld>
+  <p:clrMapOvr>
+    <a:masterClrMapping/>
+  </p:clrMapOvr>
+</p:sld>
+</file>
+
+<file path=ppt/slides/slide87.xml><?xml version="1.0" encoding="utf-8"?>
+<p:sld xmlns:a="http://schemas.openxmlformats.org/drawingml/2006/main" xmlns:r="http://schemas.openxmlformats.org/officeDocument/2006/relationships" xmlns:p="http://schemas.openxmlformats.org/presentationml/2006/main">
+  <p:cSld>
+    <p:spTree>
+      <p:nvGrpSpPr>
+        <p:cNvPr id="1" name=""/>
+        <p:cNvGrpSpPr/>
+        <p:nvPr/>
+      </p:nvGrpSpPr>
+      <p:grpSpPr>
+        <a:xfrm>
+          <a:off x="0" y="0"/>
+          <a:ext cx="0" cy="0"/>
+          <a:chOff x="0" y="0"/>
+          <a:chExt cx="0" cy="0"/>
+        </a:xfrm>
+      </p:grpSpPr>
+      <p:sp>
+        <p:nvSpPr>
+          <p:cNvPr id="2" name="슬라이드 번호 개체 틀 1">
+            <a:extLst>
+              <a:ext uri="{FF2B5EF4-FFF2-40B4-BE49-F238E27FC236}">
+                <a16:creationId xmlns:a16="http://schemas.microsoft.com/office/drawing/2014/main" id="{F3874F7E-CE64-F637-C987-08F75D5CA50A}"/>
+              </a:ext>
+            </a:extLst>
+          </p:cNvPr>
+          <p:cNvSpPr>
+            <a:spLocks noGrp="1"/>
+          </p:cNvSpPr>
+          <p:nvPr>
+            <p:ph type="sldNum" sz="quarter" idx="12"/>
+          </p:nvPr>
+        </p:nvSpPr>
+        <p:spPr/>
+        <p:txBody>
+          <a:bodyPr/>
+          <a:lstStyle/>
+          <a:p>
+            <a:fld id="{D57F1E4F-1CFF-5643-939E-02111984F565}" type="slidenum">
+              <a:rPr lang="en-US" smtClean="0"/>
+              <a:t>86</a:t>
             </a:fld>
             <a:endParaRPr lang="en-US" dirty="0"/>
           </a:p>
@@ -46694,7 +53739,7 @@
 </p:sld>
 </file>
 
-<file path=ppt/slides/slide77.xml><?xml version="1.0" encoding="utf-8"?>
+<file path=ppt/slides/slide88.xml><?xml version="1.0" encoding="utf-8"?>
 <p:sld xmlns:a="http://schemas.openxmlformats.org/drawingml/2006/main" xmlns:r="http://schemas.openxmlformats.org/officeDocument/2006/relationships" xmlns:p="http://schemas.openxmlformats.org/presentationml/2006/main">
   <p:cSld>
     <p:spTree>
@@ -46788,7 +53833,7 @@
           <a:p>
             <a:fld id="{D57F1E4F-1CFF-5643-939E-02111984F565}" type="slidenum">
               <a:rPr lang="en-US" smtClean="0"/>
-              <a:t>76</a:t>
+              <a:t>87</a:t>
             </a:fld>
             <a:endParaRPr lang="en-US" dirty="0"/>
           </a:p>
@@ -46844,7 +53889,7 @@
         <p:spPr>
           <a:xfrm>
             <a:off x="521208" y="565064"/>
-            <a:ext cx="9573768" cy="2631490"/>
+            <a:ext cx="9573768" cy="1708160"/>
           </a:xfrm>
           <a:prstGeom prst="rect">
             <a:avLst/>
@@ -46871,11 +53916,7 @@
             </a:r>
             <a:r>
               <a:rPr lang="ko-KR" altLang="en-US" sz="1500" dirty="0"/>
-              <a:t>프레임워크에 대한 상세한 설명을 하기 보다는 개발 시 흔히 접하게 되는 기본 패턴을 제공하기 </a:t>
-            </a:r>
-            <a:r>
-              <a:rPr lang="ko-KR" altLang="en-US" sz="1500" dirty="0" err="1"/>
-              <a:t>위함입니다</a:t>
+              <a:t>프레임워크에 대한 상세한 설명을 하기 보다는 개발 시 흔히 접하게 되는 기본 패턴을 제공해주는 것입니다</a:t>
             </a:r>
             <a:r>
               <a:rPr lang="en-US" altLang="ko-KR" sz="1500" dirty="0"/>
@@ -46896,50 +53937,31 @@
             </a:pPr>
             <a:r>
               <a:rPr lang="ko-KR" altLang="en-US" sz="1500" dirty="0"/>
-              <a:t>라이브러리 파일</a:t>
+              <a:t>프로젝트</a:t>
             </a:r>
             <a:r>
               <a:rPr lang="en-US" altLang="ko-KR" sz="1500" dirty="0"/>
-              <a:t>(GenerateExample-SpringBoot.jar)</a:t>
+              <a:t> </a:t>
             </a:r>
             <a:r>
               <a:rPr lang="ko-KR" altLang="en-US" sz="1500" dirty="0"/>
-              <a:t>을 희망하시면 </a:t>
-            </a:r>
-            <a:r>
-              <a:rPr lang="en-US" altLang="ko-KR" sz="1500" dirty="0">
-                <a:hlinkClick r:id="rId2"/>
-              </a:rPr>
-              <a:t>i_sinclare@hanmail.net</a:t>
+              <a:t>폴더 통째로 관리해도 되겠지만 라이브러리 파일 하나로</a:t>
+            </a:r>
+            <a:r>
+              <a:rPr lang="en-US" altLang="ko-KR" sz="1500" dirty="0"/>
+              <a:t>Spring Boot</a:t>
             </a:r>
             <a:r>
               <a:rPr lang="ko-KR" altLang="en-US" sz="1500" dirty="0"/>
-              <a:t>으로 메일 부탁 드립니다</a:t>
+              <a:t> 프로젝트를 구성할</a:t>
             </a:r>
             <a:r>
               <a:rPr lang="en-US" altLang="ko-KR" sz="1500" dirty="0"/>
-              <a:t>.</a:t>
-            </a:r>
-          </a:p>
-          <a:p>
-            <a:pPr marL="285750" indent="-285750">
-              <a:buFont typeface="Arial" panose="020B0604020202020204" pitchFamily="34" charset="0"/>
-              <a:buChar char="•"/>
-            </a:pPr>
-            <a:endParaRPr lang="en-US" altLang="ko-KR" sz="1500" dirty="0"/>
-          </a:p>
-          <a:p>
-            <a:pPr marL="285750" indent="-285750">
-              <a:buFont typeface="Arial" panose="020B0604020202020204" pitchFamily="34" charset="0"/>
-              <a:buChar char="•"/>
-            </a:pPr>
-            <a:r>
-              <a:rPr lang="en-US" altLang="ko-KR" sz="1500" dirty="0"/>
-              <a:t>Spring </a:t>
+              <a:t> </a:t>
             </a:r>
             <a:r>
               <a:rPr lang="ko-KR" altLang="en-US" sz="1500" dirty="0"/>
-              <a:t>프레임워크에 대한 자료도 준비 중입니다</a:t>
+              <a:t>수 있다는 장점이 있습니다</a:t>
             </a:r>
             <a:r>
               <a:rPr lang="en-US" altLang="ko-KR" sz="1500" dirty="0"/>
@@ -46962,28 +53984,6 @@
               <a:buFont typeface="Arial" panose="020B0604020202020204" pitchFamily="34" charset="0"/>
               <a:buChar char="•"/>
             </a:pPr>
-            <a:endParaRPr lang="en-US" altLang="ko-KR" sz="1500" b="1" dirty="0">
-              <a:solidFill>
-                <a:srgbClr val="FF0000"/>
-              </a:solidFill>
-            </a:endParaRPr>
-          </a:p>
-          <a:p>
-            <a:pPr marL="285750" indent="-285750">
-              <a:buFont typeface="Arial" panose="020B0604020202020204" pitchFamily="34" charset="0"/>
-              <a:buChar char="•"/>
-            </a:pPr>
-            <a:endParaRPr lang="en-US" altLang="ko-KR" sz="1500" b="1" dirty="0">
-              <a:solidFill>
-                <a:srgbClr val="FF0000"/>
-              </a:solidFill>
-            </a:endParaRPr>
-          </a:p>
-          <a:p>
-            <a:pPr marL="285750" indent="-285750">
-              <a:buFont typeface="Arial" panose="020B0604020202020204" pitchFamily="34" charset="0"/>
-              <a:buChar char="•"/>
-            </a:pPr>
             <a:r>
               <a:rPr lang="ko-KR" altLang="en-US" sz="1500" b="1" dirty="0">
                 <a:solidFill>
@@ -47014,7 +54014,21 @@
                   <a:srgbClr val="FF0000"/>
                 </a:solidFill>
               </a:rPr>
-              <a:t>.</a:t>
+              <a:t>. </a:t>
+            </a:r>
+            <a:r>
+              <a:rPr lang="en-US" altLang="ko-KR" sz="1500" dirty="0"/>
+              <a:t>( </a:t>
+            </a:r>
+            <a:r>
+              <a:rPr lang="en-US" altLang="ko-KR" sz="1500" dirty="0">
+                <a:hlinkClick r:id="rId2"/>
+              </a:rPr>
+              <a:t>i_sinclare@hanmail.net</a:t>
+            </a:r>
+            <a:r>
+              <a:rPr lang="en-US" altLang="ko-KR" sz="1500" dirty="0"/>
+              <a:t> )</a:t>
             </a:r>
             <a:endParaRPr lang="ko-KR" altLang="en-US" sz="1500" b="1" dirty="0">
               <a:solidFill>
@@ -47028,142 +54042,6 @@
     <p:extLst>
       <p:ext uri="{BB962C8B-B14F-4D97-AF65-F5344CB8AC3E}">
         <p14:creationId xmlns:p14="http://schemas.microsoft.com/office/powerpoint/2010/main" val="2589603531"/>
-      </p:ext>
-    </p:extLst>
-  </p:cSld>
-  <p:clrMapOvr>
-    <a:masterClrMapping/>
-  </p:clrMapOvr>
-</p:sld>
-</file>
-
-<file path=ppt/slides/slide8.xml><?xml version="1.0" encoding="utf-8"?>
-<p:sld xmlns:a="http://schemas.openxmlformats.org/drawingml/2006/main" xmlns:r="http://schemas.openxmlformats.org/officeDocument/2006/relationships" xmlns:p="http://schemas.openxmlformats.org/presentationml/2006/main">
-  <p:cSld>
-    <p:spTree>
-      <p:nvGrpSpPr>
-        <p:cNvPr id="1" name=""/>
-        <p:cNvGrpSpPr/>
-        <p:nvPr/>
-      </p:nvGrpSpPr>
-      <p:grpSpPr>
-        <a:xfrm>
-          <a:off x="0" y="0"/>
-          <a:ext cx="0" cy="0"/>
-          <a:chOff x="0" y="0"/>
-          <a:chExt cx="0" cy="0"/>
-        </a:xfrm>
-      </p:grpSpPr>
-      <p:sp>
-        <p:nvSpPr>
-          <p:cNvPr id="2" name="제목 1">
-            <a:extLst>
-              <a:ext uri="{FF2B5EF4-FFF2-40B4-BE49-F238E27FC236}">
-                <a16:creationId xmlns:a16="http://schemas.microsoft.com/office/drawing/2014/main" id="{D6DA562C-406B-CB3E-DFE2-50F1788D4568}"/>
-              </a:ext>
-            </a:extLst>
-          </p:cNvPr>
-          <p:cNvSpPr>
-            <a:spLocks noGrp="1"/>
-          </p:cNvSpPr>
-          <p:nvPr>
-            <p:ph type="title"/>
-          </p:nvPr>
-        </p:nvSpPr>
-        <p:spPr/>
-        <p:txBody>
-          <a:bodyPr/>
-          <a:lstStyle/>
-          <a:p>
-            <a:r>
-              <a:rPr lang="en-US" altLang="ko-KR" dirty="0"/>
-              <a:t>1. Welcome</a:t>
-            </a:r>
-            <a:r>
-              <a:rPr lang="ko-KR" altLang="en-US" dirty="0"/>
-              <a:t> 페이지</a:t>
-            </a:r>
-            <a:br>
-              <a:rPr lang="en-US" altLang="ko-KR" dirty="0"/>
-            </a:br>
-            <a:r>
-              <a:rPr lang="en-US" altLang="ko-KR" dirty="0"/>
-              <a:t>(Controller only )</a:t>
-            </a:r>
-            <a:endParaRPr lang="ko-KR" altLang="en-US" dirty="0"/>
-          </a:p>
-        </p:txBody>
-      </p:sp>
-      <p:sp>
-        <p:nvSpPr>
-          <p:cNvPr id="3" name="텍스트 개체 틀 2">
-            <a:extLst>
-              <a:ext uri="{FF2B5EF4-FFF2-40B4-BE49-F238E27FC236}">
-                <a16:creationId xmlns:a16="http://schemas.microsoft.com/office/drawing/2014/main" id="{9AC0B261-6BF4-0E9C-20FF-8BBB1C1602D1}"/>
-              </a:ext>
-            </a:extLst>
-          </p:cNvPr>
-          <p:cNvSpPr>
-            <a:spLocks noGrp="1"/>
-          </p:cNvSpPr>
-          <p:nvPr>
-            <p:ph type="body" idx="1"/>
-          </p:nvPr>
-        </p:nvSpPr>
-        <p:spPr/>
-        <p:txBody>
-          <a:bodyPr>
-            <a:normAutofit/>
-          </a:bodyPr>
-          <a:lstStyle/>
-          <a:p>
-            <a:endParaRPr lang="en-US" altLang="ko-KR" dirty="0"/>
-          </a:p>
-          <a:p>
-            <a:r>
-              <a:rPr lang="ko-KR" altLang="en-US" dirty="0"/>
-              <a:t>옵션값 </a:t>
-            </a:r>
-            <a:r>
-              <a:rPr lang="en-US" altLang="ko-KR" dirty="0"/>
-              <a:t>: 1</a:t>
-            </a:r>
-          </a:p>
-        </p:txBody>
-      </p:sp>
-      <p:sp>
-        <p:nvSpPr>
-          <p:cNvPr id="4" name="슬라이드 번호 개체 틀 3">
-            <a:extLst>
-              <a:ext uri="{FF2B5EF4-FFF2-40B4-BE49-F238E27FC236}">
-                <a16:creationId xmlns:a16="http://schemas.microsoft.com/office/drawing/2014/main" id="{EB496E12-E9B2-737C-4BE2-66173890E939}"/>
-              </a:ext>
-            </a:extLst>
-          </p:cNvPr>
-          <p:cNvSpPr>
-            <a:spLocks noGrp="1"/>
-          </p:cNvSpPr>
-          <p:nvPr>
-            <p:ph type="sldNum" sz="quarter" idx="12"/>
-          </p:nvPr>
-        </p:nvSpPr>
-        <p:spPr/>
-        <p:txBody>
-          <a:bodyPr/>
-          <a:lstStyle/>
-          <a:p>
-            <a:fld id="{D57F1E4F-1CFF-5643-939E-02111984F565}" type="slidenum">
-              <a:rPr lang="en-US" smtClean="0"/>
-              <a:t>7</a:t>
-            </a:fld>
-            <a:endParaRPr lang="en-US" dirty="0"/>
-          </a:p>
-        </p:txBody>
-      </p:sp>
-    </p:spTree>
-    <p:extLst>
-      <p:ext uri="{BB962C8B-B14F-4D97-AF65-F5344CB8AC3E}">
-        <p14:creationId xmlns:p14="http://schemas.microsoft.com/office/powerpoint/2010/main" val="1021056176"/>
       </p:ext>
     </p:extLst>
   </p:cSld>
